--- a/powerpoint/MudBlazor presentation.pptx
+++ b/powerpoint/MudBlazor presentation.pptx
@@ -4,9 +4,14 @@
   <p:sldMasterIdLst>
     <p:sldMasterId id="2147483648" r:id="rId1"/>
   </p:sldMasterIdLst>
+  <p:notesMasterIdLst>
+    <p:notesMasterId r:id="rId6"/>
+  </p:notesMasterIdLst>
   <p:sldIdLst>
     <p:sldId id="256" r:id="rId2"/>
-    <p:sldId id="257" r:id="rId3"/>
+    <p:sldId id="259" r:id="rId3"/>
+    <p:sldId id="261" r:id="rId4"/>
+    <p:sldId id="260" r:id="rId5"/>
   </p:sldIdLst>
   <p:sldSz cx="12192000" cy="6858000"/>
   <p:notesSz cx="6858000" cy="9144000"/>
@@ -108,6 +113,444 @@
 </p:presentation>
 </file>
 
+<file path=ppt/notesMasters/notesMaster1.xml><?xml version="1.0" encoding="utf-8"?>
+<p:notesMaster xmlns:a="http://schemas.openxmlformats.org/drawingml/2006/main" xmlns:r="http://schemas.openxmlformats.org/officeDocument/2006/relationships" xmlns:p="http://schemas.openxmlformats.org/presentationml/2006/main">
+  <p:cSld>
+    <p:bg>
+      <p:bgRef idx="1001">
+        <a:schemeClr val="bg1"/>
+      </p:bgRef>
+    </p:bg>
+    <p:spTree>
+      <p:nvGrpSpPr>
+        <p:cNvPr id="1" name=""/>
+        <p:cNvGrpSpPr/>
+        <p:nvPr/>
+      </p:nvGrpSpPr>
+      <p:grpSpPr>
+        <a:xfrm>
+          <a:off x="0" y="0"/>
+          <a:ext cx="0" cy="0"/>
+          <a:chOff x="0" y="0"/>
+          <a:chExt cx="0" cy="0"/>
+        </a:xfrm>
+      </p:grpSpPr>
+      <p:sp>
+        <p:nvSpPr>
+          <p:cNvPr id="2" name="Header Placeholder 1"/>
+          <p:cNvSpPr>
+            <a:spLocks noGrp="1"/>
+          </p:cNvSpPr>
+          <p:nvPr>
+            <p:ph type="hdr" sz="quarter"/>
+          </p:nvPr>
+        </p:nvSpPr>
+        <p:spPr>
+          <a:xfrm>
+            <a:off x="0" y="0"/>
+            <a:ext cx="2971800" cy="458788"/>
+          </a:xfrm>
+          <a:prstGeom prst="rect">
+            <a:avLst/>
+          </a:prstGeom>
+        </p:spPr>
+        <p:txBody>
+          <a:bodyPr vert="horz" lIns="91440" tIns="45720" rIns="91440" bIns="45720" rtlCol="0"/>
+          <a:lstStyle>
+            <a:lvl1pPr algn="l">
+              <a:defRPr sz="1200"/>
+            </a:lvl1pPr>
+          </a:lstStyle>
+          <a:p>
+            <a:endParaRPr lang="nl-NL"/>
+          </a:p>
+        </p:txBody>
+      </p:sp>
+      <p:sp>
+        <p:nvSpPr>
+          <p:cNvPr id="3" name="Date Placeholder 2"/>
+          <p:cNvSpPr>
+            <a:spLocks noGrp="1"/>
+          </p:cNvSpPr>
+          <p:nvPr>
+            <p:ph type="dt" idx="1"/>
+          </p:nvPr>
+        </p:nvSpPr>
+        <p:spPr>
+          <a:xfrm>
+            <a:off x="3884613" y="0"/>
+            <a:ext cx="2971800" cy="458788"/>
+          </a:xfrm>
+          <a:prstGeom prst="rect">
+            <a:avLst/>
+          </a:prstGeom>
+        </p:spPr>
+        <p:txBody>
+          <a:bodyPr vert="horz" lIns="91440" tIns="45720" rIns="91440" bIns="45720" rtlCol="0"/>
+          <a:lstStyle>
+            <a:lvl1pPr algn="r">
+              <a:defRPr sz="1200"/>
+            </a:lvl1pPr>
+          </a:lstStyle>
+          <a:p>
+            <a:fld id="{2E4F2622-5461-4E3A-A9A9-E7D39FD1DE35}" type="datetimeFigureOut">
+              <a:rPr lang="nl-NL" smtClean="0"/>
+              <a:t>5-11-2025</a:t>
+            </a:fld>
+            <a:endParaRPr lang="nl-NL"/>
+          </a:p>
+        </p:txBody>
+      </p:sp>
+      <p:sp>
+        <p:nvSpPr>
+          <p:cNvPr id="4" name="Slide Image Placeholder 3"/>
+          <p:cNvSpPr>
+            <a:spLocks noGrp="1" noRot="1" noChangeAspect="1"/>
+          </p:cNvSpPr>
+          <p:nvPr>
+            <p:ph type="sldImg" idx="2"/>
+          </p:nvPr>
+        </p:nvSpPr>
+        <p:spPr>
+          <a:xfrm>
+            <a:off x="685800" y="1143000"/>
+            <a:ext cx="5486400" cy="3086100"/>
+          </a:xfrm>
+          <a:prstGeom prst="rect">
+            <a:avLst/>
+          </a:prstGeom>
+          <a:noFill/>
+          <a:ln w="12700">
+            <a:solidFill>
+              <a:prstClr val="black"/>
+            </a:solidFill>
+          </a:ln>
+        </p:spPr>
+        <p:txBody>
+          <a:bodyPr vert="horz" lIns="91440" tIns="45720" rIns="91440" bIns="45720" rtlCol="0" anchor="ctr"/>
+          <a:lstStyle/>
+          <a:p>
+            <a:endParaRPr lang="nl-NL"/>
+          </a:p>
+        </p:txBody>
+      </p:sp>
+      <p:sp>
+        <p:nvSpPr>
+          <p:cNvPr id="5" name="Notes Placeholder 4"/>
+          <p:cNvSpPr>
+            <a:spLocks noGrp="1"/>
+          </p:cNvSpPr>
+          <p:nvPr>
+            <p:ph type="body" sz="quarter" idx="3"/>
+          </p:nvPr>
+        </p:nvSpPr>
+        <p:spPr>
+          <a:xfrm>
+            <a:off x="685800" y="4400550"/>
+            <a:ext cx="5486400" cy="3600450"/>
+          </a:xfrm>
+          <a:prstGeom prst="rect">
+            <a:avLst/>
+          </a:prstGeom>
+        </p:spPr>
+        <p:txBody>
+          <a:bodyPr vert="horz" lIns="91440" tIns="45720" rIns="91440" bIns="45720" rtlCol="0"/>
+          <a:lstStyle/>
+          <a:p>
+            <a:pPr lvl="0"/>
+            <a:r>
+              <a:rPr lang="en-GB"/>
+              <a:t>Click to edit Master text styles</a:t>
+            </a:r>
+          </a:p>
+          <a:p>
+            <a:pPr lvl="1"/>
+            <a:r>
+              <a:rPr lang="en-GB"/>
+              <a:t>Second level</a:t>
+            </a:r>
+          </a:p>
+          <a:p>
+            <a:pPr lvl="2"/>
+            <a:r>
+              <a:rPr lang="en-GB"/>
+              <a:t>Third level</a:t>
+            </a:r>
+          </a:p>
+          <a:p>
+            <a:pPr lvl="3"/>
+            <a:r>
+              <a:rPr lang="en-GB"/>
+              <a:t>Fourth level</a:t>
+            </a:r>
+          </a:p>
+          <a:p>
+            <a:pPr lvl="4"/>
+            <a:r>
+              <a:rPr lang="en-GB"/>
+              <a:t>Fifth level</a:t>
+            </a:r>
+            <a:endParaRPr lang="nl-NL"/>
+          </a:p>
+        </p:txBody>
+      </p:sp>
+      <p:sp>
+        <p:nvSpPr>
+          <p:cNvPr id="6" name="Footer Placeholder 5"/>
+          <p:cNvSpPr>
+            <a:spLocks noGrp="1"/>
+          </p:cNvSpPr>
+          <p:nvPr>
+            <p:ph type="ftr" sz="quarter" idx="4"/>
+          </p:nvPr>
+        </p:nvSpPr>
+        <p:spPr>
+          <a:xfrm>
+            <a:off x="0" y="8685213"/>
+            <a:ext cx="2971800" cy="458787"/>
+          </a:xfrm>
+          <a:prstGeom prst="rect">
+            <a:avLst/>
+          </a:prstGeom>
+        </p:spPr>
+        <p:txBody>
+          <a:bodyPr vert="horz" lIns="91440" tIns="45720" rIns="91440" bIns="45720" rtlCol="0" anchor="b"/>
+          <a:lstStyle>
+            <a:lvl1pPr algn="l">
+              <a:defRPr sz="1200"/>
+            </a:lvl1pPr>
+          </a:lstStyle>
+          <a:p>
+            <a:endParaRPr lang="nl-NL"/>
+          </a:p>
+        </p:txBody>
+      </p:sp>
+      <p:sp>
+        <p:nvSpPr>
+          <p:cNvPr id="7" name="Slide Number Placeholder 6"/>
+          <p:cNvSpPr>
+            <a:spLocks noGrp="1"/>
+          </p:cNvSpPr>
+          <p:nvPr>
+            <p:ph type="sldNum" sz="quarter" idx="5"/>
+          </p:nvPr>
+        </p:nvSpPr>
+        <p:spPr>
+          <a:xfrm>
+            <a:off x="3884613" y="8685213"/>
+            <a:ext cx="2971800" cy="458787"/>
+          </a:xfrm>
+          <a:prstGeom prst="rect">
+            <a:avLst/>
+          </a:prstGeom>
+        </p:spPr>
+        <p:txBody>
+          <a:bodyPr vert="horz" lIns="91440" tIns="45720" rIns="91440" bIns="45720" rtlCol="0" anchor="b"/>
+          <a:lstStyle>
+            <a:lvl1pPr algn="r">
+              <a:defRPr sz="1200"/>
+            </a:lvl1pPr>
+          </a:lstStyle>
+          <a:p>
+            <a:fld id="{1FB57125-8481-4D40-9A99-DC04EDF299F9}" type="slidenum">
+              <a:rPr lang="nl-NL" smtClean="0"/>
+              <a:t>‹#›</a:t>
+            </a:fld>
+            <a:endParaRPr lang="nl-NL"/>
+          </a:p>
+        </p:txBody>
+      </p:sp>
+    </p:spTree>
+    <p:extLst>
+      <p:ext uri="{BB962C8B-B14F-4D97-AF65-F5344CB8AC3E}">
+        <p14:creationId xmlns:p14="http://schemas.microsoft.com/office/powerpoint/2010/main" val="797885958"/>
+      </p:ext>
+    </p:extLst>
+  </p:cSld>
+  <p:clrMap bg1="lt1" tx1="dk1" bg2="lt2" tx2="dk2" accent1="accent1" accent2="accent2" accent3="accent3" accent4="accent4" accent5="accent5" accent6="accent6" hlink="hlink" folHlink="folHlink"/>
+  <p:notesStyle>
+    <a:lvl1pPr marL="0" algn="l" defTabSz="914400" rtl="0" eaLnBrk="1" latinLnBrk="0" hangingPunct="1">
+      <a:defRPr sz="1200" kern="1200">
+        <a:solidFill>
+          <a:schemeClr val="tx1"/>
+        </a:solidFill>
+        <a:latin typeface="+mn-lt"/>
+        <a:ea typeface="+mn-ea"/>
+        <a:cs typeface="+mn-cs"/>
+      </a:defRPr>
+    </a:lvl1pPr>
+    <a:lvl2pPr marL="457200" algn="l" defTabSz="914400" rtl="0" eaLnBrk="1" latinLnBrk="0" hangingPunct="1">
+      <a:defRPr sz="1200" kern="1200">
+        <a:solidFill>
+          <a:schemeClr val="tx1"/>
+        </a:solidFill>
+        <a:latin typeface="+mn-lt"/>
+        <a:ea typeface="+mn-ea"/>
+        <a:cs typeface="+mn-cs"/>
+      </a:defRPr>
+    </a:lvl2pPr>
+    <a:lvl3pPr marL="914400" algn="l" defTabSz="914400" rtl="0" eaLnBrk="1" latinLnBrk="0" hangingPunct="1">
+      <a:defRPr sz="1200" kern="1200">
+        <a:solidFill>
+          <a:schemeClr val="tx1"/>
+        </a:solidFill>
+        <a:latin typeface="+mn-lt"/>
+        <a:ea typeface="+mn-ea"/>
+        <a:cs typeface="+mn-cs"/>
+      </a:defRPr>
+    </a:lvl3pPr>
+    <a:lvl4pPr marL="1371600" algn="l" defTabSz="914400" rtl="0" eaLnBrk="1" latinLnBrk="0" hangingPunct="1">
+      <a:defRPr sz="1200" kern="1200">
+        <a:solidFill>
+          <a:schemeClr val="tx1"/>
+        </a:solidFill>
+        <a:latin typeface="+mn-lt"/>
+        <a:ea typeface="+mn-ea"/>
+        <a:cs typeface="+mn-cs"/>
+      </a:defRPr>
+    </a:lvl4pPr>
+    <a:lvl5pPr marL="1828800" algn="l" defTabSz="914400" rtl="0" eaLnBrk="1" latinLnBrk="0" hangingPunct="1">
+      <a:defRPr sz="1200" kern="1200">
+        <a:solidFill>
+          <a:schemeClr val="tx1"/>
+        </a:solidFill>
+        <a:latin typeface="+mn-lt"/>
+        <a:ea typeface="+mn-ea"/>
+        <a:cs typeface="+mn-cs"/>
+      </a:defRPr>
+    </a:lvl5pPr>
+    <a:lvl6pPr marL="2286000" algn="l" defTabSz="914400" rtl="0" eaLnBrk="1" latinLnBrk="0" hangingPunct="1">
+      <a:defRPr sz="1200" kern="1200">
+        <a:solidFill>
+          <a:schemeClr val="tx1"/>
+        </a:solidFill>
+        <a:latin typeface="+mn-lt"/>
+        <a:ea typeface="+mn-ea"/>
+        <a:cs typeface="+mn-cs"/>
+      </a:defRPr>
+    </a:lvl6pPr>
+    <a:lvl7pPr marL="2743200" algn="l" defTabSz="914400" rtl="0" eaLnBrk="1" latinLnBrk="0" hangingPunct="1">
+      <a:defRPr sz="1200" kern="1200">
+        <a:solidFill>
+          <a:schemeClr val="tx1"/>
+        </a:solidFill>
+        <a:latin typeface="+mn-lt"/>
+        <a:ea typeface="+mn-ea"/>
+        <a:cs typeface="+mn-cs"/>
+      </a:defRPr>
+    </a:lvl7pPr>
+    <a:lvl8pPr marL="3200400" algn="l" defTabSz="914400" rtl="0" eaLnBrk="1" latinLnBrk="0" hangingPunct="1">
+      <a:defRPr sz="1200" kern="1200">
+        <a:solidFill>
+          <a:schemeClr val="tx1"/>
+        </a:solidFill>
+        <a:latin typeface="+mn-lt"/>
+        <a:ea typeface="+mn-ea"/>
+        <a:cs typeface="+mn-cs"/>
+      </a:defRPr>
+    </a:lvl8pPr>
+    <a:lvl9pPr marL="3657600" algn="l" defTabSz="914400" rtl="0" eaLnBrk="1" latinLnBrk="0" hangingPunct="1">
+      <a:defRPr sz="1200" kern="1200">
+        <a:solidFill>
+          <a:schemeClr val="tx1"/>
+        </a:solidFill>
+        <a:latin typeface="+mn-lt"/>
+        <a:ea typeface="+mn-ea"/>
+        <a:cs typeface="+mn-cs"/>
+      </a:defRPr>
+    </a:lvl9pPr>
+  </p:notesStyle>
+</p:notesMaster>
+</file>
+
+<file path=ppt/notesSlides/notesSlide1.xml><?xml version="1.0" encoding="utf-8"?>
+<p:notes xmlns:a="http://schemas.openxmlformats.org/drawingml/2006/main" xmlns:r="http://schemas.openxmlformats.org/officeDocument/2006/relationships" xmlns:p="http://schemas.openxmlformats.org/presentationml/2006/main">
+  <p:cSld>
+    <p:spTree>
+      <p:nvGrpSpPr>
+        <p:cNvPr id="1" name=""/>
+        <p:cNvGrpSpPr/>
+        <p:nvPr/>
+      </p:nvGrpSpPr>
+      <p:grpSpPr>
+        <a:xfrm>
+          <a:off x="0" y="0"/>
+          <a:ext cx="0" cy="0"/>
+          <a:chOff x="0" y="0"/>
+          <a:chExt cx="0" cy="0"/>
+        </a:xfrm>
+      </p:grpSpPr>
+      <p:sp>
+        <p:nvSpPr>
+          <p:cNvPr id="2" name="Slide Image Placeholder 1"/>
+          <p:cNvSpPr>
+            <a:spLocks noGrp="1" noRot="1" noChangeAspect="1"/>
+          </p:cNvSpPr>
+          <p:nvPr>
+            <p:ph type="sldImg"/>
+          </p:nvPr>
+        </p:nvSpPr>
+        <p:spPr/>
+      </p:sp>
+      <p:sp>
+        <p:nvSpPr>
+          <p:cNvPr id="3" name="Notes Placeholder 2"/>
+          <p:cNvSpPr>
+            <a:spLocks noGrp="1"/>
+          </p:cNvSpPr>
+          <p:nvPr>
+            <p:ph type="body" idx="1"/>
+          </p:nvPr>
+        </p:nvSpPr>
+        <p:spPr/>
+        <p:txBody>
+          <a:bodyPr/>
+          <a:lstStyle/>
+          <a:p>
+            <a:r>
+              <a:rPr lang="en-US" dirty="0"/>
+              <a:t>MUD Blazor = Material User Design, guess what Blazor stands for</a:t>
+            </a:r>
+            <a:endParaRPr lang="nl-NL" dirty="0"/>
+          </a:p>
+        </p:txBody>
+      </p:sp>
+      <p:sp>
+        <p:nvSpPr>
+          <p:cNvPr id="4" name="Slide Number Placeholder 3"/>
+          <p:cNvSpPr>
+            <a:spLocks noGrp="1"/>
+          </p:cNvSpPr>
+          <p:nvPr>
+            <p:ph type="sldNum" sz="quarter" idx="5"/>
+          </p:nvPr>
+        </p:nvSpPr>
+        <p:spPr/>
+        <p:txBody>
+          <a:bodyPr/>
+          <a:lstStyle/>
+          <a:p>
+            <a:fld id="{1FB57125-8481-4D40-9A99-DC04EDF299F9}" type="slidenum">
+              <a:rPr lang="nl-NL" smtClean="0"/>
+              <a:t>3</a:t>
+            </a:fld>
+            <a:endParaRPr lang="nl-NL"/>
+          </a:p>
+        </p:txBody>
+      </p:sp>
+    </p:spTree>
+    <p:extLst>
+      <p:ext uri="{BB962C8B-B14F-4D97-AF65-F5344CB8AC3E}">
+        <p14:creationId xmlns:p14="http://schemas.microsoft.com/office/powerpoint/2010/main" val="1516689909"/>
+      </p:ext>
+    </p:extLst>
+  </p:cSld>
+  <p:clrMapOvr>
+    <a:masterClrMapping/>
+  </p:clrMapOvr>
+</p:notes>
+</file>
+
 <file path=ppt/slideLayouts/slideLayout1.xml><?xml version="1.0" encoding="utf-8"?>
 <p:sldLayout xmlns:a="http://schemas.openxmlformats.org/drawingml/2006/main" xmlns:r="http://schemas.openxmlformats.org/officeDocument/2006/relationships" xmlns:p="http://schemas.openxmlformats.org/presentationml/2006/main" type="title" preserve="1">
   <p:cSld name="Title Slide">
@@ -146,6 +589,9 @@
             <a:off x="1524000" y="1122363"/>
             <a:ext cx="9144000" cy="2387600"/>
           </a:xfrm>
+          <a:prstGeom prst="rect">
+            <a:avLst/>
+          </a:prstGeom>
         </p:spPr>
         <p:txBody>
           <a:bodyPr anchor="b"/>
@@ -184,6 +630,9 @@
             <a:off x="1524000" y="3602038"/>
             <a:ext cx="9144000" cy="1655762"/>
           </a:xfrm>
+          <a:prstGeom prst="rect">
+            <a:avLst/>
+          </a:prstGeom>
         </p:spPr>
         <p:txBody>
           <a:bodyPr/>
@@ -363,7 +812,15 @@
             <p:ph type="title"/>
           </p:nvPr>
         </p:nvSpPr>
-        <p:spPr/>
+        <p:spPr>
+          <a:xfrm>
+            <a:off x="838200" y="365125"/>
+            <a:ext cx="10515600" cy="1325563"/>
+          </a:xfrm>
+          <a:prstGeom prst="rect">
+            <a:avLst/>
+          </a:prstGeom>
+        </p:spPr>
         <p:txBody>
           <a:bodyPr/>
           <a:lstStyle/>
@@ -392,7 +849,15 @@
             <p:ph type="body" orient="vert" idx="1"/>
           </p:nvPr>
         </p:nvSpPr>
-        <p:spPr/>
+        <p:spPr>
+          <a:xfrm>
+            <a:off x="838200" y="1825625"/>
+            <a:ext cx="10515600" cy="4351338"/>
+          </a:xfrm>
+          <a:prstGeom prst="rect">
+            <a:avLst/>
+          </a:prstGeom>
+        </p:spPr>
         <p:txBody>
           <a:bodyPr vert="eaVert"/>
           <a:lstStyle/>
@@ -568,6 +1033,9 @@
             <a:off x="8724900" y="365125"/>
             <a:ext cx="2628900" cy="5811838"/>
           </a:xfrm>
+          <a:prstGeom prst="rect">
+            <a:avLst/>
+          </a:prstGeom>
         </p:spPr>
         <p:txBody>
           <a:bodyPr vert="eaVert"/>
@@ -602,6 +1070,9 @@
             <a:off x="838200" y="365125"/>
             <a:ext cx="7734300" cy="5811838"/>
           </a:xfrm>
+          <a:prstGeom prst="rect">
+            <a:avLst/>
+          </a:prstGeom>
         </p:spPr>
         <p:txBody>
           <a:bodyPr vert="eaVert"/>
@@ -741,7 +1212,7 @@
 </file>
 
 <file path=ppt/slideLayouts/slideLayout2.xml><?xml version="1.0" encoding="utf-8"?>
-<p:sldLayout xmlns:a="http://schemas.openxmlformats.org/drawingml/2006/main" xmlns:r="http://schemas.openxmlformats.org/officeDocument/2006/relationships" xmlns:p="http://schemas.openxmlformats.org/presentationml/2006/main" type="obj" preserve="1">
+<p:sldLayout xmlns:a="http://schemas.openxmlformats.org/drawingml/2006/main" xmlns:r="http://schemas.openxmlformats.org/officeDocument/2006/relationships" xmlns:p="http://schemas.openxmlformats.org/presentationml/2006/main" preserve="1" userDrawn="1">
   <p:cSld name="Title and Content">
     <p:spTree>
       <p:nvGrpSpPr>
@@ -773,7 +1244,12 @@
             <p:ph type="title"/>
           </p:nvPr>
         </p:nvSpPr>
-        <p:spPr/>
+        <p:spPr>
+          <a:xfrm>
+            <a:off x="1778000" y="365125"/>
+            <a:ext cx="9575800" cy="1325563"/>
+          </a:xfrm>
+        </p:spPr>
         <p:txBody>
           <a:bodyPr/>
           <a:lstStyle/>
@@ -802,45 +1278,50 @@
             <p:ph idx="1"/>
           </p:nvPr>
         </p:nvSpPr>
-        <p:spPr/>
+        <p:spPr>
+          <a:xfrm>
+            <a:off x="1778000" y="1825625"/>
+            <a:ext cx="9575800" cy="4351338"/>
+          </a:xfrm>
+        </p:spPr>
         <p:txBody>
           <a:bodyPr/>
           <a:lstStyle/>
           <a:p>
             <a:pPr lvl="0"/>
             <a:r>
-              <a:rPr lang="en-GB"/>
+              <a:rPr lang="en-GB" dirty="0"/>
               <a:t>Click to edit Master text styles</a:t>
             </a:r>
           </a:p>
           <a:p>
             <a:pPr lvl="1"/>
             <a:r>
-              <a:rPr lang="en-GB"/>
+              <a:rPr lang="en-GB" dirty="0"/>
               <a:t>Second level</a:t>
             </a:r>
           </a:p>
           <a:p>
             <a:pPr lvl="2"/>
             <a:r>
-              <a:rPr lang="en-GB"/>
+              <a:rPr lang="en-GB" dirty="0"/>
               <a:t>Third level</a:t>
             </a:r>
           </a:p>
           <a:p>
             <a:pPr lvl="3"/>
             <a:r>
-              <a:rPr lang="en-GB"/>
+              <a:rPr lang="en-GB" dirty="0"/>
               <a:t>Fourth level</a:t>
             </a:r>
           </a:p>
           <a:p>
             <a:pPr lvl="4"/>
             <a:r>
-              <a:rPr lang="en-GB"/>
+              <a:rPr lang="en-GB" dirty="0"/>
               <a:t>Fifth level</a:t>
             </a:r>
-            <a:endParaRPr lang="nl-NL"/>
+            <a:endParaRPr lang="nl-NL" dirty="0"/>
           </a:p>
         </p:txBody>
       </p:sp>
@@ -860,7 +1341,12 @@
             <p:ph type="dt" sz="half" idx="10"/>
           </p:nvPr>
         </p:nvSpPr>
-        <p:spPr/>
+        <p:spPr>
+          <a:xfrm>
+            <a:off x="1778000" y="6356348"/>
+            <a:ext cx="2311400" cy="365125"/>
+          </a:xfrm>
+        </p:spPr>
         <p:txBody>
           <a:bodyPr/>
           <a:lstStyle/>
@@ -889,12 +1375,17 @@
             <p:ph type="ftr" sz="quarter" idx="11"/>
           </p:nvPr>
         </p:nvSpPr>
-        <p:spPr/>
-        <p:txBody>
-          <a:bodyPr/>
-          <a:lstStyle/>
-          <a:p>
-            <a:endParaRPr lang="nl-NL"/>
+        <p:spPr>
+          <a:xfrm>
+            <a:off x="4495799" y="6356349"/>
+            <a:ext cx="4140201" cy="365125"/>
+          </a:xfrm>
+        </p:spPr>
+        <p:txBody>
+          <a:bodyPr/>
+          <a:lstStyle/>
+          <a:p>
+            <a:endParaRPr lang="nl-NL" dirty="0"/>
           </a:p>
         </p:txBody>
       </p:sp>
@@ -923,6 +1414,58 @@
               <a:rPr lang="nl-NL" smtClean="0"/>
               <a:t>‹#›</a:t>
             </a:fld>
+            <a:endParaRPr lang="nl-NL" dirty="0"/>
+          </a:p>
+        </p:txBody>
+      </p:sp>
+      <p:sp>
+        <p:nvSpPr>
+          <p:cNvPr id="13" name="Rectangle 12">
+            <a:extLst>
+              <a:ext uri="{FF2B5EF4-FFF2-40B4-BE49-F238E27FC236}">
+                <a16:creationId xmlns:a16="http://schemas.microsoft.com/office/drawing/2014/main" id="{707B2F68-35AF-F6D5-8007-D6AC03C4F2CD}"/>
+              </a:ext>
+            </a:extLst>
+          </p:cNvPr>
+          <p:cNvSpPr/>
+          <p:nvPr userDrawn="1"/>
+        </p:nvSpPr>
+        <p:spPr>
+          <a:xfrm rot="16200000">
+            <a:off x="-2895597" y="2895599"/>
+            <a:ext cx="6858002" cy="1066800"/>
+          </a:xfrm>
+          <a:prstGeom prst="rect">
+            <a:avLst/>
+          </a:prstGeom>
+          <a:solidFill>
+            <a:srgbClr val="5F50E5"/>
+          </a:solidFill>
+          <a:ln>
+            <a:noFill/>
+          </a:ln>
+        </p:spPr>
+        <p:style>
+          <a:lnRef idx="2">
+            <a:schemeClr val="accent1">
+              <a:shade val="15000"/>
+            </a:schemeClr>
+          </a:lnRef>
+          <a:fillRef idx="1">
+            <a:schemeClr val="accent1"/>
+          </a:fillRef>
+          <a:effectRef idx="0">
+            <a:schemeClr val="accent1"/>
+          </a:effectRef>
+          <a:fontRef idx="minor">
+            <a:schemeClr val="lt1"/>
+          </a:fontRef>
+        </p:style>
+        <p:txBody>
+          <a:bodyPr rtlCol="0" anchor="ctr"/>
+          <a:lstStyle/>
+          <a:p>
+            <a:pPr algn="ctr"/>
             <a:endParaRPr lang="nl-NL"/>
           </a:p>
         </p:txBody>
@@ -978,6 +1521,9 @@
             <a:off x="831850" y="1709738"/>
             <a:ext cx="10515600" cy="2852737"/>
           </a:xfrm>
+          <a:prstGeom prst="rect">
+            <a:avLst/>
+          </a:prstGeom>
         </p:spPr>
         <p:txBody>
           <a:bodyPr anchor="b"/>
@@ -1016,6 +1562,9 @@
             <a:off x="831850" y="4589463"/>
             <a:ext cx="10515600" cy="1500187"/>
           </a:xfrm>
+          <a:prstGeom prst="rect">
+            <a:avLst/>
+          </a:prstGeom>
         </p:spPr>
         <p:txBody>
           <a:bodyPr/>
@@ -1249,7 +1798,15 @@
             <p:ph type="title"/>
           </p:nvPr>
         </p:nvSpPr>
-        <p:spPr/>
+        <p:spPr>
+          <a:xfrm>
+            <a:off x="838200" y="365125"/>
+            <a:ext cx="10515600" cy="1325563"/>
+          </a:xfrm>
+          <a:prstGeom prst="rect">
+            <a:avLst/>
+          </a:prstGeom>
+        </p:spPr>
         <p:txBody>
           <a:bodyPr/>
           <a:lstStyle/>
@@ -1283,6 +1840,9 @@
             <a:off x="838200" y="1825625"/>
             <a:ext cx="5181600" cy="4351338"/>
           </a:xfrm>
+          <a:prstGeom prst="rect">
+            <a:avLst/>
+          </a:prstGeom>
         </p:spPr>
         <p:txBody>
           <a:bodyPr/>
@@ -1346,6 +1906,9 @@
             <a:off x="6172200" y="1825625"/>
             <a:ext cx="5181600" cy="4351338"/>
           </a:xfrm>
+          <a:prstGeom prst="rect">
+            <a:avLst/>
+          </a:prstGeom>
         </p:spPr>
         <p:txBody>
           <a:bodyPr/>
@@ -1522,6 +2085,9 @@
             <a:off x="839788" y="365125"/>
             <a:ext cx="10515600" cy="1325563"/>
           </a:xfrm>
+          <a:prstGeom prst="rect">
+            <a:avLst/>
+          </a:prstGeom>
         </p:spPr>
         <p:txBody>
           <a:bodyPr/>
@@ -1556,6 +2122,9 @@
             <a:off x="839788" y="1681163"/>
             <a:ext cx="5157787" cy="823912"/>
           </a:xfrm>
+          <a:prstGeom prst="rect">
+            <a:avLst/>
+          </a:prstGeom>
         </p:spPr>
         <p:txBody>
           <a:bodyPr anchor="b"/>
@@ -1627,6 +2196,9 @@
             <a:off x="839788" y="2505075"/>
             <a:ext cx="5157787" cy="3684588"/>
           </a:xfrm>
+          <a:prstGeom prst="rect">
+            <a:avLst/>
+          </a:prstGeom>
         </p:spPr>
         <p:txBody>
           <a:bodyPr/>
@@ -1690,6 +2262,9 @@
             <a:off x="6172200" y="1681163"/>
             <a:ext cx="5183188" cy="823912"/>
           </a:xfrm>
+          <a:prstGeom prst="rect">
+            <a:avLst/>
+          </a:prstGeom>
         </p:spPr>
         <p:txBody>
           <a:bodyPr anchor="b"/>
@@ -1761,6 +2336,9 @@
             <a:off x="6172200" y="2505075"/>
             <a:ext cx="5183188" cy="3684588"/>
           </a:xfrm>
+          <a:prstGeom prst="rect">
+            <a:avLst/>
+          </a:prstGeom>
         </p:spPr>
         <p:txBody>
           <a:bodyPr/>
@@ -1932,7 +2510,15 @@
             <p:ph type="title"/>
           </p:nvPr>
         </p:nvSpPr>
-        <p:spPr/>
+        <p:spPr>
+          <a:xfrm>
+            <a:off x="838200" y="365125"/>
+            <a:ext cx="10515600" cy="1325563"/>
+          </a:xfrm>
+          <a:prstGeom prst="rect">
+            <a:avLst/>
+          </a:prstGeom>
+        </p:spPr>
         <p:txBody>
           <a:bodyPr/>
           <a:lstStyle/>
@@ -2192,6 +2778,9 @@
             <a:off x="839788" y="457200"/>
             <a:ext cx="3932237" cy="1600200"/>
           </a:xfrm>
+          <a:prstGeom prst="rect">
+            <a:avLst/>
+          </a:prstGeom>
         </p:spPr>
         <p:txBody>
           <a:bodyPr anchor="b"/>
@@ -2230,6 +2819,9 @@
             <a:off x="5183188" y="987425"/>
             <a:ext cx="6172200" cy="4873625"/>
           </a:xfrm>
+          <a:prstGeom prst="rect">
+            <a:avLst/>
+          </a:prstGeom>
         </p:spPr>
         <p:txBody>
           <a:bodyPr/>
@@ -2321,6 +2913,9 @@
             <a:off x="839788" y="2057400"/>
             <a:ext cx="3932237" cy="3811588"/>
           </a:xfrm>
+          <a:prstGeom prst="rect">
+            <a:avLst/>
+          </a:prstGeom>
         </p:spPr>
         <p:txBody>
           <a:bodyPr/>
@@ -2505,6 +3100,9 @@
             <a:off x="839788" y="457200"/>
             <a:ext cx="3932237" cy="1600200"/>
           </a:xfrm>
+          <a:prstGeom prst="rect">
+            <a:avLst/>
+          </a:prstGeom>
         </p:spPr>
         <p:txBody>
           <a:bodyPr anchor="b"/>
@@ -2543,6 +3141,9 @@
             <a:off x="5183188" y="987425"/>
             <a:ext cx="6172200" cy="4873625"/>
           </a:xfrm>
+          <a:prstGeom prst="rect">
+            <a:avLst/>
+          </a:prstGeom>
         </p:spPr>
         <p:txBody>
           <a:bodyPr/>
@@ -2610,6 +3211,9 @@
             <a:off x="839788" y="2057400"/>
             <a:ext cx="3932237" cy="3811588"/>
           </a:xfrm>
+          <a:prstGeom prst="rect">
+            <a:avLst/>
+          </a:prstGeom>
         </p:spPr>
         <p:txBody>
           <a:bodyPr/>
@@ -2796,8 +3400,8 @@
         </p:nvSpPr>
         <p:spPr>
           <a:xfrm>
-            <a:off x="838200" y="365125"/>
-            <a:ext cx="10515600" cy="1325563"/>
+            <a:off x="1270000" y="365125"/>
+            <a:ext cx="10083800" cy="1325563"/>
           </a:xfrm>
           <a:prstGeom prst="rect">
             <a:avLst/>
@@ -2810,10 +3414,10 @@
           <a:lstStyle/>
           <a:p>
             <a:r>
-              <a:rPr lang="en-GB"/>
+              <a:rPr lang="en-GB" dirty="0"/>
               <a:t>Click to edit Master title style</a:t>
             </a:r>
-            <a:endParaRPr lang="nl-NL"/>
+            <a:endParaRPr lang="nl-NL" dirty="0"/>
           </a:p>
         </p:txBody>
       </p:sp>
@@ -2835,8 +3439,8 @@
         </p:nvSpPr>
         <p:spPr>
           <a:xfrm>
-            <a:off x="838200" y="1825625"/>
-            <a:ext cx="10515600" cy="4351338"/>
+            <a:off x="1270000" y="1825625"/>
+            <a:ext cx="10083800" cy="4351338"/>
           </a:xfrm>
           <a:prstGeom prst="rect">
             <a:avLst/>
@@ -2850,38 +3454,38 @@
           <a:p>
             <a:pPr lvl="0"/>
             <a:r>
-              <a:rPr lang="en-GB"/>
+              <a:rPr lang="en-GB" dirty="0"/>
               <a:t>Click to edit Master text styles</a:t>
             </a:r>
           </a:p>
           <a:p>
             <a:pPr lvl="1"/>
             <a:r>
-              <a:rPr lang="en-GB"/>
+              <a:rPr lang="en-GB" dirty="0"/>
               <a:t>Second level</a:t>
             </a:r>
           </a:p>
           <a:p>
             <a:pPr lvl="2"/>
             <a:r>
-              <a:rPr lang="en-GB"/>
+              <a:rPr lang="en-GB" dirty="0"/>
               <a:t>Third level</a:t>
             </a:r>
           </a:p>
           <a:p>
             <a:pPr lvl="3"/>
             <a:r>
-              <a:rPr lang="en-GB"/>
+              <a:rPr lang="en-GB" dirty="0"/>
               <a:t>Fourth level</a:t>
             </a:r>
           </a:p>
           <a:p>
             <a:pPr lvl="4"/>
             <a:r>
-              <a:rPr lang="en-GB"/>
+              <a:rPr lang="en-GB" dirty="0"/>
               <a:t>Fifth level</a:t>
             </a:r>
-            <a:endParaRPr lang="nl-NL"/>
+            <a:endParaRPr lang="nl-NL" dirty="0"/>
           </a:p>
         </p:txBody>
       </p:sp>
@@ -2903,8 +3507,8 @@
         </p:nvSpPr>
         <p:spPr>
           <a:xfrm>
-            <a:off x="838200" y="6356350"/>
-            <a:ext cx="2743200" cy="365125"/>
+            <a:off x="1270000" y="6356349"/>
+            <a:ext cx="2311400" cy="365125"/>
           </a:xfrm>
           <a:prstGeom prst="rect">
             <a:avLst/>
@@ -2950,8 +3554,8 @@
         </p:nvSpPr>
         <p:spPr>
           <a:xfrm>
-            <a:off x="4038600" y="6356350"/>
-            <a:ext cx="4114800" cy="365125"/>
+            <a:off x="4025899" y="6356349"/>
+            <a:ext cx="4572002" cy="365125"/>
           </a:xfrm>
           <a:prstGeom prst="rect">
             <a:avLst/>
@@ -2993,8 +3597,8 @@
         </p:nvSpPr>
         <p:spPr>
           <a:xfrm>
-            <a:off x="8610600" y="6356350"/>
-            <a:ext cx="2743200" cy="365125"/>
+            <a:off x="9042400" y="6356350"/>
+            <a:ext cx="2311400" cy="365125"/>
           </a:xfrm>
           <a:prstGeom prst="rect">
             <a:avLst/>
@@ -3551,7 +4155,7 @@
           <p:cNvPr id="2" name="Title 1">
             <a:extLst>
               <a:ext uri="{FF2B5EF4-FFF2-40B4-BE49-F238E27FC236}">
-                <a16:creationId xmlns:a16="http://schemas.microsoft.com/office/drawing/2014/main" id="{463816F9-F88D-B615-B950-B80086EBFAF3}"/>
+                <a16:creationId xmlns:a16="http://schemas.microsoft.com/office/drawing/2014/main" id="{5DE7DACC-1920-B5A5-ED8F-070C38C5ED40}"/>
               </a:ext>
             </a:extLst>
           </p:cNvPr>
@@ -3562,12 +4166,7 @@
             <p:ph type="title"/>
           </p:nvPr>
         </p:nvSpPr>
-        <p:spPr>
-          <a:xfrm>
-            <a:off x="1762125" y="365125"/>
-            <a:ext cx="9591675" cy="1325563"/>
-          </a:xfrm>
-        </p:spPr>
+        <p:spPr/>
         <p:txBody>
           <a:bodyPr/>
           <a:lstStyle/>
@@ -3585,7 +4184,7 @@
           <p:cNvPr id="3" name="Content Placeholder 2">
             <a:extLst>
               <a:ext uri="{FF2B5EF4-FFF2-40B4-BE49-F238E27FC236}">
-                <a16:creationId xmlns:a16="http://schemas.microsoft.com/office/drawing/2014/main" id="{45A63AC3-C6C4-F4B1-4264-9A632F70E86F}"/>
+                <a16:creationId xmlns:a16="http://schemas.microsoft.com/office/drawing/2014/main" id="{78F26B90-9F35-D6F1-99F8-F3655724A4BD}"/>
               </a:ext>
             </a:extLst>
           </p:cNvPr>
@@ -3596,15 +4195,16 @@
             <p:ph idx="1"/>
           </p:nvPr>
         </p:nvSpPr>
-        <p:spPr>
-          <a:xfrm>
-            <a:off x="1762125" y="1825625"/>
-            <a:ext cx="9591675" cy="4351338"/>
-          </a:xfrm>
-        </p:spPr>
-        <p:txBody>
-          <a:bodyPr/>
-          <a:lstStyle/>
+        <p:spPr/>
+        <p:txBody>
+          <a:bodyPr/>
+          <a:lstStyle/>
+          <a:p>
+            <a:r>
+              <a:rPr lang="en-US" dirty="0"/>
+              <a:t>Quick overview</a:t>
+            </a:r>
+          </a:p>
           <a:p>
             <a:r>
               <a:rPr lang="en-US" dirty="0"/>
@@ -3642,62 +4242,347 @@
           </a:p>
         </p:txBody>
       </p:sp>
-      <p:sp>
-        <p:nvSpPr>
-          <p:cNvPr id="4" name="Rectangle 3">
-            <a:extLst>
-              <a:ext uri="{FF2B5EF4-FFF2-40B4-BE49-F238E27FC236}">
-                <a16:creationId xmlns:a16="http://schemas.microsoft.com/office/drawing/2014/main" id="{5323C9FC-F6E5-A012-D5D8-CE09601555C7}"/>
-              </a:ext>
-            </a:extLst>
-          </p:cNvPr>
-          <p:cNvSpPr/>
+    </p:spTree>
+    <p:extLst>
+      <p:ext uri="{BB962C8B-B14F-4D97-AF65-F5344CB8AC3E}">
+        <p14:creationId xmlns:p14="http://schemas.microsoft.com/office/powerpoint/2010/main" val="1044195409"/>
+      </p:ext>
+    </p:extLst>
+  </p:cSld>
+  <p:clrMapOvr>
+    <a:masterClrMapping/>
+  </p:clrMapOvr>
+</p:sld>
+</file>
+
+<file path=ppt/slides/slide3.xml><?xml version="1.0" encoding="utf-8"?>
+<p:sld xmlns:a="http://schemas.openxmlformats.org/drawingml/2006/main" xmlns:r="http://schemas.openxmlformats.org/officeDocument/2006/relationships" xmlns:p="http://schemas.openxmlformats.org/presentationml/2006/main">
+  <p:cSld>
+    <p:spTree>
+      <p:nvGrpSpPr>
+        <p:cNvPr id="1" name=""/>
+        <p:cNvGrpSpPr/>
+        <p:nvPr/>
+      </p:nvGrpSpPr>
+      <p:grpSpPr>
+        <a:xfrm>
+          <a:off x="0" y="0"/>
+          <a:ext cx="0" cy="0"/>
+          <a:chOff x="0" y="0"/>
+          <a:chExt cx="0" cy="0"/>
+        </a:xfrm>
+      </p:grpSpPr>
+      <p:sp>
+        <p:nvSpPr>
+          <p:cNvPr id="2" name="Title 1">
+            <a:extLst>
+              <a:ext uri="{FF2B5EF4-FFF2-40B4-BE49-F238E27FC236}">
+                <a16:creationId xmlns:a16="http://schemas.microsoft.com/office/drawing/2014/main" id="{C000CC75-F00E-2A15-94A6-C934706D9039}"/>
+              </a:ext>
+            </a:extLst>
+          </p:cNvPr>
+          <p:cNvSpPr>
+            <a:spLocks noGrp="1"/>
+          </p:cNvSpPr>
+          <p:nvPr>
+            <p:ph type="title"/>
+          </p:nvPr>
+        </p:nvSpPr>
+        <p:spPr/>
+        <p:txBody>
+          <a:bodyPr/>
+          <a:lstStyle/>
+          <a:p>
+            <a:r>
+              <a:rPr lang="en-US" dirty="0"/>
+              <a:t>Quick overview</a:t>
+            </a:r>
+            <a:endParaRPr lang="nl-NL" dirty="0"/>
+          </a:p>
+        </p:txBody>
+      </p:sp>
+      <p:pic>
+        <p:nvPicPr>
+          <p:cNvPr id="7" name="Picture 6">
+            <a:extLst>
+              <a:ext uri="{FF2B5EF4-FFF2-40B4-BE49-F238E27FC236}">
+                <a16:creationId xmlns:a16="http://schemas.microsoft.com/office/drawing/2014/main" id="{C714A3DF-98B1-A98D-7197-D9CE1363D071}"/>
+              </a:ext>
+            </a:extLst>
+          </p:cNvPr>
+          <p:cNvPicPr>
+            <a:picLocks noChangeAspect="1"/>
+          </p:cNvPicPr>
           <p:nvPr/>
-        </p:nvSpPr>
+        </p:nvPicPr>
+        <p:blipFill>
+          <a:blip r:embed="rId3"/>
+          <a:stretch>
+            <a:fillRect/>
+          </a:stretch>
+        </p:blipFill>
         <p:spPr>
-          <a:xfrm rot="16200000">
-            <a:off x="-2895597" y="2895599"/>
-            <a:ext cx="6858002" cy="1066800"/>
+          <a:xfrm rot="21256541">
+            <a:off x="1477962" y="1769220"/>
+            <a:ext cx="4257675" cy="1152525"/>
           </a:xfrm>
           <a:prstGeom prst="rect">
             <a:avLst/>
           </a:prstGeom>
-          <a:solidFill>
-            <a:srgbClr val="5F50E5"/>
-          </a:solidFill>
-          <a:ln>
-            <a:noFill/>
-          </a:ln>
         </p:spPr>
-        <p:style>
-          <a:lnRef idx="2">
-            <a:schemeClr val="accent1">
-              <a:shade val="15000"/>
-            </a:schemeClr>
-          </a:lnRef>
-          <a:fillRef idx="1">
-            <a:schemeClr val="accent1"/>
-          </a:fillRef>
-          <a:effectRef idx="0">
-            <a:schemeClr val="accent1"/>
-          </a:effectRef>
-          <a:fontRef idx="minor">
-            <a:schemeClr val="lt1"/>
-          </a:fontRef>
-        </p:style>
-        <p:txBody>
-          <a:bodyPr rtlCol="0" anchor="ctr"/>
-          <a:lstStyle/>
-          <a:p>
-            <a:pPr algn="ctr"/>
-            <a:endParaRPr lang="nl-NL"/>
-          </a:p>
-        </p:txBody>
-      </p:sp>
+      </p:pic>
+      <p:pic>
+        <p:nvPicPr>
+          <p:cNvPr id="9" name="Picture 8">
+            <a:extLst>
+              <a:ext uri="{FF2B5EF4-FFF2-40B4-BE49-F238E27FC236}">
+                <a16:creationId xmlns:a16="http://schemas.microsoft.com/office/drawing/2014/main" id="{9F1ADA25-5B82-37F1-31B9-C7AD1C6F0468}"/>
+              </a:ext>
+            </a:extLst>
+          </p:cNvPr>
+          <p:cNvPicPr>
+            <a:picLocks noChangeAspect="1"/>
+          </p:cNvPicPr>
+          <p:nvPr/>
+        </p:nvPicPr>
+        <p:blipFill>
+          <a:blip r:embed="rId4"/>
+          <a:stretch>
+            <a:fillRect/>
+          </a:stretch>
+        </p:blipFill>
+        <p:spPr>
+          <a:xfrm rot="959768">
+            <a:off x="5929010" y="1822308"/>
+            <a:ext cx="6087859" cy="1046351"/>
+          </a:xfrm>
+          <a:prstGeom prst="rect">
+            <a:avLst/>
+          </a:prstGeom>
+        </p:spPr>
+      </p:pic>
+      <p:pic>
+        <p:nvPicPr>
+          <p:cNvPr id="11" name="Picture 10">
+            <a:extLst>
+              <a:ext uri="{FF2B5EF4-FFF2-40B4-BE49-F238E27FC236}">
+                <a16:creationId xmlns:a16="http://schemas.microsoft.com/office/drawing/2014/main" id="{FDC41FE0-BFA6-63D2-7B27-29172613AE24}"/>
+              </a:ext>
+            </a:extLst>
+          </p:cNvPr>
+          <p:cNvPicPr>
+            <a:picLocks noChangeAspect="1"/>
+          </p:cNvPicPr>
+          <p:nvPr/>
+        </p:nvPicPr>
+        <p:blipFill>
+          <a:blip r:embed="rId5"/>
+          <a:stretch>
+            <a:fillRect/>
+          </a:stretch>
+        </p:blipFill>
+        <p:spPr>
+          <a:xfrm rot="269129">
+            <a:off x="4902200" y="3095625"/>
+            <a:ext cx="6705600" cy="895350"/>
+          </a:xfrm>
+          <a:prstGeom prst="rect">
+            <a:avLst/>
+          </a:prstGeom>
+        </p:spPr>
+      </p:pic>
+      <p:pic>
+        <p:nvPicPr>
+          <p:cNvPr id="15" name="Picture 14">
+            <a:extLst>
+              <a:ext uri="{FF2B5EF4-FFF2-40B4-BE49-F238E27FC236}">
+                <a16:creationId xmlns:a16="http://schemas.microsoft.com/office/drawing/2014/main" id="{CBDBDC65-F58E-FBC5-A692-FCD826FFA779}"/>
+              </a:ext>
+            </a:extLst>
+          </p:cNvPr>
+          <p:cNvPicPr>
+            <a:picLocks noChangeAspect="1"/>
+          </p:cNvPicPr>
+          <p:nvPr/>
+        </p:nvPicPr>
+        <p:blipFill>
+          <a:blip r:embed="rId6"/>
+          <a:stretch>
+            <a:fillRect/>
+          </a:stretch>
+        </p:blipFill>
+        <p:spPr>
+          <a:xfrm rot="1253183">
+            <a:off x="8964443" y="4905382"/>
+            <a:ext cx="2790825" cy="466725"/>
+          </a:xfrm>
+          <a:prstGeom prst="rect">
+            <a:avLst/>
+          </a:prstGeom>
+        </p:spPr>
+      </p:pic>
+      <p:pic>
+        <p:nvPicPr>
+          <p:cNvPr id="17" name="Picture 16">
+            <a:extLst>
+              <a:ext uri="{FF2B5EF4-FFF2-40B4-BE49-F238E27FC236}">
+                <a16:creationId xmlns:a16="http://schemas.microsoft.com/office/drawing/2014/main" id="{C0CA4888-5ACD-5F9E-B5FB-0EF4DF9A0A49}"/>
+              </a:ext>
+            </a:extLst>
+          </p:cNvPr>
+          <p:cNvPicPr>
+            <a:picLocks noChangeAspect="1"/>
+          </p:cNvPicPr>
+          <p:nvPr/>
+        </p:nvPicPr>
+        <p:blipFill>
+          <a:blip r:embed="rId7"/>
+          <a:stretch>
+            <a:fillRect/>
+          </a:stretch>
+        </p:blipFill>
+        <p:spPr>
+          <a:xfrm rot="243612">
+            <a:off x="5852932" y="4319358"/>
+            <a:ext cx="2542369" cy="2079625"/>
+          </a:xfrm>
+          <a:prstGeom prst="rect">
+            <a:avLst/>
+          </a:prstGeom>
+        </p:spPr>
+      </p:pic>
+      <p:pic>
+        <p:nvPicPr>
+          <p:cNvPr id="19" name="Picture 18">
+            <a:extLst>
+              <a:ext uri="{FF2B5EF4-FFF2-40B4-BE49-F238E27FC236}">
+                <a16:creationId xmlns:a16="http://schemas.microsoft.com/office/drawing/2014/main" id="{B332854D-4E4F-560A-C012-5405C8641135}"/>
+              </a:ext>
+            </a:extLst>
+          </p:cNvPr>
+          <p:cNvPicPr>
+            <a:picLocks noChangeAspect="1"/>
+          </p:cNvPicPr>
+          <p:nvPr/>
+        </p:nvPicPr>
+        <p:blipFill>
+          <a:blip r:embed="rId8"/>
+          <a:stretch>
+            <a:fillRect/>
+          </a:stretch>
+        </p:blipFill>
+        <p:spPr>
+          <a:xfrm rot="20892072">
+            <a:off x="2009674" y="3248152"/>
+            <a:ext cx="2509773" cy="3020034"/>
+          </a:xfrm>
+          <a:prstGeom prst="rect">
+            <a:avLst/>
+          </a:prstGeom>
+        </p:spPr>
+      </p:pic>
     </p:spTree>
     <p:extLst>
       <p:ext uri="{BB962C8B-B14F-4D97-AF65-F5344CB8AC3E}">
-        <p14:creationId xmlns:p14="http://schemas.microsoft.com/office/powerpoint/2010/main" val="148106774"/>
+        <p14:creationId xmlns:p14="http://schemas.microsoft.com/office/powerpoint/2010/main" val="1067754254"/>
+      </p:ext>
+    </p:extLst>
+  </p:cSld>
+  <p:clrMapOvr>
+    <a:masterClrMapping/>
+  </p:clrMapOvr>
+</p:sld>
+</file>
+
+<file path=ppt/slides/slide4.xml><?xml version="1.0" encoding="utf-8"?>
+<p:sld xmlns:a="http://schemas.openxmlformats.org/drawingml/2006/main" xmlns:r="http://schemas.openxmlformats.org/officeDocument/2006/relationships" xmlns:p="http://schemas.openxmlformats.org/presentationml/2006/main">
+  <p:cSld>
+    <p:spTree>
+      <p:nvGrpSpPr>
+        <p:cNvPr id="1" name=""/>
+        <p:cNvGrpSpPr/>
+        <p:nvPr/>
+      </p:nvGrpSpPr>
+      <p:grpSpPr>
+        <a:xfrm>
+          <a:off x="0" y="0"/>
+          <a:ext cx="0" cy="0"/>
+          <a:chOff x="0" y="0"/>
+          <a:chExt cx="0" cy="0"/>
+        </a:xfrm>
+      </p:grpSpPr>
+      <p:sp>
+        <p:nvSpPr>
+          <p:cNvPr id="2" name="Title 1">
+            <a:extLst>
+              <a:ext uri="{FF2B5EF4-FFF2-40B4-BE49-F238E27FC236}">
+                <a16:creationId xmlns:a16="http://schemas.microsoft.com/office/drawing/2014/main" id="{952F9307-94C3-356D-431A-8C19274A8E66}"/>
+              </a:ext>
+            </a:extLst>
+          </p:cNvPr>
+          <p:cNvSpPr>
+            <a:spLocks noGrp="1"/>
+          </p:cNvSpPr>
+          <p:nvPr>
+            <p:ph type="title"/>
+          </p:nvPr>
+        </p:nvSpPr>
+        <p:spPr/>
+        <p:txBody>
+          <a:bodyPr/>
+          <a:lstStyle/>
+          <a:p>
+            <a:r>
+              <a:rPr lang="en-US" dirty="0"/>
+              <a:t>Setup</a:t>
+            </a:r>
+            <a:endParaRPr lang="nl-NL" dirty="0"/>
+          </a:p>
+        </p:txBody>
+      </p:sp>
+      <p:sp>
+        <p:nvSpPr>
+          <p:cNvPr id="3" name="Content Placeholder 2">
+            <a:extLst>
+              <a:ext uri="{FF2B5EF4-FFF2-40B4-BE49-F238E27FC236}">
+                <a16:creationId xmlns:a16="http://schemas.microsoft.com/office/drawing/2014/main" id="{73279221-FE69-2109-793A-BB1B19557F14}"/>
+              </a:ext>
+            </a:extLst>
+          </p:cNvPr>
+          <p:cNvSpPr>
+            <a:spLocks noGrp="1"/>
+          </p:cNvSpPr>
+          <p:nvPr>
+            <p:ph idx="1"/>
+          </p:nvPr>
+        </p:nvSpPr>
+        <p:spPr/>
+        <p:txBody>
+          <a:bodyPr/>
+          <a:lstStyle/>
+          <a:p>
+            <a:r>
+              <a:rPr lang="en-US" dirty="0"/>
+              <a:t>Manual</a:t>
+            </a:r>
+          </a:p>
+          <a:p>
+            <a:r>
+              <a:rPr lang="en-US" dirty="0"/>
+              <a:t>dotnet new </a:t>
+            </a:r>
+            <a:r>
+              <a:rPr lang="en-US" dirty="0" err="1"/>
+              <a:t>mudblazor</a:t>
+            </a:r>
+            <a:endParaRPr lang="en-US" dirty="0"/>
+          </a:p>
+        </p:txBody>
+      </p:sp>
+    </p:spTree>
+    <p:extLst>
+      <p:ext uri="{BB962C8B-B14F-4D97-AF65-F5344CB8AC3E}">
+        <p14:creationId xmlns:p14="http://schemas.microsoft.com/office/powerpoint/2010/main" val="846474363"/>
       </p:ext>
     </p:extLst>
   </p:cSld>
@@ -4020,4 +4905,319 @@
     </a:ext>
   </a:extLst>
 </a:theme>
+</file>
+
+<file path=ppt/theme/theme2.xml><?xml version="1.0" encoding="utf-8"?>
+<a:theme xmlns:a="http://schemas.openxmlformats.org/drawingml/2006/main" name="Office Theme">
+  <a:themeElements>
+    <a:clrScheme name="Office">
+      <a:dk1>
+        <a:sysClr val="windowText" lastClr="000000"/>
+      </a:dk1>
+      <a:lt1>
+        <a:sysClr val="window" lastClr="FFFFFF"/>
+      </a:lt1>
+      <a:dk2>
+        <a:srgbClr val="0E2841"/>
+      </a:dk2>
+      <a:lt2>
+        <a:srgbClr val="E8E8E8"/>
+      </a:lt2>
+      <a:accent1>
+        <a:srgbClr val="156082"/>
+      </a:accent1>
+      <a:accent2>
+        <a:srgbClr val="E97132"/>
+      </a:accent2>
+      <a:accent3>
+        <a:srgbClr val="196B24"/>
+      </a:accent3>
+      <a:accent4>
+        <a:srgbClr val="0F9ED5"/>
+      </a:accent4>
+      <a:accent5>
+        <a:srgbClr val="A02B93"/>
+      </a:accent5>
+      <a:accent6>
+        <a:srgbClr val="4EA72E"/>
+      </a:accent6>
+      <a:hlink>
+        <a:srgbClr val="467886"/>
+      </a:hlink>
+      <a:folHlink>
+        <a:srgbClr val="96607D"/>
+      </a:folHlink>
+    </a:clrScheme>
+    <a:fontScheme name="Office">
+      <a:majorFont>
+        <a:latin typeface="Aptos Display" panose="02110004020202020204"/>
+        <a:ea typeface=""/>
+        <a:cs typeface=""/>
+        <a:font script="Jpan" typeface="游ゴシック Light"/>
+        <a:font script="Hang" typeface="맑은 고딕"/>
+        <a:font script="Hans" typeface="等线 Light"/>
+        <a:font script="Hant" typeface="新細明體"/>
+        <a:font script="Arab" typeface="Times New Roman"/>
+        <a:font script="Hebr" typeface="Times New Roman"/>
+        <a:font script="Thai" typeface="Angsana New"/>
+        <a:font script="Ethi" typeface="Nyala"/>
+        <a:font script="Beng" typeface="Vrinda"/>
+        <a:font script="Gujr" typeface="Shruti"/>
+        <a:font script="Khmr" typeface="MoolBoran"/>
+        <a:font script="Knda" typeface="Tunga"/>
+        <a:font script="Guru" typeface="Raavi"/>
+        <a:font script="Cans" typeface="Euphemia"/>
+        <a:font script="Cher" typeface="Plantagenet Cherokee"/>
+        <a:font script="Yiii" typeface="Microsoft Yi Baiti"/>
+        <a:font script="Tibt" typeface="Microsoft Himalaya"/>
+        <a:font script="Thaa" typeface="MV Boli"/>
+        <a:font script="Deva" typeface="Mangal"/>
+        <a:font script="Telu" typeface="Gautami"/>
+        <a:font script="Taml" typeface="Latha"/>
+        <a:font script="Syrc" typeface="Estrangelo Edessa"/>
+        <a:font script="Orya" typeface="Kalinga"/>
+        <a:font script="Mlym" typeface="Kartika"/>
+        <a:font script="Laoo" typeface="DokChampa"/>
+        <a:font script="Sinh" typeface="Iskoola Pota"/>
+        <a:font script="Mong" typeface="Mongolian Baiti"/>
+        <a:font script="Viet" typeface="Times New Roman"/>
+        <a:font script="Uigh" typeface="Microsoft Uighur"/>
+        <a:font script="Geor" typeface="Sylfaen"/>
+        <a:font script="Armn" typeface="Arial"/>
+        <a:font script="Bugi" typeface="Leelawadee UI"/>
+        <a:font script="Bopo" typeface="Microsoft JhengHei"/>
+        <a:font script="Java" typeface="Javanese Text"/>
+        <a:font script="Lisu" typeface="Segoe UI"/>
+        <a:font script="Mymr" typeface="Myanmar Text"/>
+        <a:font script="Nkoo" typeface="Ebrima"/>
+        <a:font script="Olck" typeface="Nirmala UI"/>
+        <a:font script="Osma" typeface="Ebrima"/>
+        <a:font script="Phag" typeface="Phagspa"/>
+        <a:font script="Syrn" typeface="Estrangelo Edessa"/>
+        <a:font script="Syrj" typeface="Estrangelo Edessa"/>
+        <a:font script="Syre" typeface="Estrangelo Edessa"/>
+        <a:font script="Sora" typeface="Nirmala UI"/>
+        <a:font script="Tale" typeface="Microsoft Tai Le"/>
+        <a:font script="Talu" typeface="Microsoft New Tai Lue"/>
+        <a:font script="Tfng" typeface="Ebrima"/>
+      </a:majorFont>
+      <a:minorFont>
+        <a:latin typeface="Aptos" panose="02110004020202020204"/>
+        <a:ea typeface=""/>
+        <a:cs typeface=""/>
+        <a:font script="Jpan" typeface="游ゴシック"/>
+        <a:font script="Hang" typeface="맑은 고딕"/>
+        <a:font script="Hans" typeface="等线"/>
+        <a:font script="Hant" typeface="新細明體"/>
+        <a:font script="Arab" typeface="Arial"/>
+        <a:font script="Hebr" typeface="Arial"/>
+        <a:font script="Thai" typeface="Cordia New"/>
+        <a:font script="Ethi" typeface="Nyala"/>
+        <a:font script="Beng" typeface="Vrinda"/>
+        <a:font script="Gujr" typeface="Shruti"/>
+        <a:font script="Khmr" typeface="DaunPenh"/>
+        <a:font script="Knda" typeface="Tunga"/>
+        <a:font script="Guru" typeface="Raavi"/>
+        <a:font script="Cans" typeface="Euphemia"/>
+        <a:font script="Cher" typeface="Plantagenet Cherokee"/>
+        <a:font script="Yiii" typeface="Microsoft Yi Baiti"/>
+        <a:font script="Tibt" typeface="Microsoft Himalaya"/>
+        <a:font script="Thaa" typeface="MV Boli"/>
+        <a:font script="Deva" typeface="Mangal"/>
+        <a:font script="Telu" typeface="Gautami"/>
+        <a:font script="Taml" typeface="Latha"/>
+        <a:font script="Syrc" typeface="Estrangelo Edessa"/>
+        <a:font script="Orya" typeface="Kalinga"/>
+        <a:font script="Mlym" typeface="Kartika"/>
+        <a:font script="Laoo" typeface="DokChampa"/>
+        <a:font script="Sinh" typeface="Iskoola Pota"/>
+        <a:font script="Mong" typeface="Mongolian Baiti"/>
+        <a:font script="Viet" typeface="Arial"/>
+        <a:font script="Uigh" typeface="Microsoft Uighur"/>
+        <a:font script="Geor" typeface="Sylfaen"/>
+        <a:font script="Armn" typeface="Arial"/>
+        <a:font script="Bugi" typeface="Leelawadee UI"/>
+        <a:font script="Bopo" typeface="Microsoft JhengHei"/>
+        <a:font script="Java" typeface="Javanese Text"/>
+        <a:font script="Lisu" typeface="Segoe UI"/>
+        <a:font script="Mymr" typeface="Myanmar Text"/>
+        <a:font script="Nkoo" typeface="Ebrima"/>
+        <a:font script="Olck" typeface="Nirmala UI"/>
+        <a:font script="Osma" typeface="Ebrima"/>
+        <a:font script="Phag" typeface="Phagspa"/>
+        <a:font script="Syrn" typeface="Estrangelo Edessa"/>
+        <a:font script="Syrj" typeface="Estrangelo Edessa"/>
+        <a:font script="Syre" typeface="Estrangelo Edessa"/>
+        <a:font script="Sora" typeface="Nirmala UI"/>
+        <a:font script="Tale" typeface="Microsoft Tai Le"/>
+        <a:font script="Talu" typeface="Microsoft New Tai Lue"/>
+        <a:font script="Tfng" typeface="Ebrima"/>
+      </a:minorFont>
+    </a:fontScheme>
+    <a:fmtScheme name="Office">
+      <a:fillStyleLst>
+        <a:solidFill>
+          <a:schemeClr val="phClr"/>
+        </a:solidFill>
+        <a:gradFill rotWithShape="1">
+          <a:gsLst>
+            <a:gs pos="0">
+              <a:schemeClr val="phClr">
+                <a:lumMod val="110000"/>
+                <a:satMod val="105000"/>
+                <a:tint val="67000"/>
+              </a:schemeClr>
+            </a:gs>
+            <a:gs pos="50000">
+              <a:schemeClr val="phClr">
+                <a:lumMod val="105000"/>
+                <a:satMod val="103000"/>
+                <a:tint val="73000"/>
+              </a:schemeClr>
+            </a:gs>
+            <a:gs pos="100000">
+              <a:schemeClr val="phClr">
+                <a:lumMod val="105000"/>
+                <a:satMod val="109000"/>
+                <a:tint val="81000"/>
+              </a:schemeClr>
+            </a:gs>
+          </a:gsLst>
+          <a:lin ang="5400000" scaled="0"/>
+        </a:gradFill>
+        <a:gradFill rotWithShape="1">
+          <a:gsLst>
+            <a:gs pos="0">
+              <a:schemeClr val="phClr">
+                <a:satMod val="103000"/>
+                <a:lumMod val="102000"/>
+                <a:tint val="94000"/>
+              </a:schemeClr>
+            </a:gs>
+            <a:gs pos="50000">
+              <a:schemeClr val="phClr">
+                <a:satMod val="110000"/>
+                <a:lumMod val="100000"/>
+                <a:shade val="100000"/>
+              </a:schemeClr>
+            </a:gs>
+            <a:gs pos="100000">
+              <a:schemeClr val="phClr">
+                <a:lumMod val="99000"/>
+                <a:satMod val="120000"/>
+                <a:shade val="78000"/>
+              </a:schemeClr>
+            </a:gs>
+          </a:gsLst>
+          <a:lin ang="5400000" scaled="0"/>
+        </a:gradFill>
+      </a:fillStyleLst>
+      <a:lnStyleLst>
+        <a:ln w="12700" cap="flat" cmpd="sng" algn="ctr">
+          <a:solidFill>
+            <a:schemeClr val="phClr"/>
+          </a:solidFill>
+          <a:prstDash val="solid"/>
+          <a:miter lim="800000"/>
+        </a:ln>
+        <a:ln w="19050" cap="flat" cmpd="sng" algn="ctr">
+          <a:solidFill>
+            <a:schemeClr val="phClr"/>
+          </a:solidFill>
+          <a:prstDash val="solid"/>
+          <a:miter lim="800000"/>
+        </a:ln>
+        <a:ln w="25400" cap="flat" cmpd="sng" algn="ctr">
+          <a:solidFill>
+            <a:schemeClr val="phClr"/>
+          </a:solidFill>
+          <a:prstDash val="solid"/>
+          <a:miter lim="800000"/>
+        </a:ln>
+      </a:lnStyleLst>
+      <a:effectStyleLst>
+        <a:effectStyle>
+          <a:effectLst/>
+        </a:effectStyle>
+        <a:effectStyle>
+          <a:effectLst/>
+        </a:effectStyle>
+        <a:effectStyle>
+          <a:effectLst>
+            <a:outerShdw blurRad="57150" dist="19050" dir="5400000" algn="ctr" rotWithShape="0">
+              <a:srgbClr val="000000">
+                <a:alpha val="63000"/>
+              </a:srgbClr>
+            </a:outerShdw>
+          </a:effectLst>
+        </a:effectStyle>
+      </a:effectStyleLst>
+      <a:bgFillStyleLst>
+        <a:solidFill>
+          <a:schemeClr val="phClr"/>
+        </a:solidFill>
+        <a:solidFill>
+          <a:schemeClr val="phClr">
+            <a:tint val="95000"/>
+            <a:satMod val="170000"/>
+          </a:schemeClr>
+        </a:solidFill>
+        <a:gradFill rotWithShape="1">
+          <a:gsLst>
+            <a:gs pos="0">
+              <a:schemeClr val="phClr">
+                <a:tint val="93000"/>
+                <a:satMod val="150000"/>
+                <a:shade val="98000"/>
+                <a:lumMod val="102000"/>
+              </a:schemeClr>
+            </a:gs>
+            <a:gs pos="50000">
+              <a:schemeClr val="phClr">
+                <a:tint val="98000"/>
+                <a:satMod val="130000"/>
+                <a:shade val="90000"/>
+                <a:lumMod val="103000"/>
+              </a:schemeClr>
+            </a:gs>
+            <a:gs pos="100000">
+              <a:schemeClr val="phClr">
+                <a:shade val="63000"/>
+                <a:satMod val="120000"/>
+              </a:schemeClr>
+            </a:gs>
+          </a:gsLst>
+          <a:lin ang="5400000" scaled="0"/>
+        </a:gradFill>
+      </a:bgFillStyleLst>
+    </a:fmtScheme>
+  </a:themeElements>
+  <a:objectDefaults>
+    <a:lnDef>
+      <a:spPr/>
+      <a:bodyPr/>
+      <a:lstStyle/>
+      <a:style>
+        <a:lnRef idx="2">
+          <a:schemeClr val="accent1"/>
+        </a:lnRef>
+        <a:fillRef idx="0">
+          <a:schemeClr val="accent1"/>
+        </a:fillRef>
+        <a:effectRef idx="1">
+          <a:schemeClr val="accent1"/>
+        </a:effectRef>
+        <a:fontRef idx="minor">
+          <a:schemeClr val="tx1"/>
+        </a:fontRef>
+      </a:style>
+    </a:lnDef>
+  </a:objectDefaults>
+  <a:extraClrSchemeLst/>
+  <a:extLst>
+    <a:ext uri="{05A4C25C-085E-4340-85A3-A5531E510DB2}">
+      <thm15:themeFamily xmlns:thm15="http://schemas.microsoft.com/office/thememl/2012/main" name="Office Theme" id="{2E142A2C-CD16-42D6-873A-C26D2A0506FA}" vid="{1BDDFF52-6CD6-40A5-AB3C-68EB2F1E4D0A}"/>
+    </a:ext>
+  </a:extLst>
+</a:theme>
 </file>
--- a/powerpoint/MudBlazor presentation.pptx
+++ b/powerpoint/MudBlazor presentation.pptx
@@ -110,6 +110,11 @@
       </a:defRPr>
     </a:lvl9pPr>
   </p:defaultTextStyle>
+  <p:extLst>
+    <p:ext uri="{EFAFB233-063F-42B5-8137-9DF3F51BA10A}">
+      <p15:sldGuideLst xmlns:p15="http://schemas.microsoft.com/office/powerpoint/2012/main"/>
+    </p:ext>
+  </p:extLst>
 </p:presentation>
 </file>
 
@@ -195,7 +200,7 @@
           <a:p>
             <a:fld id="{2E4F2622-5461-4E3A-A9A9-E7D39FD1DE35}" type="datetimeFigureOut">
               <a:rPr lang="nl-NL" smtClean="0"/>
-              <a:t>5-11-2025</a:t>
+              <a:t>7-11-2025</a:t>
             </a:fld>
             <a:endParaRPr lang="nl-NL"/>
           </a:p>
@@ -509,7 +514,7 @@
           <a:p>
             <a:r>
               <a:rPr lang="en-US" dirty="0"/>
-              <a:t>MUD Blazor = Material User Design, guess what Blazor stands for</a:t>
+              <a:t>MUD Blazor = Material User Design… Blazor</a:t>
             </a:r>
             <a:endParaRPr lang="nl-NL" dirty="0"/>
           </a:p>
@@ -542,6 +547,100 @@
     <p:extLst>
       <p:ext uri="{BB962C8B-B14F-4D97-AF65-F5344CB8AC3E}">
         <p14:creationId xmlns:p14="http://schemas.microsoft.com/office/powerpoint/2010/main" val="1516689909"/>
+      </p:ext>
+    </p:extLst>
+  </p:cSld>
+  <p:clrMapOvr>
+    <a:masterClrMapping/>
+  </p:clrMapOvr>
+</p:notes>
+</file>
+
+<file path=ppt/notesSlides/notesSlide2.xml><?xml version="1.0" encoding="utf-8"?>
+<p:notes xmlns:a="http://schemas.openxmlformats.org/drawingml/2006/main" xmlns:r="http://schemas.openxmlformats.org/officeDocument/2006/relationships" xmlns:p="http://schemas.openxmlformats.org/presentationml/2006/main">
+  <p:cSld>
+    <p:spTree>
+      <p:nvGrpSpPr>
+        <p:cNvPr id="1" name=""/>
+        <p:cNvGrpSpPr/>
+        <p:nvPr/>
+      </p:nvGrpSpPr>
+      <p:grpSpPr>
+        <a:xfrm>
+          <a:off x="0" y="0"/>
+          <a:ext cx="0" cy="0"/>
+          <a:chOff x="0" y="0"/>
+          <a:chExt cx="0" cy="0"/>
+        </a:xfrm>
+      </p:grpSpPr>
+      <p:sp>
+        <p:nvSpPr>
+          <p:cNvPr id="2" name="Slide Image Placeholder 1"/>
+          <p:cNvSpPr>
+            <a:spLocks noGrp="1" noRot="1" noChangeAspect="1"/>
+          </p:cNvSpPr>
+          <p:nvPr>
+            <p:ph type="sldImg"/>
+          </p:nvPr>
+        </p:nvSpPr>
+        <p:spPr/>
+      </p:sp>
+      <p:sp>
+        <p:nvSpPr>
+          <p:cNvPr id="3" name="Notes Placeholder 2"/>
+          <p:cNvSpPr>
+            <a:spLocks noGrp="1"/>
+          </p:cNvSpPr>
+          <p:nvPr>
+            <p:ph type="body" idx="1"/>
+          </p:nvPr>
+        </p:nvSpPr>
+        <p:spPr/>
+        <p:txBody>
+          <a:bodyPr/>
+          <a:lstStyle/>
+          <a:p>
+            <a:r>
+              <a:rPr lang="en-US" dirty="0"/>
+              <a:t>Sidenote: all interactive REQUIRED due to main layout components</a:t>
+            </a:r>
+          </a:p>
+          <a:p>
+            <a:r>
+              <a:rPr lang="en-US" dirty="0"/>
+              <a:t>Manual: https://mudblazor.com/getting-started/installation#manual-install-add-components</a:t>
+            </a:r>
+            <a:endParaRPr lang="nl-NL" dirty="0"/>
+          </a:p>
+        </p:txBody>
+      </p:sp>
+      <p:sp>
+        <p:nvSpPr>
+          <p:cNvPr id="4" name="Slide Number Placeholder 3"/>
+          <p:cNvSpPr>
+            <a:spLocks noGrp="1"/>
+          </p:cNvSpPr>
+          <p:nvPr>
+            <p:ph type="sldNum" sz="quarter" idx="5"/>
+          </p:nvPr>
+        </p:nvSpPr>
+        <p:spPr/>
+        <p:txBody>
+          <a:bodyPr/>
+          <a:lstStyle/>
+          <a:p>
+            <a:fld id="{1FB57125-8481-4D40-9A99-DC04EDF299F9}" type="slidenum">
+              <a:rPr lang="nl-NL" smtClean="0"/>
+              <a:t>4</a:t>
+            </a:fld>
+            <a:endParaRPr lang="nl-NL"/>
+          </a:p>
+        </p:txBody>
+      </p:sp>
+    </p:spTree>
+    <p:extLst>
+      <p:ext uri="{BB962C8B-B14F-4D97-AF65-F5344CB8AC3E}">
+        <p14:creationId xmlns:p14="http://schemas.microsoft.com/office/powerpoint/2010/main" val="1697590199"/>
       </p:ext>
     </p:extLst>
   </p:cSld>
@@ -706,7 +805,7 @@
           <a:p>
             <a:fld id="{D070539C-1798-4111-8018-D381E61B49CE}" type="datetimeFigureOut">
               <a:rPr lang="nl-NL" smtClean="0"/>
-              <a:t>5-11-2025</a:t>
+              <a:t>7-11-2025</a:t>
             </a:fld>
             <a:endParaRPr lang="nl-NL"/>
           </a:p>
@@ -922,7 +1021,7 @@
           <a:p>
             <a:fld id="{D070539C-1798-4111-8018-D381E61B49CE}" type="datetimeFigureOut">
               <a:rPr lang="nl-NL" smtClean="0"/>
-              <a:t>5-11-2025</a:t>
+              <a:t>7-11-2025</a:t>
             </a:fld>
             <a:endParaRPr lang="nl-NL"/>
           </a:p>
@@ -1138,7 +1237,7 @@
           <a:p>
             <a:fld id="{D070539C-1798-4111-8018-D381E61B49CE}" type="datetimeFigureOut">
               <a:rPr lang="nl-NL" smtClean="0"/>
-              <a:t>5-11-2025</a:t>
+              <a:t>7-11-2025</a:t>
             </a:fld>
             <a:endParaRPr lang="nl-NL"/>
           </a:p>
@@ -1353,7 +1452,7 @@
           <a:p>
             <a:fld id="{D070539C-1798-4111-8018-D381E61B49CE}" type="datetimeFigureOut">
               <a:rPr lang="nl-NL" smtClean="0"/>
-              <a:t>5-11-2025</a:t>
+              <a:t>7-11-2025</a:t>
             </a:fld>
             <a:endParaRPr lang="nl-NL"/>
           </a:p>
@@ -1692,7 +1791,7 @@
           <a:p>
             <a:fld id="{D070539C-1798-4111-8018-D381E61B49CE}" type="datetimeFigureOut">
               <a:rPr lang="nl-NL" smtClean="0"/>
-              <a:t>5-11-2025</a:t>
+              <a:t>7-11-2025</a:t>
             </a:fld>
             <a:endParaRPr lang="nl-NL"/>
           </a:p>
@@ -1974,7 +2073,7 @@
           <a:p>
             <a:fld id="{D070539C-1798-4111-8018-D381E61B49CE}" type="datetimeFigureOut">
               <a:rPr lang="nl-NL" smtClean="0"/>
-              <a:t>5-11-2025</a:t>
+              <a:t>7-11-2025</a:t>
             </a:fld>
             <a:endParaRPr lang="nl-NL"/>
           </a:p>
@@ -2404,7 +2503,7 @@
           <a:p>
             <a:fld id="{D070539C-1798-4111-8018-D381E61B49CE}" type="datetimeFigureOut">
               <a:rPr lang="nl-NL" smtClean="0"/>
-              <a:t>5-11-2025</a:t>
+              <a:t>7-11-2025</a:t>
             </a:fld>
             <a:endParaRPr lang="nl-NL"/>
           </a:p>
@@ -2554,7 +2653,7 @@
           <a:p>
             <a:fld id="{D070539C-1798-4111-8018-D381E61B49CE}" type="datetimeFigureOut">
               <a:rPr lang="nl-NL" smtClean="0"/>
-              <a:t>5-11-2025</a:t>
+              <a:t>7-11-2025</a:t>
             </a:fld>
             <a:endParaRPr lang="nl-NL"/>
           </a:p>
@@ -2667,7 +2766,7 @@
           <a:p>
             <a:fld id="{D070539C-1798-4111-8018-D381E61B49CE}" type="datetimeFigureOut">
               <a:rPr lang="nl-NL" smtClean="0"/>
-              <a:t>5-11-2025</a:t>
+              <a:t>7-11-2025</a:t>
             </a:fld>
             <a:endParaRPr lang="nl-NL"/>
           </a:p>
@@ -2989,7 +3088,7 @@
           <a:p>
             <a:fld id="{D070539C-1798-4111-8018-D381E61B49CE}" type="datetimeFigureOut">
               <a:rPr lang="nl-NL" smtClean="0"/>
-              <a:t>5-11-2025</a:t>
+              <a:t>7-11-2025</a:t>
             </a:fld>
             <a:endParaRPr lang="nl-NL"/>
           </a:p>
@@ -3287,7 +3386,7 @@
           <a:p>
             <a:fld id="{D070539C-1798-4111-8018-D381E61B49CE}" type="datetimeFigureOut">
               <a:rPr lang="nl-NL" smtClean="0"/>
-              <a:t>5-11-2025</a:t>
+              <a:t>7-11-2025</a:t>
             </a:fld>
             <a:endParaRPr lang="nl-NL"/>
           </a:p>
@@ -3530,7 +3629,7 @@
           <a:p>
             <a:fld id="{D070539C-1798-4111-8018-D381E61B49CE}" type="datetimeFigureOut">
               <a:rPr lang="nl-NL" smtClean="0"/>
-              <a:t>5-11-2025</a:t>
+              <a:t>7-11-2025</a:t>
             </a:fld>
             <a:endParaRPr lang="nl-NL"/>
           </a:p>
@@ -4563,12 +4662,6 @@
           <a:p>
             <a:r>
               <a:rPr lang="en-US" dirty="0"/>
-              <a:t>Manual</a:t>
-            </a:r>
-          </a:p>
-          <a:p>
-            <a:r>
-              <a:rPr lang="en-US" dirty="0"/>
               <a:t>dotnet new </a:t>
             </a:r>
             <a:r>
@@ -4576,6 +4669,47 @@
               <a:t>mudblazor</a:t>
             </a:r>
             <a:endParaRPr lang="en-US" dirty="0"/>
+          </a:p>
+          <a:p>
+            <a:pPr lvl="1"/>
+            <a:r>
+              <a:rPr lang="en-US" sz="1800" dirty="0"/>
+              <a:t>dotnet new install </a:t>
+            </a:r>
+            <a:r>
+              <a:rPr lang="en-US" sz="1800" dirty="0" err="1"/>
+              <a:t>MudBlazor.Templates</a:t>
+            </a:r>
+            <a:endParaRPr lang="en-US" sz="1800" dirty="0"/>
+          </a:p>
+          <a:p>
+            <a:pPr lvl="1"/>
+            <a:r>
+              <a:rPr lang="en-US" sz="1800" dirty="0"/>
+              <a:t>dotnet new </a:t>
+            </a:r>
+            <a:r>
+              <a:rPr lang="en-US" sz="1800" dirty="0" err="1"/>
+              <a:t>mudblazor</a:t>
+            </a:r>
+            <a:r>
+              <a:rPr lang="en-US" sz="1800" dirty="0"/>
+              <a:t> --interactivity Auto --name </a:t>
+            </a:r>
+            <a:r>
+              <a:rPr lang="en-US" sz="1800" dirty="0" err="1"/>
+              <a:t>MyApplication</a:t>
+            </a:r>
+            <a:r>
+              <a:rPr lang="en-US" sz="1800" dirty="0"/>
+              <a:t> --all-interactive</a:t>
+            </a:r>
+          </a:p>
+          <a:p>
+            <a:r>
+              <a:rPr lang="en-US" sz="2400" dirty="0"/>
+              <a:t>Manual</a:t>
+            </a:r>
           </a:p>
         </p:txBody>
       </p:sp>

--- a/powerpoint/MudBlazor presentation.pptx
+++ b/powerpoint/MudBlazor presentation.pptx
@@ -5,13 +5,16 @@
     <p:sldMasterId id="2147483648" r:id="rId1"/>
   </p:sldMasterIdLst>
   <p:notesMasterIdLst>
-    <p:notesMasterId r:id="rId6"/>
+    <p:notesMasterId r:id="rId9"/>
   </p:notesMasterIdLst>
   <p:sldIdLst>
     <p:sldId id="256" r:id="rId2"/>
-    <p:sldId id="259" r:id="rId3"/>
-    <p:sldId id="261" r:id="rId4"/>
-    <p:sldId id="260" r:id="rId5"/>
+    <p:sldId id="263" r:id="rId3"/>
+    <p:sldId id="259" r:id="rId4"/>
+    <p:sldId id="261" r:id="rId5"/>
+    <p:sldId id="260" r:id="rId6"/>
+    <p:sldId id="262" r:id="rId7"/>
+    <p:sldId id="264" r:id="rId8"/>
   </p:sldIdLst>
   <p:sldSz cx="12192000" cy="6858000"/>
   <p:notesSz cx="6858000" cy="9144000"/>
@@ -200,7 +203,7 @@
           <a:p>
             <a:fld id="{2E4F2622-5461-4E3A-A9A9-E7D39FD1DE35}" type="datetimeFigureOut">
               <a:rPr lang="nl-NL" smtClean="0"/>
-              <a:t>7-11-2025</a:t>
+              <a:t>14-11-2025</a:t>
             </a:fld>
             <a:endParaRPr lang="nl-NL"/>
           </a:p>
@@ -537,7 +540,7 @@
           <a:p>
             <a:fld id="{1FB57125-8481-4D40-9A99-DC04EDF299F9}" type="slidenum">
               <a:rPr lang="nl-NL" smtClean="0"/>
-              <a:t>3</a:t>
+              <a:t>4</a:t>
             </a:fld>
             <a:endParaRPr lang="nl-NL"/>
           </a:p>
@@ -631,7 +634,7 @@
           <a:p>
             <a:fld id="{1FB57125-8481-4D40-9A99-DC04EDF299F9}" type="slidenum">
               <a:rPr lang="nl-NL" smtClean="0"/>
-              <a:t>4</a:t>
+              <a:t>5</a:t>
             </a:fld>
             <a:endParaRPr lang="nl-NL"/>
           </a:p>
@@ -805,7 +808,7 @@
           <a:p>
             <a:fld id="{D070539C-1798-4111-8018-D381E61B49CE}" type="datetimeFigureOut">
               <a:rPr lang="nl-NL" smtClean="0"/>
-              <a:t>7-11-2025</a:t>
+              <a:t>14-11-2025</a:t>
             </a:fld>
             <a:endParaRPr lang="nl-NL"/>
           </a:p>
@@ -875,6 +878,18 @@
   <p:clrMapOvr>
     <a:masterClrMapping/>
   </p:clrMapOvr>
+  <mc:AlternateContent xmlns:mc="http://schemas.openxmlformats.org/markup-compatibility/2006">
+    <mc:Choice xmlns:p159="http://schemas.microsoft.com/office/powerpoint/2015/09/main" Requires="p159">
+      <p:transition xmlns:p14="http://schemas.microsoft.com/office/powerpoint/2010/main" spd="slow" p14:dur="2000">
+        <p159:morph option="byObject"/>
+      </p:transition>
+    </mc:Choice>
+    <mc:Fallback>
+      <p:transition spd="slow">
+        <p:fade/>
+      </p:transition>
+    </mc:Fallback>
+  </mc:AlternateContent>
 </p:sldLayout>
 </file>
 
@@ -1021,7 +1036,7 @@
           <a:p>
             <a:fld id="{D070539C-1798-4111-8018-D381E61B49CE}" type="datetimeFigureOut">
               <a:rPr lang="nl-NL" smtClean="0"/>
-              <a:t>7-11-2025</a:t>
+              <a:t>14-11-2025</a:t>
             </a:fld>
             <a:endParaRPr lang="nl-NL"/>
           </a:p>
@@ -1091,6 +1106,18 @@
   <p:clrMapOvr>
     <a:masterClrMapping/>
   </p:clrMapOvr>
+  <mc:AlternateContent xmlns:mc="http://schemas.openxmlformats.org/markup-compatibility/2006">
+    <mc:Choice xmlns:p159="http://schemas.microsoft.com/office/powerpoint/2015/09/main" Requires="p159">
+      <p:transition xmlns:p14="http://schemas.microsoft.com/office/powerpoint/2010/main" spd="slow" p14:dur="2000">
+        <p159:morph option="byObject"/>
+      </p:transition>
+    </mc:Choice>
+    <mc:Fallback>
+      <p:transition spd="slow">
+        <p:fade/>
+      </p:transition>
+    </mc:Fallback>
+  </mc:AlternateContent>
 </p:sldLayout>
 </file>
 
@@ -1237,7 +1264,7 @@
           <a:p>
             <a:fld id="{D070539C-1798-4111-8018-D381E61B49CE}" type="datetimeFigureOut">
               <a:rPr lang="nl-NL" smtClean="0"/>
-              <a:t>7-11-2025</a:t>
+              <a:t>14-11-2025</a:t>
             </a:fld>
             <a:endParaRPr lang="nl-NL"/>
           </a:p>
@@ -1307,6 +1334,18 @@
   <p:clrMapOvr>
     <a:masterClrMapping/>
   </p:clrMapOvr>
+  <mc:AlternateContent xmlns:mc="http://schemas.openxmlformats.org/markup-compatibility/2006">
+    <mc:Choice xmlns:p159="http://schemas.microsoft.com/office/powerpoint/2015/09/main" Requires="p159">
+      <p:transition xmlns:p14="http://schemas.microsoft.com/office/powerpoint/2010/main" spd="slow" p14:dur="2000">
+        <p159:morph option="byObject"/>
+      </p:transition>
+    </mc:Choice>
+    <mc:Fallback>
+      <p:transition spd="slow">
+        <p:fade/>
+      </p:transition>
+    </mc:Fallback>
+  </mc:AlternateContent>
 </p:sldLayout>
 </file>
 
@@ -1452,7 +1491,7 @@
           <a:p>
             <a:fld id="{D070539C-1798-4111-8018-D381E61B49CE}" type="datetimeFigureOut">
               <a:rPr lang="nl-NL" smtClean="0"/>
-              <a:t>7-11-2025</a:t>
+              <a:t>14-11-2025</a:t>
             </a:fld>
             <a:endParaRPr lang="nl-NL"/>
           </a:p>
@@ -1579,6 +1618,18 @@
   <p:clrMapOvr>
     <a:masterClrMapping/>
   </p:clrMapOvr>
+  <mc:AlternateContent xmlns:mc="http://schemas.openxmlformats.org/markup-compatibility/2006">
+    <mc:Choice xmlns:p159="http://schemas.microsoft.com/office/powerpoint/2015/09/main" Requires="p159">
+      <p:transition xmlns:p14="http://schemas.microsoft.com/office/powerpoint/2010/main" spd="slow" p14:dur="2000">
+        <p159:morph option="byObject"/>
+      </p:transition>
+    </mc:Choice>
+    <mc:Fallback>
+      <p:transition spd="slow">
+        <p:fade/>
+      </p:transition>
+    </mc:Fallback>
+  </mc:AlternateContent>
 </p:sldLayout>
 </file>
 
@@ -1791,7 +1842,7 @@
           <a:p>
             <a:fld id="{D070539C-1798-4111-8018-D381E61B49CE}" type="datetimeFigureOut">
               <a:rPr lang="nl-NL" smtClean="0"/>
-              <a:t>7-11-2025</a:t>
+              <a:t>14-11-2025</a:t>
             </a:fld>
             <a:endParaRPr lang="nl-NL"/>
           </a:p>
@@ -1861,6 +1912,18 @@
   <p:clrMapOvr>
     <a:masterClrMapping/>
   </p:clrMapOvr>
+  <mc:AlternateContent xmlns:mc="http://schemas.openxmlformats.org/markup-compatibility/2006">
+    <mc:Choice xmlns:p159="http://schemas.microsoft.com/office/powerpoint/2015/09/main" Requires="p159">
+      <p:transition xmlns:p14="http://schemas.microsoft.com/office/powerpoint/2010/main" spd="slow" p14:dur="2000">
+        <p159:morph option="byObject"/>
+      </p:transition>
+    </mc:Choice>
+    <mc:Fallback>
+      <p:transition spd="slow">
+        <p:fade/>
+      </p:transition>
+    </mc:Fallback>
+  </mc:AlternateContent>
 </p:sldLayout>
 </file>
 
@@ -2073,7 +2136,7 @@
           <a:p>
             <a:fld id="{D070539C-1798-4111-8018-D381E61B49CE}" type="datetimeFigureOut">
               <a:rPr lang="nl-NL" smtClean="0"/>
-              <a:t>7-11-2025</a:t>
+              <a:t>14-11-2025</a:t>
             </a:fld>
             <a:endParaRPr lang="nl-NL"/>
           </a:p>
@@ -2143,6 +2206,18 @@
   <p:clrMapOvr>
     <a:masterClrMapping/>
   </p:clrMapOvr>
+  <mc:AlternateContent xmlns:mc="http://schemas.openxmlformats.org/markup-compatibility/2006">
+    <mc:Choice xmlns:p159="http://schemas.microsoft.com/office/powerpoint/2015/09/main" Requires="p159">
+      <p:transition xmlns:p14="http://schemas.microsoft.com/office/powerpoint/2010/main" spd="slow" p14:dur="2000">
+        <p159:morph option="byObject"/>
+      </p:transition>
+    </mc:Choice>
+    <mc:Fallback>
+      <p:transition spd="slow">
+        <p:fade/>
+      </p:transition>
+    </mc:Fallback>
+  </mc:AlternateContent>
 </p:sldLayout>
 </file>
 
@@ -2503,7 +2578,7 @@
           <a:p>
             <a:fld id="{D070539C-1798-4111-8018-D381E61B49CE}" type="datetimeFigureOut">
               <a:rPr lang="nl-NL" smtClean="0"/>
-              <a:t>7-11-2025</a:t>
+              <a:t>14-11-2025</a:t>
             </a:fld>
             <a:endParaRPr lang="nl-NL"/>
           </a:p>
@@ -2573,6 +2648,18 @@
   <p:clrMapOvr>
     <a:masterClrMapping/>
   </p:clrMapOvr>
+  <mc:AlternateContent xmlns:mc="http://schemas.openxmlformats.org/markup-compatibility/2006">
+    <mc:Choice xmlns:p159="http://schemas.microsoft.com/office/powerpoint/2015/09/main" Requires="p159">
+      <p:transition xmlns:p14="http://schemas.microsoft.com/office/powerpoint/2010/main" spd="slow" p14:dur="2000">
+        <p159:morph option="byObject"/>
+      </p:transition>
+    </mc:Choice>
+    <mc:Fallback>
+      <p:transition spd="slow">
+        <p:fade/>
+      </p:transition>
+    </mc:Fallback>
+  </mc:AlternateContent>
 </p:sldLayout>
 </file>
 
@@ -2653,7 +2740,7 @@
           <a:p>
             <a:fld id="{D070539C-1798-4111-8018-D381E61B49CE}" type="datetimeFigureOut">
               <a:rPr lang="nl-NL" smtClean="0"/>
-              <a:t>7-11-2025</a:t>
+              <a:t>14-11-2025</a:t>
             </a:fld>
             <a:endParaRPr lang="nl-NL"/>
           </a:p>
@@ -2723,6 +2810,18 @@
   <p:clrMapOvr>
     <a:masterClrMapping/>
   </p:clrMapOvr>
+  <mc:AlternateContent xmlns:mc="http://schemas.openxmlformats.org/markup-compatibility/2006">
+    <mc:Choice xmlns:p159="http://schemas.microsoft.com/office/powerpoint/2015/09/main" Requires="p159">
+      <p:transition xmlns:p14="http://schemas.microsoft.com/office/powerpoint/2010/main" spd="slow" p14:dur="2000">
+        <p159:morph option="byObject"/>
+      </p:transition>
+    </mc:Choice>
+    <mc:Fallback>
+      <p:transition spd="slow">
+        <p:fade/>
+      </p:transition>
+    </mc:Fallback>
+  </mc:AlternateContent>
 </p:sldLayout>
 </file>
 
@@ -2766,7 +2865,7 @@
           <a:p>
             <a:fld id="{D070539C-1798-4111-8018-D381E61B49CE}" type="datetimeFigureOut">
               <a:rPr lang="nl-NL" smtClean="0"/>
-              <a:t>7-11-2025</a:t>
+              <a:t>14-11-2025</a:t>
             </a:fld>
             <a:endParaRPr lang="nl-NL"/>
           </a:p>
@@ -2836,6 +2935,18 @@
   <p:clrMapOvr>
     <a:masterClrMapping/>
   </p:clrMapOvr>
+  <mc:AlternateContent xmlns:mc="http://schemas.openxmlformats.org/markup-compatibility/2006">
+    <mc:Choice xmlns:p159="http://schemas.microsoft.com/office/powerpoint/2015/09/main" Requires="p159">
+      <p:transition xmlns:p14="http://schemas.microsoft.com/office/powerpoint/2010/main" spd="slow" p14:dur="2000">
+        <p159:morph option="byObject"/>
+      </p:transition>
+    </mc:Choice>
+    <mc:Fallback>
+      <p:transition spd="slow">
+        <p:fade/>
+      </p:transition>
+    </mc:Fallback>
+  </mc:AlternateContent>
 </p:sldLayout>
 </file>
 
@@ -3088,7 +3199,7 @@
           <a:p>
             <a:fld id="{D070539C-1798-4111-8018-D381E61B49CE}" type="datetimeFigureOut">
               <a:rPr lang="nl-NL" smtClean="0"/>
-              <a:t>7-11-2025</a:t>
+              <a:t>14-11-2025</a:t>
             </a:fld>
             <a:endParaRPr lang="nl-NL"/>
           </a:p>
@@ -3158,6 +3269,18 @@
   <p:clrMapOvr>
     <a:masterClrMapping/>
   </p:clrMapOvr>
+  <mc:AlternateContent xmlns:mc="http://schemas.openxmlformats.org/markup-compatibility/2006">
+    <mc:Choice xmlns:p159="http://schemas.microsoft.com/office/powerpoint/2015/09/main" Requires="p159">
+      <p:transition xmlns:p14="http://schemas.microsoft.com/office/powerpoint/2010/main" spd="slow" p14:dur="2000">
+        <p159:morph option="byObject"/>
+      </p:transition>
+    </mc:Choice>
+    <mc:Fallback>
+      <p:transition spd="slow">
+        <p:fade/>
+      </p:transition>
+    </mc:Fallback>
+  </mc:AlternateContent>
 </p:sldLayout>
 </file>
 
@@ -3386,7 +3509,7 @@
           <a:p>
             <a:fld id="{D070539C-1798-4111-8018-D381E61B49CE}" type="datetimeFigureOut">
               <a:rPr lang="nl-NL" smtClean="0"/>
-              <a:t>7-11-2025</a:t>
+              <a:t>14-11-2025</a:t>
             </a:fld>
             <a:endParaRPr lang="nl-NL"/>
           </a:p>
@@ -3456,6 +3579,18 @@
   <p:clrMapOvr>
     <a:masterClrMapping/>
   </p:clrMapOvr>
+  <mc:AlternateContent xmlns:mc="http://schemas.openxmlformats.org/markup-compatibility/2006">
+    <mc:Choice xmlns:p159="http://schemas.microsoft.com/office/powerpoint/2015/09/main" Requires="p159">
+      <p:transition xmlns:p14="http://schemas.microsoft.com/office/powerpoint/2010/main" spd="slow" p14:dur="2000">
+        <p159:morph option="byObject"/>
+      </p:transition>
+    </mc:Choice>
+    <mc:Fallback>
+      <p:transition spd="slow">
+        <p:fade/>
+      </p:transition>
+    </mc:Fallback>
+  </mc:AlternateContent>
 </p:sldLayout>
 </file>
 
@@ -3629,7 +3764,7 @@
           <a:p>
             <a:fld id="{D070539C-1798-4111-8018-D381E61B49CE}" type="datetimeFigureOut">
               <a:rPr lang="nl-NL" smtClean="0"/>
-              <a:t>7-11-2025</a:t>
+              <a:t>14-11-2025</a:t>
             </a:fld>
             <a:endParaRPr lang="nl-NL"/>
           </a:p>
@@ -3746,6 +3881,18 @@
     <p:sldLayoutId id="2147483658" r:id="rId10"/>
     <p:sldLayoutId id="2147483659" r:id="rId11"/>
   </p:sldLayoutIdLst>
+  <mc:AlternateContent xmlns:mc="http://schemas.openxmlformats.org/markup-compatibility/2006">
+    <mc:Choice xmlns:p159="http://schemas.microsoft.com/office/powerpoint/2015/09/main" Requires="p159">
+      <p:transition xmlns:p14="http://schemas.microsoft.com/office/powerpoint/2010/main" spd="slow" p14:dur="2000">
+        <p159:morph option="byObject"/>
+      </p:transition>
+    </mc:Choice>
+    <mc:Fallback>
+      <p:transition spd="slow">
+        <p:fade/>
+      </p:transition>
+    </mc:Fallback>
+  </mc:AlternateContent>
   <p:txStyles>
     <p:titleStyle>
       <a:lvl1pPr algn="l" defTabSz="914400" rtl="0" eaLnBrk="1" latinLnBrk="0" hangingPunct="1">
@@ -4100,11 +4247,27 @@
             </a:br>
             <a:r>
               <a:rPr lang="en-US" b="1" dirty="0">
+                <a:gradFill>
+                  <a:gsLst>
+                    <a:gs pos="0">
+                      <a:srgbClr val="5F50E5"/>
+                    </a:gs>
+                    <a:gs pos="100000">
+                      <a:srgbClr val="F3649E"/>
+                    </a:gs>
+                  </a:gsLst>
+                  <a:lin ang="0" scaled="0"/>
+                </a:gradFill>
+              </a:rPr>
+              <a:t>Component</a:t>
+            </a:r>
+            <a:r>
+              <a:rPr lang="en-US" b="1" dirty="0">
                 <a:solidFill>
                   <a:srgbClr val="424242"/>
                 </a:solidFill>
               </a:rPr>
-              <a:t>Component Library</a:t>
+              <a:t> Library</a:t>
             </a:r>
             <a:br>
               <a:rPr lang="en-US" dirty="0">
@@ -4229,6 +4392,18 @@
   <p:clrMapOvr>
     <a:masterClrMapping/>
   </p:clrMapOvr>
+  <mc:AlternateContent xmlns:mc="http://schemas.openxmlformats.org/markup-compatibility/2006">
+    <mc:Choice xmlns:p159="http://schemas.microsoft.com/office/powerpoint/2015/09/main" Requires="p159">
+      <p:transition xmlns:p14="http://schemas.microsoft.com/office/powerpoint/2010/main" spd="slow" p14:dur="2000">
+        <p159:morph option="byObject"/>
+      </p:transition>
+    </mc:Choice>
+    <mc:Fallback>
+      <p:transition spd="slow">
+        <p:fade/>
+      </p:transition>
+    </mc:Fallback>
+  </mc:AlternateContent>
 </p:sld>
 </file>
 
@@ -4254,6 +4429,590 @@
           <p:cNvPr id="2" name="Title 1">
             <a:extLst>
               <a:ext uri="{FF2B5EF4-FFF2-40B4-BE49-F238E27FC236}">
+                <a16:creationId xmlns:a16="http://schemas.microsoft.com/office/drawing/2014/main" id="{A1A486B3-303B-482F-8781-81FB029FB550}"/>
+              </a:ext>
+            </a:extLst>
+          </p:cNvPr>
+          <p:cNvSpPr>
+            <a:spLocks noGrp="1"/>
+          </p:cNvSpPr>
+          <p:nvPr>
+            <p:ph type="title"/>
+          </p:nvPr>
+        </p:nvSpPr>
+        <p:spPr/>
+        <p:txBody>
+          <a:bodyPr/>
+          <a:lstStyle/>
+          <a:p>
+            <a:r>
+              <a:rPr lang="en-US" dirty="0"/>
+              <a:t>About me</a:t>
+            </a:r>
+            <a:endParaRPr lang="nl-NL" dirty="0"/>
+          </a:p>
+        </p:txBody>
+      </p:sp>
+      <p:pic>
+        <p:nvPicPr>
+          <p:cNvPr id="5" name="Content Placeholder 4" descr="A person in a suit leaning against a tree&#10;&#10;AI-generated content may be incorrect.">
+            <a:extLst>
+              <a:ext uri="{FF2B5EF4-FFF2-40B4-BE49-F238E27FC236}">
+                <a16:creationId xmlns:a16="http://schemas.microsoft.com/office/drawing/2014/main" id="{27478149-1F71-604C-F2E5-089C55130374}"/>
+              </a:ext>
+            </a:extLst>
+          </p:cNvPr>
+          <p:cNvPicPr>
+            <a:picLocks noGrp="1" noChangeAspect="1"/>
+          </p:cNvPicPr>
+          <p:nvPr>
+            <p:ph idx="1"/>
+          </p:nvPr>
+        </p:nvPicPr>
+        <p:blipFill>
+          <a:blip r:embed="rId2">
+            <a:extLst>
+              <a:ext uri="{28A0092B-C50C-407E-A947-70E740481C1C}">
+                <a14:useLocalDpi xmlns:a14="http://schemas.microsoft.com/office/drawing/2010/main" val="0"/>
+              </a:ext>
+            </a:extLst>
+          </a:blip>
+          <a:stretch>
+            <a:fillRect/>
+          </a:stretch>
+        </p:blipFill>
+        <p:spPr>
+          <a:xfrm>
+            <a:off x="9036938" y="605134"/>
+            <a:ext cx="2754124" cy="2754124"/>
+          </a:xfrm>
+          <a:prstGeom prst="ellipse">
+            <a:avLst/>
+          </a:prstGeom>
+          <a:ln>
+            <a:noFill/>
+          </a:ln>
+          <a:effectLst>
+            <a:outerShdw blurRad="381000" algn="ctr" rotWithShape="0">
+              <a:prstClr val="black">
+                <a:alpha val="40000"/>
+              </a:prstClr>
+            </a:outerShdw>
+            <a:softEdge rad="0"/>
+          </a:effectLst>
+          <a:scene3d>
+            <a:camera prst="orthographicFront"/>
+            <a:lightRig rig="threePt" dir="t"/>
+          </a:scene3d>
+          <a:sp3d extrusionH="76200" contourW="63500">
+            <a:contourClr>
+              <a:schemeClr val="bg1"/>
+            </a:contourClr>
+          </a:sp3d>
+        </p:spPr>
+      </p:pic>
+      <p:sp>
+        <p:nvSpPr>
+          <p:cNvPr id="8" name="Content Placeholder 2">
+            <a:extLst>
+              <a:ext uri="{FF2B5EF4-FFF2-40B4-BE49-F238E27FC236}">
+                <a16:creationId xmlns:a16="http://schemas.microsoft.com/office/drawing/2014/main" id="{027CBB7A-DB3C-9BBA-CCB8-99B30DD1DD1E}"/>
+              </a:ext>
+            </a:extLst>
+          </p:cNvPr>
+          <p:cNvSpPr txBox="1">
+            <a:spLocks/>
+          </p:cNvSpPr>
+          <p:nvPr/>
+        </p:nvSpPr>
+        <p:spPr>
+          <a:xfrm>
+            <a:off x="1778000" y="1825625"/>
+            <a:ext cx="7172271" cy="4351338"/>
+          </a:xfrm>
+          <a:prstGeom prst="rect">
+            <a:avLst/>
+          </a:prstGeom>
+        </p:spPr>
+        <p:txBody>
+          <a:bodyPr vert="horz" lIns="91440" tIns="45720" rIns="91440" bIns="45720" rtlCol="0">
+            <a:normAutofit/>
+          </a:bodyPr>
+          <a:lstStyle>
+            <a:lvl1pPr marL="228600" indent="-228600" algn="l" defTabSz="914400" rtl="0" eaLnBrk="1" latinLnBrk="0" hangingPunct="1">
+              <a:lnSpc>
+                <a:spcPct val="90000"/>
+              </a:lnSpc>
+              <a:spcBef>
+                <a:spcPts val="1000"/>
+              </a:spcBef>
+              <a:buFont typeface="Arial" panose="020B0604020202020204" pitchFamily="34" charset="0"/>
+              <a:buChar char="•"/>
+              <a:defRPr sz="2800" kern="1200">
+                <a:solidFill>
+                  <a:schemeClr val="tx1"/>
+                </a:solidFill>
+                <a:latin typeface="+mn-lt"/>
+                <a:ea typeface="+mn-ea"/>
+                <a:cs typeface="+mn-cs"/>
+              </a:defRPr>
+            </a:lvl1pPr>
+            <a:lvl2pPr marL="685800" indent="-228600" algn="l" defTabSz="914400" rtl="0" eaLnBrk="1" latinLnBrk="0" hangingPunct="1">
+              <a:lnSpc>
+                <a:spcPct val="90000"/>
+              </a:lnSpc>
+              <a:spcBef>
+                <a:spcPts val="500"/>
+              </a:spcBef>
+              <a:buFont typeface="Arial" panose="020B0604020202020204" pitchFamily="34" charset="0"/>
+              <a:buChar char="•"/>
+              <a:defRPr sz="2400" kern="1200">
+                <a:solidFill>
+                  <a:schemeClr val="tx1"/>
+                </a:solidFill>
+                <a:latin typeface="+mn-lt"/>
+                <a:ea typeface="+mn-ea"/>
+                <a:cs typeface="+mn-cs"/>
+              </a:defRPr>
+            </a:lvl2pPr>
+            <a:lvl3pPr marL="1143000" indent="-228600" algn="l" defTabSz="914400" rtl="0" eaLnBrk="1" latinLnBrk="0" hangingPunct="1">
+              <a:lnSpc>
+                <a:spcPct val="90000"/>
+              </a:lnSpc>
+              <a:spcBef>
+                <a:spcPts val="500"/>
+              </a:spcBef>
+              <a:buFont typeface="Arial" panose="020B0604020202020204" pitchFamily="34" charset="0"/>
+              <a:buChar char="•"/>
+              <a:defRPr sz="2000" kern="1200">
+                <a:solidFill>
+                  <a:schemeClr val="tx1"/>
+                </a:solidFill>
+                <a:latin typeface="+mn-lt"/>
+                <a:ea typeface="+mn-ea"/>
+                <a:cs typeface="+mn-cs"/>
+              </a:defRPr>
+            </a:lvl3pPr>
+            <a:lvl4pPr marL="1600200" indent="-228600" algn="l" defTabSz="914400" rtl="0" eaLnBrk="1" latinLnBrk="0" hangingPunct="1">
+              <a:lnSpc>
+                <a:spcPct val="90000"/>
+              </a:lnSpc>
+              <a:spcBef>
+                <a:spcPts val="500"/>
+              </a:spcBef>
+              <a:buFont typeface="Arial" panose="020B0604020202020204" pitchFamily="34" charset="0"/>
+              <a:buChar char="•"/>
+              <a:defRPr sz="1800" kern="1200">
+                <a:solidFill>
+                  <a:schemeClr val="tx1"/>
+                </a:solidFill>
+                <a:latin typeface="+mn-lt"/>
+                <a:ea typeface="+mn-ea"/>
+                <a:cs typeface="+mn-cs"/>
+              </a:defRPr>
+            </a:lvl4pPr>
+            <a:lvl5pPr marL="2057400" indent="-228600" algn="l" defTabSz="914400" rtl="0" eaLnBrk="1" latinLnBrk="0" hangingPunct="1">
+              <a:lnSpc>
+                <a:spcPct val="90000"/>
+              </a:lnSpc>
+              <a:spcBef>
+                <a:spcPts val="500"/>
+              </a:spcBef>
+              <a:buFont typeface="Arial" panose="020B0604020202020204" pitchFamily="34" charset="0"/>
+              <a:buChar char="•"/>
+              <a:defRPr sz="1800" kern="1200">
+                <a:solidFill>
+                  <a:schemeClr val="tx1"/>
+                </a:solidFill>
+                <a:latin typeface="+mn-lt"/>
+                <a:ea typeface="+mn-ea"/>
+                <a:cs typeface="+mn-cs"/>
+              </a:defRPr>
+            </a:lvl5pPr>
+            <a:lvl6pPr marL="2514600" indent="-228600" algn="l" defTabSz="914400" rtl="0" eaLnBrk="1" latinLnBrk="0" hangingPunct="1">
+              <a:lnSpc>
+                <a:spcPct val="90000"/>
+              </a:lnSpc>
+              <a:spcBef>
+                <a:spcPts val="500"/>
+              </a:spcBef>
+              <a:buFont typeface="Arial" panose="020B0604020202020204" pitchFamily="34" charset="0"/>
+              <a:buChar char="•"/>
+              <a:defRPr sz="1800" kern="1200">
+                <a:solidFill>
+                  <a:schemeClr val="tx1"/>
+                </a:solidFill>
+                <a:latin typeface="+mn-lt"/>
+                <a:ea typeface="+mn-ea"/>
+                <a:cs typeface="+mn-cs"/>
+              </a:defRPr>
+            </a:lvl6pPr>
+            <a:lvl7pPr marL="2971800" indent="-228600" algn="l" defTabSz="914400" rtl="0" eaLnBrk="1" latinLnBrk="0" hangingPunct="1">
+              <a:lnSpc>
+                <a:spcPct val="90000"/>
+              </a:lnSpc>
+              <a:spcBef>
+                <a:spcPts val="500"/>
+              </a:spcBef>
+              <a:buFont typeface="Arial" panose="020B0604020202020204" pitchFamily="34" charset="0"/>
+              <a:buChar char="•"/>
+              <a:defRPr sz="1800" kern="1200">
+                <a:solidFill>
+                  <a:schemeClr val="tx1"/>
+                </a:solidFill>
+                <a:latin typeface="+mn-lt"/>
+                <a:ea typeface="+mn-ea"/>
+                <a:cs typeface="+mn-cs"/>
+              </a:defRPr>
+            </a:lvl7pPr>
+            <a:lvl8pPr marL="3429000" indent="-228600" algn="l" defTabSz="914400" rtl="0" eaLnBrk="1" latinLnBrk="0" hangingPunct="1">
+              <a:lnSpc>
+                <a:spcPct val="90000"/>
+              </a:lnSpc>
+              <a:spcBef>
+                <a:spcPts val="500"/>
+              </a:spcBef>
+              <a:buFont typeface="Arial" panose="020B0604020202020204" pitchFamily="34" charset="0"/>
+              <a:buChar char="•"/>
+              <a:defRPr sz="1800" kern="1200">
+                <a:solidFill>
+                  <a:schemeClr val="tx1"/>
+                </a:solidFill>
+                <a:latin typeface="+mn-lt"/>
+                <a:ea typeface="+mn-ea"/>
+                <a:cs typeface="+mn-cs"/>
+              </a:defRPr>
+            </a:lvl8pPr>
+            <a:lvl9pPr marL="3886200" indent="-228600" algn="l" defTabSz="914400" rtl="0" eaLnBrk="1" latinLnBrk="0" hangingPunct="1">
+              <a:lnSpc>
+                <a:spcPct val="90000"/>
+              </a:lnSpc>
+              <a:spcBef>
+                <a:spcPts val="500"/>
+              </a:spcBef>
+              <a:buFont typeface="Arial" panose="020B0604020202020204" pitchFamily="34" charset="0"/>
+              <a:buChar char="•"/>
+              <a:defRPr sz="1800" kern="1200">
+                <a:solidFill>
+                  <a:schemeClr val="tx1"/>
+                </a:solidFill>
+                <a:latin typeface="+mn-lt"/>
+                <a:ea typeface="+mn-ea"/>
+                <a:cs typeface="+mn-cs"/>
+              </a:defRPr>
+            </a:lvl9pPr>
+          </a:lstStyle>
+          <a:p>
+            <a:r>
+              <a:rPr lang="en-US" dirty="0"/>
+              <a:t>René Sackers</a:t>
+            </a:r>
+          </a:p>
+          <a:p>
+            <a:r>
+              <a:rPr lang="en-US" dirty="0"/>
+              <a:t>.NET “developing” since 2006</a:t>
+            </a:r>
+          </a:p>
+          <a:p>
+            <a:r>
+              <a:rPr lang="en-US" dirty="0"/>
+              <a:t>At </a:t>
+            </a:r>
+            <a:r>
+              <a:rPr lang="en-US" dirty="0" err="1"/>
+              <a:t>BeterBed</a:t>
+            </a:r>
+            <a:r>
+              <a:rPr lang="en-US" dirty="0"/>
+              <a:t> since 2019</a:t>
+            </a:r>
+          </a:p>
+          <a:p>
+            <a:r>
+              <a:rPr lang="en-US" dirty="0"/>
+              <a:t>Married 20</a:t>
+            </a:r>
+            <a:r>
+              <a:rPr lang="en-US" baseline="30000" dirty="0"/>
+              <a:t>th</a:t>
+            </a:r>
+            <a:r>
+              <a:rPr lang="en-US" dirty="0"/>
+              <a:t> June</a:t>
+            </a:r>
+          </a:p>
+          <a:p>
+            <a:r>
+              <a:rPr lang="en-US" dirty="0"/>
+              <a:t>Reach me at</a:t>
+            </a:r>
+          </a:p>
+          <a:p>
+            <a:pPr lvl="1"/>
+            <a:r>
+              <a:rPr lang="en-US" dirty="0"/>
+              <a:t>You can’t.</a:t>
+            </a:r>
+          </a:p>
+          <a:p>
+            <a:pPr lvl="1"/>
+            <a:r>
+              <a:rPr lang="en-US" dirty="0"/>
+              <a:t>GitHub - @Rene-Sackers</a:t>
+            </a:r>
+          </a:p>
+          <a:p>
+            <a:pPr lvl="1"/>
+            <a:r>
+              <a:rPr lang="en-US" dirty="0"/>
+              <a:t>LinkedIn</a:t>
+            </a:r>
+          </a:p>
+        </p:txBody>
+      </p:sp>
+    </p:spTree>
+    <p:extLst>
+      <p:ext uri="{BB962C8B-B14F-4D97-AF65-F5344CB8AC3E}">
+        <p14:creationId xmlns:p14="http://schemas.microsoft.com/office/powerpoint/2010/main" val="2535625980"/>
+      </p:ext>
+    </p:extLst>
+  </p:cSld>
+  <p:clrMapOvr>
+    <a:masterClrMapping/>
+  </p:clrMapOvr>
+  <mc:AlternateContent xmlns:mc="http://schemas.openxmlformats.org/markup-compatibility/2006">
+    <mc:Choice xmlns:p159="http://schemas.microsoft.com/office/powerpoint/2015/09/main" Requires="p159">
+      <p:transition xmlns:p14="http://schemas.microsoft.com/office/powerpoint/2010/main" spd="slow" p14:dur="2000">
+        <p159:morph option="byObject"/>
+      </p:transition>
+    </mc:Choice>
+    <mc:Fallback>
+      <p:transition spd="slow">
+        <p:fade/>
+      </p:transition>
+    </mc:Fallback>
+  </mc:AlternateContent>
+  <p:timing>
+    <p:tnLst>
+      <p:par>
+        <p:cTn id="1" dur="indefinite" restart="never" nodeType="tmRoot">
+          <p:childTnLst>
+            <p:seq concurrent="1" nextAc="seek">
+              <p:cTn id="2" dur="indefinite" nodeType="mainSeq">
+                <p:childTnLst>
+                  <p:par>
+                    <p:cTn id="3" fill="hold">
+                      <p:stCondLst>
+                        <p:cond delay="indefinite"/>
+                      </p:stCondLst>
+                      <p:childTnLst>
+                        <p:par>
+                          <p:cTn id="4" fill="hold">
+                            <p:stCondLst>
+                              <p:cond delay="0"/>
+                            </p:stCondLst>
+                            <p:childTnLst>
+                              <p:par>
+                                <p:cTn id="5" presetID="10" presetClass="entr" presetSubtype="0" fill="hold" nodeType="clickEffect">
+                                  <p:stCondLst>
+                                    <p:cond delay="0"/>
+                                  </p:stCondLst>
+                                  <p:childTnLst>
+                                    <p:set>
+                                      <p:cBhvr>
+                                        <p:cTn id="6" dur="1" fill="hold">
+                                          <p:stCondLst>
+                                            <p:cond delay="0"/>
+                                          </p:stCondLst>
+                                        </p:cTn>
+                                        <p:tgtEl>
+                                          <p:spTgt spid="8">
+                                            <p:txEl>
+                                              <p:pRg st="5" end="5"/>
+                                            </p:txEl>
+                                          </p:spTgt>
+                                        </p:tgtEl>
+                                        <p:attrNameLst>
+                                          <p:attrName>style.visibility</p:attrName>
+                                        </p:attrNameLst>
+                                      </p:cBhvr>
+                                      <p:to>
+                                        <p:strVal val="visible"/>
+                                      </p:to>
+                                    </p:set>
+                                    <p:animEffect transition="in" filter="fade">
+                                      <p:cBhvr>
+                                        <p:cTn id="7" dur="500"/>
+                                        <p:tgtEl>
+                                          <p:spTgt spid="8">
+                                            <p:txEl>
+                                              <p:pRg st="5" end="5"/>
+                                            </p:txEl>
+                                          </p:spTgt>
+                                        </p:tgtEl>
+                                      </p:cBhvr>
+                                    </p:animEffect>
+                                  </p:childTnLst>
+                                </p:cTn>
+                              </p:par>
+                            </p:childTnLst>
+                          </p:cTn>
+                        </p:par>
+                      </p:childTnLst>
+                    </p:cTn>
+                  </p:par>
+                  <p:par>
+                    <p:cTn id="8" fill="hold">
+                      <p:stCondLst>
+                        <p:cond delay="indefinite"/>
+                      </p:stCondLst>
+                      <p:childTnLst>
+                        <p:par>
+                          <p:cTn id="9" fill="hold">
+                            <p:stCondLst>
+                              <p:cond delay="0"/>
+                            </p:stCondLst>
+                            <p:childTnLst>
+                              <p:par>
+                                <p:cTn id="10" presetID="10" presetClass="entr" presetSubtype="0" fill="hold" nodeType="clickEffect">
+                                  <p:stCondLst>
+                                    <p:cond delay="0"/>
+                                  </p:stCondLst>
+                                  <p:childTnLst>
+                                    <p:set>
+                                      <p:cBhvr>
+                                        <p:cTn id="11" dur="1" fill="hold">
+                                          <p:stCondLst>
+                                            <p:cond delay="0"/>
+                                          </p:stCondLst>
+                                        </p:cTn>
+                                        <p:tgtEl>
+                                          <p:spTgt spid="8">
+                                            <p:txEl>
+                                              <p:pRg st="6" end="6"/>
+                                            </p:txEl>
+                                          </p:spTgt>
+                                        </p:tgtEl>
+                                        <p:attrNameLst>
+                                          <p:attrName>style.visibility</p:attrName>
+                                        </p:attrNameLst>
+                                      </p:cBhvr>
+                                      <p:to>
+                                        <p:strVal val="visible"/>
+                                      </p:to>
+                                    </p:set>
+                                    <p:animEffect transition="in" filter="fade">
+                                      <p:cBhvr>
+                                        <p:cTn id="12" dur="500"/>
+                                        <p:tgtEl>
+                                          <p:spTgt spid="8">
+                                            <p:txEl>
+                                              <p:pRg st="6" end="6"/>
+                                            </p:txEl>
+                                          </p:spTgt>
+                                        </p:tgtEl>
+                                      </p:cBhvr>
+                                    </p:animEffect>
+                                  </p:childTnLst>
+                                </p:cTn>
+                              </p:par>
+                              <p:par>
+                                <p:cTn id="13" presetID="10" presetClass="entr" presetSubtype="0" fill="hold" nodeType="withEffect">
+                                  <p:stCondLst>
+                                    <p:cond delay="0"/>
+                                  </p:stCondLst>
+                                  <p:childTnLst>
+                                    <p:set>
+                                      <p:cBhvr>
+                                        <p:cTn id="14" dur="1" fill="hold">
+                                          <p:stCondLst>
+                                            <p:cond delay="0"/>
+                                          </p:stCondLst>
+                                        </p:cTn>
+                                        <p:tgtEl>
+                                          <p:spTgt spid="8">
+                                            <p:txEl>
+                                              <p:pRg st="7" end="7"/>
+                                            </p:txEl>
+                                          </p:spTgt>
+                                        </p:tgtEl>
+                                        <p:attrNameLst>
+                                          <p:attrName>style.visibility</p:attrName>
+                                        </p:attrNameLst>
+                                      </p:cBhvr>
+                                      <p:to>
+                                        <p:strVal val="visible"/>
+                                      </p:to>
+                                    </p:set>
+                                    <p:animEffect transition="in" filter="fade">
+                                      <p:cBhvr>
+                                        <p:cTn id="15" dur="500"/>
+                                        <p:tgtEl>
+                                          <p:spTgt spid="8">
+                                            <p:txEl>
+                                              <p:pRg st="7" end="7"/>
+                                            </p:txEl>
+                                          </p:spTgt>
+                                        </p:tgtEl>
+                                      </p:cBhvr>
+                                    </p:animEffect>
+                                  </p:childTnLst>
+                                </p:cTn>
+                              </p:par>
+                            </p:childTnLst>
+                          </p:cTn>
+                        </p:par>
+                      </p:childTnLst>
+                    </p:cTn>
+                  </p:par>
+                </p:childTnLst>
+              </p:cTn>
+              <p:prevCondLst>
+                <p:cond evt="onPrev" delay="0">
+                  <p:tgtEl>
+                    <p:sldTgt/>
+                  </p:tgtEl>
+                </p:cond>
+              </p:prevCondLst>
+              <p:nextCondLst>
+                <p:cond evt="onNext" delay="0">
+                  <p:tgtEl>
+                    <p:sldTgt/>
+                  </p:tgtEl>
+                </p:cond>
+              </p:nextCondLst>
+            </p:seq>
+          </p:childTnLst>
+        </p:cTn>
+      </p:par>
+    </p:tnLst>
+  </p:timing>
+</p:sld>
+</file>
+
+<file path=ppt/slides/slide3.xml><?xml version="1.0" encoding="utf-8"?>
+<p:sld xmlns:a="http://schemas.openxmlformats.org/drawingml/2006/main" xmlns:r="http://schemas.openxmlformats.org/officeDocument/2006/relationships" xmlns:p="http://schemas.openxmlformats.org/presentationml/2006/main">
+  <p:cSld>
+    <p:spTree>
+      <p:nvGrpSpPr>
+        <p:cNvPr id="1" name=""/>
+        <p:cNvGrpSpPr/>
+        <p:nvPr/>
+      </p:nvGrpSpPr>
+      <p:grpSpPr>
+        <a:xfrm>
+          <a:off x="0" y="0"/>
+          <a:ext cx="0" cy="0"/>
+          <a:chOff x="0" y="0"/>
+          <a:chExt cx="0" cy="0"/>
+        </a:xfrm>
+      </p:grpSpPr>
+      <p:sp>
+        <p:nvSpPr>
+          <p:cNvPr id="2" name="Title 1">
+            <a:extLst>
+              <a:ext uri="{FF2B5EF4-FFF2-40B4-BE49-F238E27FC236}">
                 <a16:creationId xmlns:a16="http://schemas.microsoft.com/office/drawing/2014/main" id="{5DE7DACC-1920-B5A5-ED8F-070C38C5ED40}"/>
               </a:ext>
             </a:extLst>
@@ -4313,7 +5072,7 @@
           <a:p>
             <a:r>
               <a:rPr lang="en-US" dirty="0"/>
-              <a:t>Color/Themes</a:t>
+              <a:t>Themes, styling, CSS</a:t>
             </a:r>
           </a:p>
           <a:p>
@@ -4351,10 +5110,22 @@
   <p:clrMapOvr>
     <a:masterClrMapping/>
   </p:clrMapOvr>
+  <mc:AlternateContent xmlns:mc="http://schemas.openxmlformats.org/markup-compatibility/2006">
+    <mc:Choice xmlns:p159="http://schemas.microsoft.com/office/powerpoint/2015/09/main" Requires="p159">
+      <p:transition xmlns:p14="http://schemas.microsoft.com/office/powerpoint/2010/main" spd="slow" p14:dur="2000">
+        <p159:morph option="byObject"/>
+      </p:transition>
+    </mc:Choice>
+    <mc:Fallback>
+      <p:transition spd="slow">
+        <p:fade/>
+      </p:transition>
+    </mc:Fallback>
+  </mc:AlternateContent>
 </p:sld>
 </file>
 
-<file path=ppt/slides/slide3.xml><?xml version="1.0" encoding="utf-8"?>
+<file path=ppt/slides/slide4.xml><?xml version="1.0" encoding="utf-8"?>
 <p:sld xmlns:a="http://schemas.openxmlformats.org/drawingml/2006/main" xmlns:r="http://schemas.openxmlformats.org/officeDocument/2006/relationships" xmlns:p="http://schemas.openxmlformats.org/presentationml/2006/main">
   <p:cSld>
     <p:spTree>
@@ -4590,10 +5361,22 @@
   <p:clrMapOvr>
     <a:masterClrMapping/>
   </p:clrMapOvr>
+  <mc:AlternateContent xmlns:mc="http://schemas.openxmlformats.org/markup-compatibility/2006">
+    <mc:Choice xmlns:p159="http://schemas.microsoft.com/office/powerpoint/2015/09/main" Requires="p159">
+      <p:transition xmlns:p14="http://schemas.microsoft.com/office/powerpoint/2010/main" spd="slow" p14:dur="2000">
+        <p159:morph option="byObject"/>
+      </p:transition>
+    </mc:Choice>
+    <mc:Fallback>
+      <p:transition spd="slow">
+        <p:fade/>
+      </p:transition>
+    </mc:Fallback>
+  </mc:AlternateContent>
 </p:sld>
 </file>
 
-<file path=ppt/slides/slide4.xml><?xml version="1.0" encoding="utf-8"?>
+<file path=ppt/slides/slide5.xml><?xml version="1.0" encoding="utf-8"?>
 <p:sld xmlns:a="http://schemas.openxmlformats.org/drawingml/2006/main" xmlns:r="http://schemas.openxmlformats.org/officeDocument/2006/relationships" xmlns:p="http://schemas.openxmlformats.org/presentationml/2006/main">
   <p:cSld>
     <p:spTree>
@@ -4655,7 +5438,12 @@
             <p:ph idx="1"/>
           </p:nvPr>
         </p:nvSpPr>
-        <p:spPr/>
+        <p:spPr>
+          <a:xfrm>
+            <a:off x="1778000" y="1825625"/>
+            <a:ext cx="9853478" cy="4351338"/>
+          </a:xfrm>
+        </p:spPr>
         <p:txBody>
           <a:bodyPr/>
           <a:lstStyle/>
@@ -4694,7 +5482,7 @@
             </a:r>
             <a:r>
               <a:rPr lang="en-US" sz="1800" dirty="0"/>
-              <a:t> --interactivity Auto --name </a:t>
+              <a:t> --name </a:t>
             </a:r>
             <a:r>
               <a:rPr lang="en-US" sz="1800" dirty="0" err="1"/>
@@ -4702,8 +5490,59 @@
             </a:r>
             <a:r>
               <a:rPr lang="en-US" sz="1800" dirty="0"/>
-              <a:t> --all-interactive</a:t>
-            </a:r>
+              <a:t> --all-interactive --interactivity Auto</a:t>
+            </a:r>
+          </a:p>
+          <a:p>
+            <a:pPr lvl="1"/>
+            <a:r>
+              <a:rPr lang="en-US" sz="1800" dirty="0"/>
+              <a:t>dotnet new </a:t>
+            </a:r>
+            <a:r>
+              <a:rPr lang="en-US" sz="1800" dirty="0" err="1"/>
+              <a:t>mudblazor</a:t>
+            </a:r>
+            <a:r>
+              <a:rPr lang="en-US" sz="1800" dirty="0"/>
+              <a:t> --name </a:t>
+            </a:r>
+            <a:r>
+              <a:rPr lang="en-US" sz="1800" dirty="0" err="1"/>
+              <a:t>MyApplication</a:t>
+            </a:r>
+            <a:r>
+              <a:rPr lang="en-US" sz="1800" dirty="0"/>
+              <a:t> --all-interactive --interactivity Server</a:t>
+            </a:r>
+          </a:p>
+          <a:p>
+            <a:pPr lvl="1"/>
+            <a:r>
+              <a:rPr lang="en-US" sz="1800" dirty="0"/>
+              <a:t>dotnet new </a:t>
+            </a:r>
+            <a:r>
+              <a:rPr lang="en-US" sz="1800" dirty="0" err="1"/>
+              <a:t>mudblazor</a:t>
+            </a:r>
+            <a:r>
+              <a:rPr lang="en-US" sz="1800" dirty="0"/>
+              <a:t> --name </a:t>
+            </a:r>
+            <a:r>
+              <a:rPr lang="en-US" sz="1800" dirty="0" err="1"/>
+              <a:t>MyApplication</a:t>
+            </a:r>
+            <a:r>
+              <a:rPr lang="en-US" sz="1800" dirty="0"/>
+              <a:t> --all-interactive --interactivity </a:t>
+            </a:r>
+            <a:r>
+              <a:rPr lang="en-US" sz="1800" dirty="0" err="1"/>
+              <a:t>WebAssembly</a:t>
+            </a:r>
+            <a:endParaRPr lang="en-US" sz="1800" dirty="0"/>
           </a:p>
           <a:p>
             <a:r>
@@ -4723,6 +5562,289 @@
   <p:clrMapOvr>
     <a:masterClrMapping/>
   </p:clrMapOvr>
+  <mc:AlternateContent xmlns:mc="http://schemas.openxmlformats.org/markup-compatibility/2006">
+    <mc:Choice xmlns:p159="http://schemas.microsoft.com/office/powerpoint/2015/09/main" Requires="p159">
+      <p:transition xmlns:p14="http://schemas.microsoft.com/office/powerpoint/2010/main" spd="slow" p14:dur="2000">
+        <p159:morph option="byObject"/>
+      </p:transition>
+    </mc:Choice>
+    <mc:Fallback>
+      <p:transition spd="slow">
+        <p:fade/>
+      </p:transition>
+    </mc:Fallback>
+  </mc:AlternateContent>
+</p:sld>
+</file>
+
+<file path=ppt/slides/slide6.xml><?xml version="1.0" encoding="utf-8"?>
+<p:sld xmlns:a="http://schemas.openxmlformats.org/drawingml/2006/main" xmlns:r="http://schemas.openxmlformats.org/officeDocument/2006/relationships" xmlns:p="http://schemas.openxmlformats.org/presentationml/2006/main">
+  <p:cSld>
+    <p:spTree>
+      <p:nvGrpSpPr>
+        <p:cNvPr id="1" name=""/>
+        <p:cNvGrpSpPr/>
+        <p:nvPr/>
+      </p:nvGrpSpPr>
+      <p:grpSpPr>
+        <a:xfrm>
+          <a:off x="0" y="0"/>
+          <a:ext cx="0" cy="0"/>
+          <a:chOff x="0" y="0"/>
+          <a:chExt cx="0" cy="0"/>
+        </a:xfrm>
+      </p:grpSpPr>
+      <p:sp>
+        <p:nvSpPr>
+          <p:cNvPr id="2" name="Title 1">
+            <a:extLst>
+              <a:ext uri="{FF2B5EF4-FFF2-40B4-BE49-F238E27FC236}">
+                <a16:creationId xmlns:a16="http://schemas.microsoft.com/office/drawing/2014/main" id="{D97AD14D-F475-5378-E5BF-8ECB2F21DA72}"/>
+              </a:ext>
+            </a:extLst>
+          </p:cNvPr>
+          <p:cNvSpPr>
+            <a:spLocks noGrp="1"/>
+          </p:cNvSpPr>
+          <p:nvPr>
+            <p:ph type="title"/>
+          </p:nvPr>
+        </p:nvSpPr>
+        <p:spPr/>
+        <p:txBody>
+          <a:bodyPr/>
+          <a:lstStyle/>
+          <a:p>
+            <a:r>
+              <a:rPr lang="en-US" dirty="0"/>
+              <a:t>Themes, styling, CSS</a:t>
+            </a:r>
+          </a:p>
+        </p:txBody>
+      </p:sp>
+      <p:sp>
+        <p:nvSpPr>
+          <p:cNvPr id="3" name="Content Placeholder 2">
+            <a:extLst>
+              <a:ext uri="{FF2B5EF4-FFF2-40B4-BE49-F238E27FC236}">
+                <a16:creationId xmlns:a16="http://schemas.microsoft.com/office/drawing/2014/main" id="{74DD2FB6-DE8A-B5CA-F347-FE3967B6AD8A}"/>
+              </a:ext>
+            </a:extLst>
+          </p:cNvPr>
+          <p:cNvSpPr>
+            <a:spLocks noGrp="1"/>
+          </p:cNvSpPr>
+          <p:nvPr>
+            <p:ph idx="1"/>
+          </p:nvPr>
+        </p:nvSpPr>
+        <p:spPr/>
+        <p:txBody>
+          <a:bodyPr/>
+          <a:lstStyle/>
+          <a:p>
+            <a:r>
+              <a:rPr lang="en-US" dirty="0"/>
+              <a:t>Customizability</a:t>
+            </a:r>
+          </a:p>
+          <a:p>
+            <a:r>
+              <a:rPr lang="en-US" dirty="0"/>
+              <a:t>Dark/light themes</a:t>
+            </a:r>
+          </a:p>
+          <a:p>
+            <a:r>
+              <a:rPr lang="en-US" dirty="0"/>
+              <a:t>Out-of-the-box CSS classes</a:t>
+            </a:r>
+          </a:p>
+          <a:p>
+            <a:pPr lvl="1"/>
+            <a:r>
+              <a:rPr lang="en-US" dirty="0"/>
+              <a:t>Margin</a:t>
+            </a:r>
+          </a:p>
+          <a:p>
+            <a:pPr lvl="1"/>
+            <a:r>
+              <a:rPr lang="en-US" dirty="0"/>
+              <a:t>Padding</a:t>
+            </a:r>
+          </a:p>
+          <a:p>
+            <a:pPr lvl="1"/>
+            <a:r>
+              <a:rPr lang="en-US" dirty="0"/>
+              <a:t>Flexbox</a:t>
+            </a:r>
+            <a:endParaRPr lang="nl-NL" dirty="0"/>
+          </a:p>
+        </p:txBody>
+      </p:sp>
+    </p:spTree>
+    <p:extLst>
+      <p:ext uri="{BB962C8B-B14F-4D97-AF65-F5344CB8AC3E}">
+        <p14:creationId xmlns:p14="http://schemas.microsoft.com/office/powerpoint/2010/main" val="3693960852"/>
+      </p:ext>
+    </p:extLst>
+  </p:cSld>
+  <p:clrMapOvr>
+    <a:masterClrMapping/>
+  </p:clrMapOvr>
+  <mc:AlternateContent xmlns:mc="http://schemas.openxmlformats.org/markup-compatibility/2006">
+    <mc:Choice xmlns:p159="http://schemas.microsoft.com/office/powerpoint/2015/09/main" Requires="p159">
+      <p:transition xmlns:p14="http://schemas.microsoft.com/office/powerpoint/2010/main" spd="slow" p14:dur="2000">
+        <p159:morph option="byObject"/>
+      </p:transition>
+    </mc:Choice>
+    <mc:Fallback>
+      <p:transition spd="slow">
+        <p:fade/>
+      </p:transition>
+    </mc:Fallback>
+  </mc:AlternateContent>
+</p:sld>
+</file>
+
+<file path=ppt/slides/slide7.xml><?xml version="1.0" encoding="utf-8"?>
+<p:sld xmlns:a="http://schemas.openxmlformats.org/drawingml/2006/main" xmlns:r="http://schemas.openxmlformats.org/officeDocument/2006/relationships" xmlns:p="http://schemas.openxmlformats.org/presentationml/2006/main">
+  <p:cSld>
+    <p:spTree>
+      <p:nvGrpSpPr>
+        <p:cNvPr id="1" name=""/>
+        <p:cNvGrpSpPr/>
+        <p:nvPr/>
+      </p:nvGrpSpPr>
+      <p:grpSpPr>
+        <a:xfrm>
+          <a:off x="0" y="0"/>
+          <a:ext cx="0" cy="0"/>
+          <a:chOff x="0" y="0"/>
+          <a:chExt cx="0" cy="0"/>
+        </a:xfrm>
+      </p:grpSpPr>
+      <p:sp>
+        <p:nvSpPr>
+          <p:cNvPr id="2" name="Title 1">
+            <a:extLst>
+              <a:ext uri="{FF2B5EF4-FFF2-40B4-BE49-F238E27FC236}">
+                <a16:creationId xmlns:a16="http://schemas.microsoft.com/office/drawing/2014/main" id="{721BBDFC-443E-5824-2673-8C6C993BABDF}"/>
+              </a:ext>
+            </a:extLst>
+          </p:cNvPr>
+          <p:cNvSpPr>
+            <a:spLocks noGrp="1"/>
+          </p:cNvSpPr>
+          <p:nvPr>
+            <p:ph type="title"/>
+          </p:nvPr>
+        </p:nvSpPr>
+        <p:spPr/>
+        <p:txBody>
+          <a:bodyPr/>
+          <a:lstStyle/>
+          <a:p>
+            <a:r>
+              <a:rPr lang="en-US" dirty="0"/>
+              <a:t>Notable components</a:t>
+            </a:r>
+            <a:endParaRPr lang="nl-NL" dirty="0"/>
+          </a:p>
+        </p:txBody>
+      </p:sp>
+      <p:sp>
+        <p:nvSpPr>
+          <p:cNvPr id="3" name="Content Placeholder 2">
+            <a:extLst>
+              <a:ext uri="{FF2B5EF4-FFF2-40B4-BE49-F238E27FC236}">
+                <a16:creationId xmlns:a16="http://schemas.microsoft.com/office/drawing/2014/main" id="{92DF6A4E-27E0-4E5F-88C3-19606435EACE}"/>
+              </a:ext>
+            </a:extLst>
+          </p:cNvPr>
+          <p:cNvSpPr>
+            <a:spLocks noGrp="1"/>
+          </p:cNvSpPr>
+          <p:nvPr>
+            <p:ph idx="1"/>
+          </p:nvPr>
+        </p:nvSpPr>
+        <p:spPr/>
+        <p:txBody>
+          <a:bodyPr/>
+          <a:lstStyle/>
+          <a:p>
+            <a:r>
+              <a:rPr lang="en-US" dirty="0"/>
+              <a:t>Components</a:t>
+            </a:r>
+          </a:p>
+          <a:p>
+            <a:pPr lvl="1"/>
+            <a:r>
+              <a:rPr lang="en-US" dirty="0"/>
+              <a:t>Grid</a:t>
+            </a:r>
+          </a:p>
+          <a:p>
+            <a:pPr lvl="1"/>
+            <a:r>
+              <a:rPr lang="en-US" dirty="0" err="1"/>
+              <a:t>Snackbar</a:t>
+            </a:r>
+            <a:endParaRPr lang="en-US" dirty="0"/>
+          </a:p>
+          <a:p>
+            <a:pPr lvl="1"/>
+            <a:r>
+              <a:rPr lang="en-US" dirty="0"/>
+              <a:t>Dialog</a:t>
+            </a:r>
+          </a:p>
+          <a:p>
+            <a:pPr lvl="1"/>
+            <a:r>
+              <a:rPr lang="en-US" dirty="0"/>
+              <a:t>Table</a:t>
+            </a:r>
+          </a:p>
+          <a:p>
+            <a:pPr lvl="1"/>
+            <a:r>
+              <a:rPr lang="en-US" dirty="0"/>
+              <a:t>…</a:t>
+            </a:r>
+            <a:endParaRPr lang="nl-NL" dirty="0"/>
+          </a:p>
+          <a:p>
+            <a:endParaRPr lang="nl-NL" dirty="0"/>
+          </a:p>
+        </p:txBody>
+      </p:sp>
+    </p:spTree>
+    <p:extLst>
+      <p:ext uri="{BB962C8B-B14F-4D97-AF65-F5344CB8AC3E}">
+        <p14:creationId xmlns:p14="http://schemas.microsoft.com/office/powerpoint/2010/main" val="3696242622"/>
+      </p:ext>
+    </p:extLst>
+  </p:cSld>
+  <p:clrMapOvr>
+    <a:masterClrMapping/>
+  </p:clrMapOvr>
+  <mc:AlternateContent xmlns:mc="http://schemas.openxmlformats.org/markup-compatibility/2006">
+    <mc:Choice xmlns:p159="http://schemas.microsoft.com/office/powerpoint/2015/09/main" Requires="p159">
+      <p:transition xmlns:p14="http://schemas.microsoft.com/office/powerpoint/2010/main" spd="slow" p14:dur="2000">
+        <p159:morph option="byObject"/>
+      </p:transition>
+    </mc:Choice>
+    <mc:Fallback>
+      <p:transition spd="slow">
+        <p:fade/>
+      </p:transition>
+    </mc:Fallback>
+  </mc:AlternateContent>
 </p:sld>
 </file>
 

--- a/powerpoint/MudBlazor presentation.pptx
+++ b/powerpoint/MudBlazor presentation.pptx
@@ -5,7 +5,7 @@
     <p:sldMasterId id="2147483648" r:id="rId1"/>
   </p:sldMasterIdLst>
   <p:notesMasterIdLst>
-    <p:notesMasterId r:id="rId9"/>
+    <p:notesMasterId r:id="rId10"/>
   </p:notesMasterIdLst>
   <p:sldIdLst>
     <p:sldId id="256" r:id="rId2"/>
@@ -15,6 +15,7 @@
     <p:sldId id="260" r:id="rId6"/>
     <p:sldId id="262" r:id="rId7"/>
     <p:sldId id="264" r:id="rId8"/>
+    <p:sldId id="265" r:id="rId9"/>
   </p:sldIdLst>
   <p:sldSz cx="12192000" cy="6858000"/>
   <p:notesSz cx="6858000" cy="9144000"/>
@@ -4717,15 +4718,7 @@
           <a:p>
             <a:r>
               <a:rPr lang="en-US" dirty="0"/>
-              <a:t>At </a:t>
-            </a:r>
-            <a:r>
-              <a:rPr lang="en-US" dirty="0" err="1"/>
-              <a:t>BeterBed</a:t>
-            </a:r>
-            <a:r>
-              <a:rPr lang="en-US" dirty="0"/>
-              <a:t> since 2019</a:t>
+              <a:t>At Beter Bed since 2019</a:t>
             </a:r>
           </a:p>
           <a:p>
@@ -4745,7 +4738,7 @@
           <a:p>
             <a:r>
               <a:rPr lang="en-US" dirty="0"/>
-              <a:t>Reach me at</a:t>
+              <a:t>Reach me at:</a:t>
             </a:r>
           </a:p>
           <a:p>
@@ -4769,8 +4762,62 @@
               <a:t>LinkedIn</a:t>
             </a:r>
           </a:p>
-        </p:txBody>
-      </p:sp>
+          <a:p>
+            <a:pPr lvl="1"/>
+            <a:r>
+              <a:rPr lang="en-US" dirty="0"/>
+              <a:t>.NET Zuid meetings!</a:t>
+            </a:r>
+          </a:p>
+        </p:txBody>
+      </p:sp>
+      <p:pic>
+        <p:nvPicPr>
+          <p:cNvPr id="1026" name="Picture 2">
+            <a:extLst>
+              <a:ext uri="{FF2B5EF4-FFF2-40B4-BE49-F238E27FC236}">
+                <a16:creationId xmlns:a16="http://schemas.microsoft.com/office/drawing/2014/main" id="{D899C971-391E-EEE9-C06A-C4D1B1B8065E}"/>
+              </a:ext>
+            </a:extLst>
+          </p:cNvPr>
+          <p:cNvPicPr>
+            <a:picLocks noChangeAspect="1" noChangeArrowheads="1"/>
+          </p:cNvPicPr>
+          <p:nvPr/>
+        </p:nvPicPr>
+        <p:blipFill>
+          <a:blip r:embed="rId3">
+            <a:extLst>
+              <a:ext uri="{28A0092B-C50C-407E-A947-70E740481C1C}">
+                <a14:useLocalDpi xmlns:a14="http://schemas.microsoft.com/office/drawing/2010/main" val="0"/>
+              </a:ext>
+            </a:extLst>
+          </a:blip>
+          <a:srcRect/>
+          <a:stretch>
+            <a:fillRect/>
+          </a:stretch>
+        </p:blipFill>
+        <p:spPr bwMode="auto">
+          <a:xfrm>
+            <a:off x="10466657" y="4928461"/>
+            <a:ext cx="1324405" cy="1324405"/>
+          </a:xfrm>
+          <a:prstGeom prst="rect">
+            <a:avLst/>
+          </a:prstGeom>
+          <a:noFill/>
+          <a:extLst>
+            <a:ext uri="{909E8E84-426E-40DD-AFC4-6F175D3DCCD1}">
+              <a14:hiddenFill xmlns:a14="http://schemas.microsoft.com/office/drawing/2010/main">
+                <a:solidFill>
+                  <a:srgbClr val="FFFFFF"/>
+                </a:solidFill>
+              </a14:hiddenFill>
+            </a:ext>
+          </a:extLst>
+        </p:spPr>
+      </p:pic>
     </p:spTree>
     <p:extLst>
       <p:ext uri="{BB962C8B-B14F-4D97-AF65-F5344CB8AC3E}">
@@ -4814,7 +4861,7 @@
                             </p:stCondLst>
                             <p:childTnLst>
                               <p:par>
-                                <p:cTn id="5" presetID="10" presetClass="entr" presetSubtype="0" fill="hold" nodeType="clickEffect">
+                                <p:cTn id="5" presetID="31" presetClass="entr" presetSubtype="0" fill="hold" nodeType="clickEffect">
                                   <p:stCondLst>
                                     <p:cond delay="0"/>
                                   </p:stCondLst>
@@ -4841,9 +4888,90 @@
                                         <p:strVal val="visible"/>
                                       </p:to>
                                     </p:set>
+                                    <p:anim calcmode="lin" valueType="num">
+                                      <p:cBhvr>
+                                        <p:cTn id="7" dur="500" fill="hold"/>
+                                        <p:tgtEl>
+                                          <p:spTgt spid="8">
+                                            <p:txEl>
+                                              <p:pRg st="5" end="5"/>
+                                            </p:txEl>
+                                          </p:spTgt>
+                                        </p:tgtEl>
+                                        <p:attrNameLst>
+                                          <p:attrName>ppt_w</p:attrName>
+                                        </p:attrNameLst>
+                                      </p:cBhvr>
+                                      <p:tavLst>
+                                        <p:tav tm="0">
+                                          <p:val>
+                                            <p:fltVal val="0"/>
+                                          </p:val>
+                                        </p:tav>
+                                        <p:tav tm="100000">
+                                          <p:val>
+                                            <p:strVal val="#ppt_w"/>
+                                          </p:val>
+                                        </p:tav>
+                                      </p:tavLst>
+                                    </p:anim>
+                                    <p:anim calcmode="lin" valueType="num">
+                                      <p:cBhvr>
+                                        <p:cTn id="8" dur="500" fill="hold"/>
+                                        <p:tgtEl>
+                                          <p:spTgt spid="8">
+                                            <p:txEl>
+                                              <p:pRg st="5" end="5"/>
+                                            </p:txEl>
+                                          </p:spTgt>
+                                        </p:tgtEl>
+                                        <p:attrNameLst>
+                                          <p:attrName>ppt_h</p:attrName>
+                                        </p:attrNameLst>
+                                      </p:cBhvr>
+                                      <p:tavLst>
+                                        <p:tav tm="0">
+                                          <p:val>
+                                            <p:fltVal val="0"/>
+                                          </p:val>
+                                        </p:tav>
+                                        <p:tav tm="100000">
+                                          <p:val>
+                                            <p:strVal val="#ppt_h"/>
+                                          </p:val>
+                                        </p:tav>
+                                      </p:tavLst>
+                                    </p:anim>
+                                    <p:anim calcmode="lin" valueType="num">
+                                      <p:cBhvr>
+                                        <p:cTn id="9" dur="500" fill="hold"/>
+                                        <p:tgtEl>
+                                          <p:spTgt spid="8">
+                                            <p:txEl>
+                                              <p:pRg st="5" end="5"/>
+                                            </p:txEl>
+                                          </p:spTgt>
+                                        </p:tgtEl>
+                                        <p:attrNameLst>
+                                          <p:attrName>style.rotation</p:attrName>
+                                        </p:attrNameLst>
+                                      </p:cBhvr>
+                                      <p:tavLst>
+                                        <p:tav tm="0">
+                                          <p:val>
+                                            <p:fltVal val="90"/>
+                                          </p:val>
+                                        </p:tav>
+                                        <p:tav tm="100000">
+                                          <p:val>
+                                            <p:fltVal val="0"/>
+                                          </p:val>
+                                        </p:tav>
+                                      </p:tavLst>
+                                    </p:anim>
                                     <p:animEffect transition="in" filter="fade">
                                       <p:cBhvr>
-                                        <p:cTn id="7" dur="500"/>
+                                        <p:cTn id="10" dur="500"/>
                                         <p:tgtEl>
                                           <p:spTgt spid="8">
                                             <p:txEl>
@@ -4863,26 +4991,26 @@
                     </p:cTn>
                   </p:par>
                   <p:par>
-                    <p:cTn id="8" fill="hold">
+                    <p:cTn id="11" fill="hold">
                       <p:stCondLst>
                         <p:cond delay="indefinite"/>
                       </p:stCondLst>
                       <p:childTnLst>
                         <p:par>
-                          <p:cTn id="9" fill="hold">
+                          <p:cTn id="12" fill="hold">
                             <p:stCondLst>
                               <p:cond delay="0"/>
                             </p:stCondLst>
                             <p:childTnLst>
                               <p:par>
-                                <p:cTn id="10" presetID="10" presetClass="entr" presetSubtype="0" fill="hold" nodeType="clickEffect">
+                                <p:cTn id="13" presetID="10" presetClass="entr" presetSubtype="0" fill="hold" nodeType="clickEffect">
                                   <p:stCondLst>
                                     <p:cond delay="0"/>
                                   </p:stCondLst>
                                   <p:childTnLst>
                                     <p:set>
                                       <p:cBhvr>
-                                        <p:cTn id="11" dur="1" fill="hold">
+                                        <p:cTn id="14" dur="1" fill="hold">
                                           <p:stCondLst>
                                             <p:cond delay="0"/>
                                           </p:stCondLst>
@@ -4904,7 +5032,7 @@
                                     </p:set>
                                     <p:animEffect transition="in" filter="fade">
                                       <p:cBhvr>
-                                        <p:cTn id="12" dur="500"/>
+                                        <p:cTn id="15" dur="500"/>
                                         <p:tgtEl>
                                           <p:spTgt spid="8">
                                             <p:txEl>
@@ -4918,14 +5046,14 @@
                                 </p:cTn>
                               </p:par>
                               <p:par>
-                                <p:cTn id="13" presetID="10" presetClass="entr" presetSubtype="0" fill="hold" nodeType="withEffect">
+                                <p:cTn id="16" presetID="10" presetClass="entr" presetSubtype="0" fill="hold" nodeType="withEffect">
                                   <p:stCondLst>
                                     <p:cond delay="0"/>
                                   </p:stCondLst>
                                   <p:childTnLst>
                                     <p:set>
                                       <p:cBhvr>
-                                        <p:cTn id="14" dur="1" fill="hold">
+                                        <p:cTn id="17" dur="1" fill="hold">
                                           <p:stCondLst>
                                             <p:cond delay="0"/>
                                           </p:stCondLst>
@@ -4947,11 +5075,54 @@
                                     </p:set>
                                     <p:animEffect transition="in" filter="fade">
                                       <p:cBhvr>
-                                        <p:cTn id="15" dur="500"/>
+                                        <p:cTn id="18" dur="500"/>
                                         <p:tgtEl>
                                           <p:spTgt spid="8">
                                             <p:txEl>
                                               <p:pRg st="7" end="7"/>
+                                            </p:txEl>
+                                          </p:spTgt>
+                                        </p:tgtEl>
+                                      </p:cBhvr>
+                                    </p:animEffect>
+                                  </p:childTnLst>
+                                </p:cTn>
+                              </p:par>
+                              <p:par>
+                                <p:cTn id="19" presetID="10" presetClass="entr" presetSubtype="0" fill="hold" nodeType="withEffect">
+                                  <p:stCondLst>
+                                    <p:cond delay="0"/>
+                                  </p:stCondLst>
+                                  <p:childTnLst>
+                                    <p:set>
+                                      <p:cBhvr>
+                                        <p:cTn id="20" dur="1" fill="hold">
+                                          <p:stCondLst>
+                                            <p:cond delay="0"/>
+                                          </p:stCondLst>
+                                        </p:cTn>
+                                        <p:tgtEl>
+                                          <p:spTgt spid="8">
+                                            <p:txEl>
+                                              <p:pRg st="8" end="8"/>
+                                            </p:txEl>
+                                          </p:spTgt>
+                                        </p:tgtEl>
+                                        <p:attrNameLst>
+                                          <p:attrName>style.visibility</p:attrName>
+                                        </p:attrNameLst>
+                                      </p:cBhvr>
+                                      <p:to>
+                                        <p:strVal val="visible"/>
+                                      </p:to>
+                                    </p:set>
+                                    <p:animEffect transition="in" filter="fade">
+                                      <p:cBhvr>
+                                        <p:cTn id="21" dur="500"/>
+                                        <p:tgtEl>
+                                          <p:spTgt spid="8">
+                                            <p:txEl>
+                                              <p:pRg st="8" end="8"/>
                                             </p:txEl>
                                           </p:spTgt>
                                         </p:tgtEl>
@@ -5799,9 +5970,10 @@
           <a:p>
             <a:pPr lvl="1"/>
             <a:r>
-              <a:rPr lang="en-US" dirty="0"/>
-              <a:t>Dialog</a:t>
-            </a:r>
+              <a:rPr lang="en-US" dirty="0" err="1"/>
+              <a:t>MessageBox</a:t>
+            </a:r>
+            <a:endParaRPr lang="en-US" dirty="0"/>
           </a:p>
           <a:p>
             <a:pPr lvl="1"/>
@@ -5827,6 +5999,128 @@
     <p:extLst>
       <p:ext uri="{BB962C8B-B14F-4D97-AF65-F5344CB8AC3E}">
         <p14:creationId xmlns:p14="http://schemas.microsoft.com/office/powerpoint/2010/main" val="3696242622"/>
+      </p:ext>
+    </p:extLst>
+  </p:cSld>
+  <p:clrMapOvr>
+    <a:masterClrMapping/>
+  </p:clrMapOvr>
+  <mc:AlternateContent xmlns:mc="http://schemas.openxmlformats.org/markup-compatibility/2006">
+    <mc:Choice xmlns:p159="http://schemas.microsoft.com/office/powerpoint/2015/09/main" Requires="p159">
+      <p:transition xmlns:p14="http://schemas.microsoft.com/office/powerpoint/2010/main" spd="slow" p14:dur="2000">
+        <p159:morph option="byObject"/>
+      </p:transition>
+    </mc:Choice>
+    <mc:Fallback>
+      <p:transition spd="slow">
+        <p:fade/>
+      </p:transition>
+    </mc:Fallback>
+  </mc:AlternateContent>
+</p:sld>
+</file>
+
+<file path=ppt/slides/slide8.xml><?xml version="1.0" encoding="utf-8"?>
+<p:sld xmlns:a="http://schemas.openxmlformats.org/drawingml/2006/main" xmlns:r="http://schemas.openxmlformats.org/officeDocument/2006/relationships" xmlns:p="http://schemas.openxmlformats.org/presentationml/2006/main">
+  <p:cSld>
+    <p:spTree>
+      <p:nvGrpSpPr>
+        <p:cNvPr id="1" name=""/>
+        <p:cNvGrpSpPr/>
+        <p:nvPr/>
+      </p:nvGrpSpPr>
+      <p:grpSpPr>
+        <a:xfrm>
+          <a:off x="0" y="0"/>
+          <a:ext cx="0" cy="0"/>
+          <a:chOff x="0" y="0"/>
+          <a:chExt cx="0" cy="0"/>
+        </a:xfrm>
+      </p:grpSpPr>
+      <p:sp>
+        <p:nvSpPr>
+          <p:cNvPr id="2" name="Title 1">
+            <a:extLst>
+              <a:ext uri="{FF2B5EF4-FFF2-40B4-BE49-F238E27FC236}">
+                <a16:creationId xmlns:a16="http://schemas.microsoft.com/office/drawing/2014/main" id="{F934D155-36FA-832D-2578-998256445853}"/>
+              </a:ext>
+            </a:extLst>
+          </p:cNvPr>
+          <p:cNvSpPr>
+            <a:spLocks noGrp="1"/>
+          </p:cNvSpPr>
+          <p:nvPr>
+            <p:ph type="title"/>
+          </p:nvPr>
+        </p:nvSpPr>
+        <p:spPr/>
+        <p:txBody>
+          <a:bodyPr/>
+          <a:lstStyle/>
+          <a:p>
+            <a:r>
+              <a:rPr lang="en-US" dirty="0" err="1"/>
+              <a:t>MudBlazor</a:t>
+            </a:r>
+            <a:r>
+              <a:rPr lang="en-US" dirty="0"/>
+              <a:t> in practice</a:t>
+            </a:r>
+            <a:endParaRPr lang="nl-NL" dirty="0"/>
+          </a:p>
+        </p:txBody>
+      </p:sp>
+      <p:sp>
+        <p:nvSpPr>
+          <p:cNvPr id="3" name="Content Placeholder 2">
+            <a:extLst>
+              <a:ext uri="{FF2B5EF4-FFF2-40B4-BE49-F238E27FC236}">
+                <a16:creationId xmlns:a16="http://schemas.microsoft.com/office/drawing/2014/main" id="{F00EDE41-725C-78A9-0F35-CD883CE4EF02}"/>
+              </a:ext>
+            </a:extLst>
+          </p:cNvPr>
+          <p:cNvSpPr>
+            <a:spLocks noGrp="1"/>
+          </p:cNvSpPr>
+          <p:nvPr>
+            <p:ph idx="1"/>
+          </p:nvPr>
+        </p:nvSpPr>
+        <p:spPr/>
+        <p:txBody>
+          <a:bodyPr/>
+          <a:lstStyle/>
+          <a:p>
+            <a:r>
+              <a:rPr lang="en-US" dirty="0"/>
+              <a:t>QR code tool</a:t>
+            </a:r>
+          </a:p>
+          <a:p>
+            <a:r>
+              <a:rPr lang="en-US" dirty="0"/>
+              <a:t>Cross sell tool</a:t>
+            </a:r>
+          </a:p>
+          <a:p>
+            <a:r>
+              <a:rPr lang="en-US" dirty="0"/>
+              <a:t>Promotion tool</a:t>
+            </a:r>
+          </a:p>
+          <a:p>
+            <a:r>
+              <a:rPr lang="en-US" dirty="0"/>
+              <a:t>3D Boxspring configuration tool configuration tool</a:t>
+            </a:r>
+            <a:endParaRPr lang="nl-NL" dirty="0"/>
+          </a:p>
+        </p:txBody>
+      </p:sp>
+    </p:spTree>
+    <p:extLst>
+      <p:ext uri="{BB962C8B-B14F-4D97-AF65-F5344CB8AC3E}">
+        <p14:creationId xmlns:p14="http://schemas.microsoft.com/office/powerpoint/2010/main" val="1333264670"/>
       </p:ext>
     </p:extLst>
   </p:cSld>

--- a/powerpoint/MudBlazor presentation.pptx
+++ b/powerpoint/MudBlazor presentation.pptx
@@ -116,7 +116,18 @@
   </p:defaultTextStyle>
   <p:extLst>
     <p:ext uri="{EFAFB233-063F-42B5-8137-9DF3F51BA10A}">
-      <p15:sldGuideLst xmlns:p15="http://schemas.microsoft.com/office/powerpoint/2012/main"/>
+      <p15:sldGuideLst xmlns:p15="http://schemas.microsoft.com/office/powerpoint/2012/main">
+        <p15:guide id="1" orient="horz" pos="2160" userDrawn="1">
+          <p15:clr>
+            <a:srgbClr val="A4A3A4"/>
+          </p15:clr>
+        </p15:guide>
+        <p15:guide id="2" pos="3840" userDrawn="1">
+          <p15:clr>
+            <a:srgbClr val="A4A3A4"/>
+          </p15:clr>
+        </p15:guide>
+      </p15:sldGuideLst>
     </p:ext>
   </p:extLst>
 </p:presentation>
@@ -645,6 +656,157 @@
     <p:extLst>
       <p:ext uri="{BB962C8B-B14F-4D97-AF65-F5344CB8AC3E}">
         <p14:creationId xmlns:p14="http://schemas.microsoft.com/office/powerpoint/2010/main" val="1697590199"/>
+      </p:ext>
+    </p:extLst>
+  </p:cSld>
+  <p:clrMapOvr>
+    <a:masterClrMapping/>
+  </p:clrMapOvr>
+</p:notes>
+</file>
+
+<file path=ppt/notesSlides/notesSlide3.xml><?xml version="1.0" encoding="utf-8"?>
+<p:notes xmlns:a="http://schemas.openxmlformats.org/drawingml/2006/main" xmlns:r="http://schemas.openxmlformats.org/officeDocument/2006/relationships" xmlns:p="http://schemas.openxmlformats.org/presentationml/2006/main">
+  <p:cSld>
+    <p:spTree>
+      <p:nvGrpSpPr>
+        <p:cNvPr id="1" name=""/>
+        <p:cNvGrpSpPr/>
+        <p:nvPr/>
+      </p:nvGrpSpPr>
+      <p:grpSpPr>
+        <a:xfrm>
+          <a:off x="0" y="0"/>
+          <a:ext cx="0" cy="0"/>
+          <a:chOff x="0" y="0"/>
+          <a:chExt cx="0" cy="0"/>
+        </a:xfrm>
+      </p:grpSpPr>
+      <p:sp>
+        <p:nvSpPr>
+          <p:cNvPr id="2" name="Slide Image Placeholder 1"/>
+          <p:cNvSpPr>
+            <a:spLocks noGrp="1" noRot="1" noChangeAspect="1"/>
+          </p:cNvSpPr>
+          <p:nvPr>
+            <p:ph type="sldImg"/>
+          </p:nvPr>
+        </p:nvSpPr>
+        <p:spPr/>
+      </p:sp>
+      <p:sp>
+        <p:nvSpPr>
+          <p:cNvPr id="3" name="Notes Placeholder 2"/>
+          <p:cNvSpPr>
+            <a:spLocks noGrp="1"/>
+          </p:cNvSpPr>
+          <p:nvPr>
+            <p:ph type="body" idx="1"/>
+          </p:nvPr>
+        </p:nvSpPr>
+        <p:spPr/>
+        <p:txBody>
+          <a:bodyPr/>
+          <a:lstStyle/>
+          <a:p>
+            <a:pPr marL="171450" indent="-171450">
+              <a:buFont typeface="Arial" panose="020B0604020202020204" pitchFamily="34" charset="0"/>
+              <a:buChar char="•"/>
+            </a:pPr>
+            <a:r>
+              <a:rPr lang="en-US" dirty="0"/>
+              <a:t>QR tool</a:t>
+            </a:r>
+          </a:p>
+          <a:p>
+            <a:pPr marL="628650" lvl="1" indent="-171450">
+              <a:buFont typeface="Arial" panose="020B0604020202020204" pitchFamily="34" charset="0"/>
+              <a:buChar char="•"/>
+            </a:pPr>
+            <a:r>
+              <a:rPr lang="en-US" dirty="0"/>
+              <a:t>Azurite -&gt; QR</a:t>
+            </a:r>
+          </a:p>
+          <a:p>
+            <a:pPr marL="628650" lvl="1" indent="-171450">
+              <a:buFont typeface="Arial" panose="020B0604020202020204" pitchFamily="34" charset="0"/>
+              <a:buChar char="•"/>
+            </a:pPr>
+            <a:r>
+              <a:rPr lang="en-US" dirty="0"/>
+              <a:t>Docker -&gt; MSSQL</a:t>
+            </a:r>
+          </a:p>
+          <a:p>
+            <a:pPr marL="171450" lvl="0" indent="-171450">
+              <a:buFont typeface="Arial" panose="020B0604020202020204" pitchFamily="34" charset="0"/>
+              <a:buChar char="•"/>
+            </a:pPr>
+            <a:r>
+              <a:rPr lang="en-US" dirty="0"/>
+              <a:t>Cross sell tool</a:t>
+            </a:r>
+          </a:p>
+          <a:p>
+            <a:pPr marL="628650" lvl="1" indent="-171450">
+              <a:buFont typeface="Arial" panose="020B0604020202020204" pitchFamily="34" charset="0"/>
+              <a:buChar char="•"/>
+            </a:pPr>
+            <a:r>
+              <a:rPr lang="en-US" dirty="0"/>
+              <a:t>Docker -&gt; MSSQL</a:t>
+            </a:r>
+          </a:p>
+          <a:p>
+            <a:pPr marL="171450" lvl="0" indent="-171450">
+              <a:buFont typeface="Arial" panose="020B0604020202020204" pitchFamily="34" charset="0"/>
+              <a:buChar char="•"/>
+            </a:pPr>
+            <a:r>
+              <a:rPr lang="en-US" dirty="0"/>
+              <a:t>Promotion tool</a:t>
+            </a:r>
+          </a:p>
+          <a:p>
+            <a:pPr marL="628650" lvl="1" indent="-171450">
+              <a:buFont typeface="Arial" panose="020B0604020202020204" pitchFamily="34" charset="0"/>
+              <a:buChar char="•"/>
+            </a:pPr>
+            <a:r>
+              <a:rPr lang="en-US" dirty="0"/>
+              <a:t>Azurite -&gt; Backend</a:t>
+            </a:r>
+          </a:p>
+        </p:txBody>
+      </p:sp>
+      <p:sp>
+        <p:nvSpPr>
+          <p:cNvPr id="4" name="Slide Number Placeholder 3"/>
+          <p:cNvSpPr>
+            <a:spLocks noGrp="1"/>
+          </p:cNvSpPr>
+          <p:nvPr>
+            <p:ph type="sldNum" sz="quarter" idx="5"/>
+          </p:nvPr>
+        </p:nvSpPr>
+        <p:spPr/>
+        <p:txBody>
+          <a:bodyPr/>
+          <a:lstStyle/>
+          <a:p>
+            <a:fld id="{1FB57125-8481-4D40-9A99-DC04EDF299F9}" type="slidenum">
+              <a:rPr lang="nl-NL" smtClean="0"/>
+              <a:t>8</a:t>
+            </a:fld>
+            <a:endParaRPr lang="nl-NL"/>
+          </a:p>
+        </p:txBody>
+      </p:sp>
+    </p:spTree>
+    <p:extLst>
+      <p:ext uri="{BB962C8B-B14F-4D97-AF65-F5344CB8AC3E}">
+        <p14:creationId xmlns:p14="http://schemas.microsoft.com/office/powerpoint/2010/main" val="2923901262"/>
       </p:ext>
     </p:extLst>
   </p:cSld>
@@ -6086,7 +6248,12 @@
             <p:ph idx="1"/>
           </p:nvPr>
         </p:nvSpPr>
-        <p:spPr/>
+        <p:spPr>
+          <a:xfrm>
+            <a:off x="1778000" y="1825625"/>
+            <a:ext cx="9575800" cy="2136775"/>
+          </a:xfrm>
+        </p:spPr>
         <p:txBody>
           <a:bodyPr/>
           <a:lstStyle/>
@@ -6113,7 +6280,6 @@
               <a:rPr lang="en-US" dirty="0"/>
               <a:t>3D Boxspring configuration tool configuration tool</a:t>
             </a:r>
-            <a:endParaRPr lang="nl-NL" dirty="0"/>
           </a:p>
         </p:txBody>
       </p:sp>
@@ -6139,6 +6305,97 @@
       </p:transition>
     </mc:Fallback>
   </mc:AlternateContent>
+  <p:timing>
+    <p:tnLst>
+      <p:par>
+        <p:cTn id="1" dur="indefinite" restart="never" nodeType="tmRoot">
+          <p:childTnLst>
+            <p:seq concurrent="1" nextAc="seek">
+              <p:cTn id="2" dur="indefinite" nodeType="mainSeq">
+                <p:childTnLst>
+                  <p:par>
+                    <p:cTn id="3" fill="hold">
+                      <p:stCondLst>
+                        <p:cond delay="indefinite"/>
+                      </p:stCondLst>
+                      <p:childTnLst>
+                        <p:par>
+                          <p:cTn id="4" fill="hold">
+                            <p:stCondLst>
+                              <p:cond delay="0"/>
+                            </p:stCondLst>
+                            <p:childTnLst>
+                              <p:par>
+                                <p:cTn id="5" presetID="22" presetClass="entr" presetSubtype="8" fill="hold" nodeType="clickEffect">
+                                  <p:stCondLst>
+                                    <p:cond delay="0"/>
+                                  </p:stCondLst>
+                                  <p:childTnLst>
+                                    <p:set>
+                                      <p:cBhvr>
+                                        <p:cTn id="6" dur="1" fill="hold">
+                                          <p:stCondLst>
+                                            <p:cond delay="0"/>
+                                          </p:stCondLst>
+                                        </p:cTn>
+                                        <p:tgtEl>
+                                          <p:spTgt spid="3">
+                                            <p:txEl>
+                                              <p:charRg st="44" end="95"/>
+                                            </p:txEl>
+                                          </p:spTgt>
+                                        </p:tgtEl>
+                                        <p:attrNameLst>
+                                          <p:attrName>style.visibility</p:attrName>
+                                        </p:attrNameLst>
+                                      </p:cBhvr>
+                                      <p:to>
+                                        <p:strVal val="visible"/>
+                                      </p:to>
+                                    </p:set>
+                                    <p:animEffect transition="in" filter="wipe(left)">
+                                      <p:cBhvr>
+                                        <p:cTn id="7" dur="3000"/>
+                                        <p:tgtEl>
+                                          <p:spTgt spid="3">
+                                            <p:txEl>
+                                              <p:charRg st="44" end="95"/>
+                                            </p:txEl>
+                                          </p:spTgt>
+                                        </p:tgtEl>
+                                      </p:cBhvr>
+                                    </p:animEffect>
+                                  </p:childTnLst>
+                                </p:cTn>
+                              </p:par>
+                            </p:childTnLst>
+                          </p:cTn>
+                        </p:par>
+                      </p:childTnLst>
+                    </p:cTn>
+                  </p:par>
+                </p:childTnLst>
+              </p:cTn>
+              <p:prevCondLst>
+                <p:cond evt="onPrev" delay="0">
+                  <p:tgtEl>
+                    <p:sldTgt/>
+                  </p:tgtEl>
+                </p:cond>
+              </p:prevCondLst>
+              <p:nextCondLst>
+                <p:cond evt="onNext" delay="0">
+                  <p:tgtEl>
+                    <p:sldTgt/>
+                  </p:tgtEl>
+                </p:cond>
+              </p:nextCondLst>
+            </p:seq>
+          </p:childTnLst>
+        </p:cTn>
+      </p:par>
+    </p:tnLst>
+  </p:timing>
 </p:sld>
 </file>
 

--- a/powerpoint/MudBlazor presentation.pptx
+++ b/powerpoint/MudBlazor presentation.pptx
@@ -215,7 +215,7 @@
           <a:p>
             <a:fld id="{2E4F2622-5461-4E3A-A9A9-E7D39FD1DE35}" type="datetimeFigureOut">
               <a:rPr lang="nl-NL" smtClean="0"/>
-              <a:t>14-11-2025</a:t>
+              <a:t>13-12-2025</a:t>
             </a:fld>
             <a:endParaRPr lang="nl-NL"/>
           </a:p>
@@ -971,7 +971,7 @@
           <a:p>
             <a:fld id="{D070539C-1798-4111-8018-D381E61B49CE}" type="datetimeFigureOut">
               <a:rPr lang="nl-NL" smtClean="0"/>
-              <a:t>14-11-2025</a:t>
+              <a:t>13-12-2025</a:t>
             </a:fld>
             <a:endParaRPr lang="nl-NL"/>
           </a:p>
@@ -1041,13 +1041,13 @@
   <p:clrMapOvr>
     <a:masterClrMapping/>
   </p:clrMapOvr>
-  <mc:AlternateContent xmlns:mc="http://schemas.openxmlformats.org/markup-compatibility/2006">
-    <mc:Choice xmlns:p159="http://schemas.microsoft.com/office/powerpoint/2015/09/main" Requires="p159">
+  <mc:AlternateContent xmlns:mc="http://schemas.openxmlformats.org/markup-compatibility/2006" xmlns:p159="http://schemas.microsoft.com/office/powerpoint/2015/09/main">
+    <mc:Choice Requires="p159">
       <p:transition xmlns:p14="http://schemas.microsoft.com/office/powerpoint/2010/main" spd="slow" p14:dur="2000">
         <p159:morph option="byObject"/>
       </p:transition>
     </mc:Choice>
-    <mc:Fallback>
+    <mc:Fallback xmlns="">
       <p:transition spd="slow">
         <p:fade/>
       </p:transition>
@@ -1199,7 +1199,7 @@
           <a:p>
             <a:fld id="{D070539C-1798-4111-8018-D381E61B49CE}" type="datetimeFigureOut">
               <a:rPr lang="nl-NL" smtClean="0"/>
-              <a:t>14-11-2025</a:t>
+              <a:t>13-12-2025</a:t>
             </a:fld>
             <a:endParaRPr lang="nl-NL"/>
           </a:p>
@@ -1269,13 +1269,13 @@
   <p:clrMapOvr>
     <a:masterClrMapping/>
   </p:clrMapOvr>
-  <mc:AlternateContent xmlns:mc="http://schemas.openxmlformats.org/markup-compatibility/2006">
-    <mc:Choice xmlns:p159="http://schemas.microsoft.com/office/powerpoint/2015/09/main" Requires="p159">
+  <mc:AlternateContent xmlns:mc="http://schemas.openxmlformats.org/markup-compatibility/2006" xmlns:p159="http://schemas.microsoft.com/office/powerpoint/2015/09/main">
+    <mc:Choice Requires="p159">
       <p:transition xmlns:p14="http://schemas.microsoft.com/office/powerpoint/2010/main" spd="slow" p14:dur="2000">
         <p159:morph option="byObject"/>
       </p:transition>
     </mc:Choice>
-    <mc:Fallback>
+    <mc:Fallback xmlns="">
       <p:transition spd="slow">
         <p:fade/>
       </p:transition>
@@ -1427,7 +1427,7 @@
           <a:p>
             <a:fld id="{D070539C-1798-4111-8018-D381E61B49CE}" type="datetimeFigureOut">
               <a:rPr lang="nl-NL" smtClean="0"/>
-              <a:t>14-11-2025</a:t>
+              <a:t>13-12-2025</a:t>
             </a:fld>
             <a:endParaRPr lang="nl-NL"/>
           </a:p>
@@ -1497,13 +1497,13 @@
   <p:clrMapOvr>
     <a:masterClrMapping/>
   </p:clrMapOvr>
-  <mc:AlternateContent xmlns:mc="http://schemas.openxmlformats.org/markup-compatibility/2006">
-    <mc:Choice xmlns:p159="http://schemas.microsoft.com/office/powerpoint/2015/09/main" Requires="p159">
+  <mc:AlternateContent xmlns:mc="http://schemas.openxmlformats.org/markup-compatibility/2006" xmlns:p159="http://schemas.microsoft.com/office/powerpoint/2015/09/main">
+    <mc:Choice Requires="p159">
       <p:transition xmlns:p14="http://schemas.microsoft.com/office/powerpoint/2010/main" spd="slow" p14:dur="2000">
         <p159:morph option="byObject"/>
       </p:transition>
     </mc:Choice>
-    <mc:Fallback>
+    <mc:Fallback xmlns="">
       <p:transition spd="slow">
         <p:fade/>
       </p:transition>
@@ -1654,7 +1654,7 @@
           <a:p>
             <a:fld id="{D070539C-1798-4111-8018-D381E61B49CE}" type="datetimeFigureOut">
               <a:rPr lang="nl-NL" smtClean="0"/>
-              <a:t>14-11-2025</a:t>
+              <a:t>13-12-2025</a:t>
             </a:fld>
             <a:endParaRPr lang="nl-NL"/>
           </a:p>
@@ -1781,13 +1781,13 @@
   <p:clrMapOvr>
     <a:masterClrMapping/>
   </p:clrMapOvr>
-  <mc:AlternateContent xmlns:mc="http://schemas.openxmlformats.org/markup-compatibility/2006">
-    <mc:Choice xmlns:p159="http://schemas.microsoft.com/office/powerpoint/2015/09/main" Requires="p159">
+  <mc:AlternateContent xmlns:mc="http://schemas.openxmlformats.org/markup-compatibility/2006" xmlns:p159="http://schemas.microsoft.com/office/powerpoint/2015/09/main">
+    <mc:Choice Requires="p159">
       <p:transition xmlns:p14="http://schemas.microsoft.com/office/powerpoint/2010/main" spd="slow" p14:dur="2000">
         <p159:morph option="byObject"/>
       </p:transition>
     </mc:Choice>
-    <mc:Fallback>
+    <mc:Fallback xmlns="">
       <p:transition spd="slow">
         <p:fade/>
       </p:transition>
@@ -2005,7 +2005,7 @@
           <a:p>
             <a:fld id="{D070539C-1798-4111-8018-D381E61B49CE}" type="datetimeFigureOut">
               <a:rPr lang="nl-NL" smtClean="0"/>
-              <a:t>14-11-2025</a:t>
+              <a:t>13-12-2025</a:t>
             </a:fld>
             <a:endParaRPr lang="nl-NL"/>
           </a:p>
@@ -2075,13 +2075,13 @@
   <p:clrMapOvr>
     <a:masterClrMapping/>
   </p:clrMapOvr>
-  <mc:AlternateContent xmlns:mc="http://schemas.openxmlformats.org/markup-compatibility/2006">
-    <mc:Choice xmlns:p159="http://schemas.microsoft.com/office/powerpoint/2015/09/main" Requires="p159">
+  <mc:AlternateContent xmlns:mc="http://schemas.openxmlformats.org/markup-compatibility/2006" xmlns:p159="http://schemas.microsoft.com/office/powerpoint/2015/09/main">
+    <mc:Choice Requires="p159">
       <p:transition xmlns:p14="http://schemas.microsoft.com/office/powerpoint/2010/main" spd="slow" p14:dur="2000">
         <p159:morph option="byObject"/>
       </p:transition>
     </mc:Choice>
-    <mc:Fallback>
+    <mc:Fallback xmlns="">
       <p:transition spd="slow">
         <p:fade/>
       </p:transition>
@@ -2299,7 +2299,7 @@
           <a:p>
             <a:fld id="{D070539C-1798-4111-8018-D381E61B49CE}" type="datetimeFigureOut">
               <a:rPr lang="nl-NL" smtClean="0"/>
-              <a:t>14-11-2025</a:t>
+              <a:t>13-12-2025</a:t>
             </a:fld>
             <a:endParaRPr lang="nl-NL"/>
           </a:p>
@@ -2369,13 +2369,13 @@
   <p:clrMapOvr>
     <a:masterClrMapping/>
   </p:clrMapOvr>
-  <mc:AlternateContent xmlns:mc="http://schemas.openxmlformats.org/markup-compatibility/2006">
-    <mc:Choice xmlns:p159="http://schemas.microsoft.com/office/powerpoint/2015/09/main" Requires="p159">
+  <mc:AlternateContent xmlns:mc="http://schemas.openxmlformats.org/markup-compatibility/2006" xmlns:p159="http://schemas.microsoft.com/office/powerpoint/2015/09/main">
+    <mc:Choice Requires="p159">
       <p:transition xmlns:p14="http://schemas.microsoft.com/office/powerpoint/2010/main" spd="slow" p14:dur="2000">
         <p159:morph option="byObject"/>
       </p:transition>
     </mc:Choice>
-    <mc:Fallback>
+    <mc:Fallback xmlns="">
       <p:transition spd="slow">
         <p:fade/>
       </p:transition>
@@ -2741,7 +2741,7 @@
           <a:p>
             <a:fld id="{D070539C-1798-4111-8018-D381E61B49CE}" type="datetimeFigureOut">
               <a:rPr lang="nl-NL" smtClean="0"/>
-              <a:t>14-11-2025</a:t>
+              <a:t>13-12-2025</a:t>
             </a:fld>
             <a:endParaRPr lang="nl-NL"/>
           </a:p>
@@ -2811,13 +2811,13 @@
   <p:clrMapOvr>
     <a:masterClrMapping/>
   </p:clrMapOvr>
-  <mc:AlternateContent xmlns:mc="http://schemas.openxmlformats.org/markup-compatibility/2006">
-    <mc:Choice xmlns:p159="http://schemas.microsoft.com/office/powerpoint/2015/09/main" Requires="p159">
+  <mc:AlternateContent xmlns:mc="http://schemas.openxmlformats.org/markup-compatibility/2006" xmlns:p159="http://schemas.microsoft.com/office/powerpoint/2015/09/main">
+    <mc:Choice Requires="p159">
       <p:transition xmlns:p14="http://schemas.microsoft.com/office/powerpoint/2010/main" spd="slow" p14:dur="2000">
         <p159:morph option="byObject"/>
       </p:transition>
     </mc:Choice>
-    <mc:Fallback>
+    <mc:Fallback xmlns="">
       <p:transition spd="slow">
         <p:fade/>
       </p:transition>
@@ -2903,7 +2903,7 @@
           <a:p>
             <a:fld id="{D070539C-1798-4111-8018-D381E61B49CE}" type="datetimeFigureOut">
               <a:rPr lang="nl-NL" smtClean="0"/>
-              <a:t>14-11-2025</a:t>
+              <a:t>13-12-2025</a:t>
             </a:fld>
             <a:endParaRPr lang="nl-NL"/>
           </a:p>
@@ -2973,13 +2973,13 @@
   <p:clrMapOvr>
     <a:masterClrMapping/>
   </p:clrMapOvr>
-  <mc:AlternateContent xmlns:mc="http://schemas.openxmlformats.org/markup-compatibility/2006">
-    <mc:Choice xmlns:p159="http://schemas.microsoft.com/office/powerpoint/2015/09/main" Requires="p159">
+  <mc:AlternateContent xmlns:mc="http://schemas.openxmlformats.org/markup-compatibility/2006" xmlns:p159="http://schemas.microsoft.com/office/powerpoint/2015/09/main">
+    <mc:Choice Requires="p159">
       <p:transition xmlns:p14="http://schemas.microsoft.com/office/powerpoint/2010/main" spd="slow" p14:dur="2000">
         <p159:morph option="byObject"/>
       </p:transition>
     </mc:Choice>
-    <mc:Fallback>
+    <mc:Fallback xmlns="">
       <p:transition spd="slow">
         <p:fade/>
       </p:transition>
@@ -3028,7 +3028,7 @@
           <a:p>
             <a:fld id="{D070539C-1798-4111-8018-D381E61B49CE}" type="datetimeFigureOut">
               <a:rPr lang="nl-NL" smtClean="0"/>
-              <a:t>14-11-2025</a:t>
+              <a:t>13-12-2025</a:t>
             </a:fld>
             <a:endParaRPr lang="nl-NL"/>
           </a:p>
@@ -3098,13 +3098,13 @@
   <p:clrMapOvr>
     <a:masterClrMapping/>
   </p:clrMapOvr>
-  <mc:AlternateContent xmlns:mc="http://schemas.openxmlformats.org/markup-compatibility/2006">
-    <mc:Choice xmlns:p159="http://schemas.microsoft.com/office/powerpoint/2015/09/main" Requires="p159">
+  <mc:AlternateContent xmlns:mc="http://schemas.openxmlformats.org/markup-compatibility/2006" xmlns:p159="http://schemas.microsoft.com/office/powerpoint/2015/09/main">
+    <mc:Choice Requires="p159">
       <p:transition xmlns:p14="http://schemas.microsoft.com/office/powerpoint/2010/main" spd="slow" p14:dur="2000">
         <p159:morph option="byObject"/>
       </p:transition>
     </mc:Choice>
-    <mc:Fallback>
+    <mc:Fallback xmlns="">
       <p:transition spd="slow">
         <p:fade/>
       </p:transition>
@@ -3362,7 +3362,7 @@
           <a:p>
             <a:fld id="{D070539C-1798-4111-8018-D381E61B49CE}" type="datetimeFigureOut">
               <a:rPr lang="nl-NL" smtClean="0"/>
-              <a:t>14-11-2025</a:t>
+              <a:t>13-12-2025</a:t>
             </a:fld>
             <a:endParaRPr lang="nl-NL"/>
           </a:p>
@@ -3432,13 +3432,13 @@
   <p:clrMapOvr>
     <a:masterClrMapping/>
   </p:clrMapOvr>
-  <mc:AlternateContent xmlns:mc="http://schemas.openxmlformats.org/markup-compatibility/2006">
-    <mc:Choice xmlns:p159="http://schemas.microsoft.com/office/powerpoint/2015/09/main" Requires="p159">
+  <mc:AlternateContent xmlns:mc="http://schemas.openxmlformats.org/markup-compatibility/2006" xmlns:p159="http://schemas.microsoft.com/office/powerpoint/2015/09/main">
+    <mc:Choice Requires="p159">
       <p:transition xmlns:p14="http://schemas.microsoft.com/office/powerpoint/2010/main" spd="slow" p14:dur="2000">
         <p159:morph option="byObject"/>
       </p:transition>
     </mc:Choice>
-    <mc:Fallback>
+    <mc:Fallback xmlns="">
       <p:transition spd="slow">
         <p:fade/>
       </p:transition>
@@ -3672,7 +3672,7 @@
           <a:p>
             <a:fld id="{D070539C-1798-4111-8018-D381E61B49CE}" type="datetimeFigureOut">
               <a:rPr lang="nl-NL" smtClean="0"/>
-              <a:t>14-11-2025</a:t>
+              <a:t>13-12-2025</a:t>
             </a:fld>
             <a:endParaRPr lang="nl-NL"/>
           </a:p>
@@ -3742,13 +3742,13 @@
   <p:clrMapOvr>
     <a:masterClrMapping/>
   </p:clrMapOvr>
-  <mc:AlternateContent xmlns:mc="http://schemas.openxmlformats.org/markup-compatibility/2006">
-    <mc:Choice xmlns:p159="http://schemas.microsoft.com/office/powerpoint/2015/09/main" Requires="p159">
+  <mc:AlternateContent xmlns:mc="http://schemas.openxmlformats.org/markup-compatibility/2006" xmlns:p159="http://schemas.microsoft.com/office/powerpoint/2015/09/main">
+    <mc:Choice Requires="p159">
       <p:transition xmlns:p14="http://schemas.microsoft.com/office/powerpoint/2010/main" spd="slow" p14:dur="2000">
         <p159:morph option="byObject"/>
       </p:transition>
     </mc:Choice>
-    <mc:Fallback>
+    <mc:Fallback xmlns="">
       <p:transition spd="slow">
         <p:fade/>
       </p:transition>
@@ -3927,7 +3927,7 @@
           <a:p>
             <a:fld id="{D070539C-1798-4111-8018-D381E61B49CE}" type="datetimeFigureOut">
               <a:rPr lang="nl-NL" smtClean="0"/>
-              <a:t>14-11-2025</a:t>
+              <a:t>13-12-2025</a:t>
             </a:fld>
             <a:endParaRPr lang="nl-NL"/>
           </a:p>
@@ -4044,13 +4044,13 @@
     <p:sldLayoutId id="2147483658" r:id="rId10"/>
     <p:sldLayoutId id="2147483659" r:id="rId11"/>
   </p:sldLayoutIdLst>
-  <mc:AlternateContent xmlns:mc="http://schemas.openxmlformats.org/markup-compatibility/2006">
-    <mc:Choice xmlns:p159="http://schemas.microsoft.com/office/powerpoint/2015/09/main" Requires="p159">
+  <mc:AlternateContent xmlns:mc="http://schemas.openxmlformats.org/markup-compatibility/2006" xmlns:p159="http://schemas.microsoft.com/office/powerpoint/2015/09/main">
+    <mc:Choice Requires="p159">
       <p:transition xmlns:p14="http://schemas.microsoft.com/office/powerpoint/2010/main" spd="slow" p14:dur="2000">
         <p159:morph option="byObject"/>
       </p:transition>
     </mc:Choice>
-    <mc:Fallback>
+    <mc:Fallback xmlns="">
       <p:transition spd="slow">
         <p:fade/>
       </p:transition>
@@ -4555,13 +4555,13 @@
   <p:clrMapOvr>
     <a:masterClrMapping/>
   </p:clrMapOvr>
-  <mc:AlternateContent xmlns:mc="http://schemas.openxmlformats.org/markup-compatibility/2006">
-    <mc:Choice xmlns:p159="http://schemas.microsoft.com/office/powerpoint/2015/09/main" Requires="p159">
+  <mc:AlternateContent xmlns:mc="http://schemas.openxmlformats.org/markup-compatibility/2006" xmlns:p159="http://schemas.microsoft.com/office/powerpoint/2015/09/main">
+    <mc:Choice Requires="p159">
       <p:transition xmlns:p14="http://schemas.microsoft.com/office/powerpoint/2010/main" spd="slow" p14:dur="2000">
         <p159:morph option="byObject"/>
       </p:transition>
     </mc:Choice>
-    <mc:Fallback>
+    <mc:Fallback xmlns="">
       <p:transition spd="slow">
         <p:fade/>
       </p:transition>
@@ -4990,13 +4990,13 @@
   <p:clrMapOvr>
     <a:masterClrMapping/>
   </p:clrMapOvr>
-  <mc:AlternateContent xmlns:mc="http://schemas.openxmlformats.org/markup-compatibility/2006">
-    <mc:Choice xmlns:p159="http://schemas.microsoft.com/office/powerpoint/2015/09/main" Requires="p159">
+  <mc:AlternateContent xmlns:mc="http://schemas.openxmlformats.org/markup-compatibility/2006" xmlns:p159="http://schemas.microsoft.com/office/powerpoint/2015/09/main">
+    <mc:Choice Requires="p159">
       <p:transition xmlns:p14="http://schemas.microsoft.com/office/powerpoint/2010/main" spd="slow" p14:dur="2000">
         <p159:morph option="byObject"/>
       </p:transition>
     </mc:Choice>
-    <mc:Fallback>
+    <mc:Fallback xmlns="">
       <p:transition spd="slow">
         <p:fade/>
       </p:transition>
@@ -5443,13 +5443,13 @@
   <p:clrMapOvr>
     <a:masterClrMapping/>
   </p:clrMapOvr>
-  <mc:AlternateContent xmlns:mc="http://schemas.openxmlformats.org/markup-compatibility/2006">
-    <mc:Choice xmlns:p159="http://schemas.microsoft.com/office/powerpoint/2015/09/main" Requires="p159">
+  <mc:AlternateContent xmlns:mc="http://schemas.openxmlformats.org/markup-compatibility/2006" xmlns:p159="http://schemas.microsoft.com/office/powerpoint/2015/09/main">
+    <mc:Choice Requires="p159">
       <p:transition xmlns:p14="http://schemas.microsoft.com/office/powerpoint/2010/main" spd="slow" p14:dur="2000">
         <p159:morph option="byObject"/>
       </p:transition>
     </mc:Choice>
-    <mc:Fallback>
+    <mc:Fallback xmlns="">
       <p:transition spd="slow">
         <p:fade/>
       </p:transition>
@@ -5694,13 +5694,13 @@
   <p:clrMapOvr>
     <a:masterClrMapping/>
   </p:clrMapOvr>
-  <mc:AlternateContent xmlns:mc="http://schemas.openxmlformats.org/markup-compatibility/2006">
-    <mc:Choice xmlns:p159="http://schemas.microsoft.com/office/powerpoint/2015/09/main" Requires="p159">
+  <mc:AlternateContent xmlns:mc="http://schemas.openxmlformats.org/markup-compatibility/2006" xmlns:p159="http://schemas.microsoft.com/office/powerpoint/2015/09/main">
+    <mc:Choice Requires="p159">
       <p:transition xmlns:p14="http://schemas.microsoft.com/office/powerpoint/2010/main" spd="slow" p14:dur="2000">
         <p159:morph option="byObject"/>
       </p:transition>
     </mc:Choice>
-    <mc:Fallback>
+    <mc:Fallback xmlns="">
       <p:transition spd="slow">
         <p:fade/>
       </p:transition>
@@ -5895,13 +5895,13 @@
   <p:clrMapOvr>
     <a:masterClrMapping/>
   </p:clrMapOvr>
-  <mc:AlternateContent xmlns:mc="http://schemas.openxmlformats.org/markup-compatibility/2006">
-    <mc:Choice xmlns:p159="http://schemas.microsoft.com/office/powerpoint/2015/09/main" Requires="p159">
+  <mc:AlternateContent xmlns:mc="http://schemas.openxmlformats.org/markup-compatibility/2006" xmlns:p159="http://schemas.microsoft.com/office/powerpoint/2015/09/main">
+    <mc:Choice Requires="p159">
       <p:transition xmlns:p14="http://schemas.microsoft.com/office/powerpoint/2010/main" spd="slow" p14:dur="2000">
         <p159:morph option="byObject"/>
       </p:transition>
     </mc:Choice>
-    <mc:Fallback>
+    <mc:Fallback xmlns="">
       <p:transition spd="slow">
         <p:fade/>
       </p:transition>
@@ -6027,13 +6027,13 @@
   <p:clrMapOvr>
     <a:masterClrMapping/>
   </p:clrMapOvr>
-  <mc:AlternateContent xmlns:mc="http://schemas.openxmlformats.org/markup-compatibility/2006">
-    <mc:Choice xmlns:p159="http://schemas.microsoft.com/office/powerpoint/2015/09/main" Requires="p159">
+  <mc:AlternateContent xmlns:mc="http://schemas.openxmlformats.org/markup-compatibility/2006" xmlns:p159="http://schemas.microsoft.com/office/powerpoint/2015/09/main">
+    <mc:Choice Requires="p159">
       <p:transition xmlns:p14="http://schemas.microsoft.com/office/powerpoint/2010/main" spd="slow" p14:dur="2000">
         <p159:morph option="byObject"/>
       </p:transition>
     </mc:Choice>
-    <mc:Fallback>
+    <mc:Fallback xmlns="">
       <p:transition spd="slow">
         <p:fade/>
       </p:transition>
@@ -6167,13 +6167,13 @@
   <p:clrMapOvr>
     <a:masterClrMapping/>
   </p:clrMapOvr>
-  <mc:AlternateContent xmlns:mc="http://schemas.openxmlformats.org/markup-compatibility/2006">
-    <mc:Choice xmlns:p159="http://schemas.microsoft.com/office/powerpoint/2015/09/main" Requires="p159">
+  <mc:AlternateContent xmlns:mc="http://schemas.openxmlformats.org/markup-compatibility/2006" xmlns:p159="http://schemas.microsoft.com/office/powerpoint/2015/09/main">
+    <mc:Choice Requires="p159">
       <p:transition xmlns:p14="http://schemas.microsoft.com/office/powerpoint/2010/main" spd="slow" p14:dur="2000">
         <p159:morph option="byObject"/>
       </p:transition>
     </mc:Choice>
-    <mc:Fallback>
+    <mc:Fallback xmlns="">
       <p:transition spd="slow">
         <p:fade/>
       </p:transition>
@@ -6293,13 +6293,13 @@
   <p:clrMapOvr>
     <a:masterClrMapping/>
   </p:clrMapOvr>
-  <mc:AlternateContent xmlns:mc="http://schemas.openxmlformats.org/markup-compatibility/2006">
-    <mc:Choice xmlns:p159="http://schemas.microsoft.com/office/powerpoint/2015/09/main" Requires="p159">
+  <mc:AlternateContent xmlns:mc="http://schemas.openxmlformats.org/markup-compatibility/2006" xmlns:p159="http://schemas.microsoft.com/office/powerpoint/2015/09/main">
+    <mc:Choice Requires="p159">
       <p:transition xmlns:p14="http://schemas.microsoft.com/office/powerpoint/2010/main" spd="slow" p14:dur="2000">
         <p159:morph option="byObject"/>
       </p:transition>
     </mc:Choice>
-    <mc:Fallback>
+    <mc:Fallback xmlns="">
       <p:transition spd="slow">
         <p:fade/>
       </p:transition>
@@ -6341,7 +6341,7 @@
                                         <p:tgtEl>
                                           <p:spTgt spid="3">
                                             <p:txEl>
-                                              <p:charRg st="44" end="95"/>
+                                              <p:pRg st="3" end="3"/>
                                             </p:txEl>
                                           </p:spTgt>
                                         </p:tgtEl>
@@ -6359,7 +6359,7 @@
                                         <p:tgtEl>
                                           <p:spTgt spid="3">
                                             <p:txEl>
-                                              <p:charRg st="44" end="95"/>
+                                              <p:pRg st="3" end="3"/>
                                             </p:txEl>
                                           </p:spTgt>
                                         </p:tgtEl>

--- a/powerpoint/MudBlazor presentation.pptx
+++ b/powerpoint/MudBlazor presentation.pptx
@@ -215,7 +215,7 @@
           <a:p>
             <a:fld id="{2E4F2622-5461-4E3A-A9A9-E7D39FD1DE35}" type="datetimeFigureOut">
               <a:rPr lang="nl-NL" smtClean="0"/>
-              <a:t>13-12-2025</a:t>
+              <a:t>14-12-2025</a:t>
             </a:fld>
             <a:endParaRPr lang="nl-NL"/>
           </a:p>
@@ -971,7 +971,7 @@
           <a:p>
             <a:fld id="{D070539C-1798-4111-8018-D381E61B49CE}" type="datetimeFigureOut">
               <a:rPr lang="nl-NL" smtClean="0"/>
-              <a:t>13-12-2025</a:t>
+              <a:t>14-12-2025</a:t>
             </a:fld>
             <a:endParaRPr lang="nl-NL"/>
           </a:p>
@@ -1199,7 +1199,7 @@
           <a:p>
             <a:fld id="{D070539C-1798-4111-8018-D381E61B49CE}" type="datetimeFigureOut">
               <a:rPr lang="nl-NL" smtClean="0"/>
-              <a:t>13-12-2025</a:t>
+              <a:t>14-12-2025</a:t>
             </a:fld>
             <a:endParaRPr lang="nl-NL"/>
           </a:p>
@@ -1427,7 +1427,7 @@
           <a:p>
             <a:fld id="{D070539C-1798-4111-8018-D381E61B49CE}" type="datetimeFigureOut">
               <a:rPr lang="nl-NL" smtClean="0"/>
-              <a:t>13-12-2025</a:t>
+              <a:t>14-12-2025</a:t>
             </a:fld>
             <a:endParaRPr lang="nl-NL"/>
           </a:p>
@@ -1654,7 +1654,7 @@
           <a:p>
             <a:fld id="{D070539C-1798-4111-8018-D381E61B49CE}" type="datetimeFigureOut">
               <a:rPr lang="nl-NL" smtClean="0"/>
-              <a:t>13-12-2025</a:t>
+              <a:t>14-12-2025</a:t>
             </a:fld>
             <a:endParaRPr lang="nl-NL"/>
           </a:p>
@@ -2005,7 +2005,7 @@
           <a:p>
             <a:fld id="{D070539C-1798-4111-8018-D381E61B49CE}" type="datetimeFigureOut">
               <a:rPr lang="nl-NL" smtClean="0"/>
-              <a:t>13-12-2025</a:t>
+              <a:t>14-12-2025</a:t>
             </a:fld>
             <a:endParaRPr lang="nl-NL"/>
           </a:p>
@@ -2299,7 +2299,7 @@
           <a:p>
             <a:fld id="{D070539C-1798-4111-8018-D381E61B49CE}" type="datetimeFigureOut">
               <a:rPr lang="nl-NL" smtClean="0"/>
-              <a:t>13-12-2025</a:t>
+              <a:t>14-12-2025</a:t>
             </a:fld>
             <a:endParaRPr lang="nl-NL"/>
           </a:p>
@@ -2741,7 +2741,7 @@
           <a:p>
             <a:fld id="{D070539C-1798-4111-8018-D381E61B49CE}" type="datetimeFigureOut">
               <a:rPr lang="nl-NL" smtClean="0"/>
-              <a:t>13-12-2025</a:t>
+              <a:t>14-12-2025</a:t>
             </a:fld>
             <a:endParaRPr lang="nl-NL"/>
           </a:p>
@@ -2903,7 +2903,7 @@
           <a:p>
             <a:fld id="{D070539C-1798-4111-8018-D381E61B49CE}" type="datetimeFigureOut">
               <a:rPr lang="nl-NL" smtClean="0"/>
-              <a:t>13-12-2025</a:t>
+              <a:t>14-12-2025</a:t>
             </a:fld>
             <a:endParaRPr lang="nl-NL"/>
           </a:p>
@@ -3028,7 +3028,7 @@
           <a:p>
             <a:fld id="{D070539C-1798-4111-8018-D381E61B49CE}" type="datetimeFigureOut">
               <a:rPr lang="nl-NL" smtClean="0"/>
-              <a:t>13-12-2025</a:t>
+              <a:t>14-12-2025</a:t>
             </a:fld>
             <a:endParaRPr lang="nl-NL"/>
           </a:p>
@@ -3362,7 +3362,7 @@
           <a:p>
             <a:fld id="{D070539C-1798-4111-8018-D381E61B49CE}" type="datetimeFigureOut">
               <a:rPr lang="nl-NL" smtClean="0"/>
-              <a:t>13-12-2025</a:t>
+              <a:t>14-12-2025</a:t>
             </a:fld>
             <a:endParaRPr lang="nl-NL"/>
           </a:p>
@@ -3672,7 +3672,7 @@
           <a:p>
             <a:fld id="{D070539C-1798-4111-8018-D381E61B49CE}" type="datetimeFigureOut">
               <a:rPr lang="nl-NL" smtClean="0"/>
-              <a:t>13-12-2025</a:t>
+              <a:t>14-12-2025</a:t>
             </a:fld>
             <a:endParaRPr lang="nl-NL"/>
           </a:p>
@@ -3927,7 +3927,7 @@
           <a:p>
             <a:fld id="{D070539C-1798-4111-8018-D381E61B49CE}" type="datetimeFigureOut">
               <a:rPr lang="nl-NL" smtClean="0"/>
-              <a:t>13-12-2025</a:t>
+              <a:t>14-12-2025</a:t>
             </a:fld>
             <a:endParaRPr lang="nl-NL"/>
           </a:p>
@@ -4366,105 +4366,6 @@
       </p:grpSpPr>
       <p:sp>
         <p:nvSpPr>
-          <p:cNvPr id="2" name="Title 1">
-            <a:extLst>
-              <a:ext uri="{FF2B5EF4-FFF2-40B4-BE49-F238E27FC236}">
-                <a16:creationId xmlns:a16="http://schemas.microsoft.com/office/drawing/2014/main" id="{4266BB4B-2B08-8B82-9638-195818F551EE}"/>
-              </a:ext>
-            </a:extLst>
-          </p:cNvPr>
-          <p:cNvSpPr>
-            <a:spLocks noGrp="1"/>
-          </p:cNvSpPr>
-          <p:nvPr>
-            <p:ph type="ctrTitle"/>
-          </p:nvPr>
-        </p:nvSpPr>
-        <p:spPr>
-          <a:xfrm>
-            <a:off x="668976" y="650174"/>
-            <a:ext cx="8011886" cy="2211779"/>
-          </a:xfrm>
-        </p:spPr>
-        <p:txBody>
-          <a:bodyPr>
-            <a:normAutofit fontScale="90000"/>
-          </a:bodyPr>
-          <a:lstStyle/>
-          <a:p>
-            <a:pPr algn="l"/>
-            <a:r>
-              <a:rPr lang="en-US" b="1" dirty="0">
-                <a:solidFill>
-                  <a:srgbClr val="424242"/>
-                </a:solidFill>
-              </a:rPr>
-              <a:t>The Blazor</a:t>
-            </a:r>
-            <a:br>
-              <a:rPr lang="en-US" b="1" dirty="0">
-                <a:solidFill>
-                  <a:srgbClr val="424242"/>
-                </a:solidFill>
-              </a:rPr>
-            </a:br>
-            <a:r>
-              <a:rPr lang="en-US" b="1" dirty="0">
-                <a:gradFill>
-                  <a:gsLst>
-                    <a:gs pos="0">
-                      <a:srgbClr val="5F50E5"/>
-                    </a:gs>
-                    <a:gs pos="100000">
-                      <a:srgbClr val="F3649E"/>
-                    </a:gs>
-                  </a:gsLst>
-                  <a:lin ang="0" scaled="0"/>
-                </a:gradFill>
-              </a:rPr>
-              <a:t>Component</a:t>
-            </a:r>
-            <a:r>
-              <a:rPr lang="en-US" b="1" dirty="0">
-                <a:solidFill>
-                  <a:srgbClr val="424242"/>
-                </a:solidFill>
-              </a:rPr>
-              <a:t> Library</a:t>
-            </a:r>
-            <a:br>
-              <a:rPr lang="en-US" dirty="0">
-                <a:solidFill>
-                  <a:srgbClr val="424242"/>
-                </a:solidFill>
-              </a:rPr>
-            </a:br>
-            <a:r>
-              <a:rPr lang="en-US" b="1" strike="sngStrike" dirty="0">
-                <a:solidFill>
-                  <a:srgbClr val="424242"/>
-                </a:solidFill>
-              </a:rPr>
-              <a:t>You</a:t>
-            </a:r>
-            <a:r>
-              <a:rPr lang="en-US" b="1" dirty="0">
-                <a:solidFill>
-                  <a:srgbClr val="424242"/>
-                </a:solidFill>
-              </a:rPr>
-              <a:t> I’ve always wanted</a:t>
-            </a:r>
-            <a:endParaRPr lang="nl-NL" dirty="0">
-              <a:solidFill>
-                <a:srgbClr val="424242"/>
-              </a:solidFill>
-            </a:endParaRPr>
-          </a:p>
-        </p:txBody>
-      </p:sp>
-      <p:sp>
-        <p:nvSpPr>
           <p:cNvPr id="4" name="Rectangle 3">
             <a:extLst>
               <a:ext uri="{FF2B5EF4-FFF2-40B4-BE49-F238E27FC236}">
@@ -4477,8 +4378,8 @@
         </p:nvSpPr>
         <p:spPr>
           <a:xfrm rot="20528391">
-            <a:off x="-706893" y="3411271"/>
-            <a:ext cx="13808687" cy="2091279"/>
+            <a:off x="-2798999" y="3239497"/>
+            <a:ext cx="19059081" cy="2091279"/>
           </a:xfrm>
           <a:prstGeom prst="rect">
             <a:avLst/>
@@ -4512,6 +4413,105 @@
           <a:p>
             <a:pPr algn="ctr"/>
             <a:endParaRPr lang="nl-NL"/>
+          </a:p>
+        </p:txBody>
+      </p:sp>
+      <p:sp>
+        <p:nvSpPr>
+          <p:cNvPr id="2" name="Title 1">
+            <a:extLst>
+              <a:ext uri="{FF2B5EF4-FFF2-40B4-BE49-F238E27FC236}">
+                <a16:creationId xmlns:a16="http://schemas.microsoft.com/office/drawing/2014/main" id="{4266BB4B-2B08-8B82-9638-195818F551EE}"/>
+              </a:ext>
+            </a:extLst>
+          </p:cNvPr>
+          <p:cNvSpPr>
+            <a:spLocks noGrp="1"/>
+          </p:cNvSpPr>
+          <p:nvPr>
+            <p:ph type="ctrTitle"/>
+          </p:nvPr>
+        </p:nvSpPr>
+        <p:spPr>
+          <a:xfrm>
+            <a:off x="668976" y="650174"/>
+            <a:ext cx="8011886" cy="2211779"/>
+          </a:xfrm>
+        </p:spPr>
+        <p:txBody>
+          <a:bodyPr>
+            <a:normAutofit fontScale="90000"/>
+          </a:bodyPr>
+          <a:lstStyle/>
+          <a:p>
+            <a:pPr algn="l"/>
+            <a:r>
+              <a:rPr lang="en-US" b="1" dirty="0">
+                <a:solidFill>
+                  <a:srgbClr val="424242"/>
+                </a:solidFill>
+              </a:rPr>
+              <a:t>The Blazor</a:t>
+            </a:r>
+            <a:br>
+              <a:rPr lang="en-US" b="1" dirty="0">
+                <a:solidFill>
+                  <a:srgbClr val="424242"/>
+                </a:solidFill>
+              </a:rPr>
+            </a:br>
+            <a:r>
+              <a:rPr lang="en-US" b="1" dirty="0">
+                <a:gradFill>
+                  <a:gsLst>
+                    <a:gs pos="0">
+                      <a:srgbClr val="5F50E5"/>
+                    </a:gs>
+                    <a:gs pos="100000">
+                      <a:srgbClr val="F3649E"/>
+                    </a:gs>
+                  </a:gsLst>
+                  <a:lin ang="0" scaled="0"/>
+                </a:gradFill>
+              </a:rPr>
+              <a:t>Component</a:t>
+            </a:r>
+            <a:r>
+              <a:rPr lang="en-US" b="1" dirty="0">
+                <a:solidFill>
+                  <a:srgbClr val="424242"/>
+                </a:solidFill>
+              </a:rPr>
+              <a:t> Library</a:t>
+            </a:r>
+            <a:br>
+              <a:rPr lang="en-US" dirty="0">
+                <a:solidFill>
+                  <a:srgbClr val="424242"/>
+                </a:solidFill>
+              </a:rPr>
+            </a:br>
+            <a:r>
+              <a:rPr lang="en-US" b="1" strike="sngStrike" dirty="0">
+                <a:solidFill>
+                  <a:srgbClr val="424242"/>
+                </a:solidFill>
+              </a:rPr>
+              <a:t>You</a:t>
+            </a:r>
+            <a:r>
+              <a:rPr lang="en-US" b="1" dirty="0">
+                <a:solidFill>
+                  <a:srgbClr val="424242"/>
+                </a:solidFill>
+              </a:rPr>
+              <a:t> I’ve always wanted</a:t>
+            </a:r>
+            <a:endParaRPr lang="nl-NL" dirty="0">
+              <a:solidFill>
+                <a:srgbClr val="424242"/>
+              </a:solidFill>
+            </a:endParaRPr>
           </a:p>
         </p:txBody>
       </p:sp>
@@ -4555,18 +4555,183 @@
   <p:clrMapOvr>
     <a:masterClrMapping/>
   </p:clrMapOvr>
-  <mc:AlternateContent xmlns:mc="http://schemas.openxmlformats.org/markup-compatibility/2006" xmlns:p159="http://schemas.microsoft.com/office/powerpoint/2015/09/main">
-    <mc:Choice Requires="p159">
+  <mc:AlternateContent xmlns:mc="http://schemas.openxmlformats.org/markup-compatibility/2006">
+    <mc:Choice xmlns:p159="http://schemas.microsoft.com/office/powerpoint/2015/09/main" Requires="p159">
       <p:transition xmlns:p14="http://schemas.microsoft.com/office/powerpoint/2010/main" spd="slow" p14:dur="2000">
         <p159:morph option="byObject"/>
       </p:transition>
     </mc:Choice>
-    <mc:Fallback xmlns="">
+    <mc:Fallback>
       <p:transition spd="slow">
         <p:fade/>
       </p:transition>
     </mc:Fallback>
   </mc:AlternateContent>
+  <p:timing>
+    <p:tnLst>
+      <p:par>
+        <p:cTn id="1" dur="indefinite" restart="never" nodeType="tmRoot">
+          <p:childTnLst>
+            <p:seq concurrent="1" nextAc="seek">
+              <p:cTn id="2" dur="indefinite" nodeType="mainSeq">
+                <p:childTnLst>
+                  <p:par>
+                    <p:cTn id="3" fill="hold">
+                      <p:stCondLst>
+                        <p:cond delay="indefinite"/>
+                      </p:stCondLst>
+                      <p:childTnLst>
+                        <p:par>
+                          <p:cTn id="4" fill="hold">
+                            <p:stCondLst>
+                              <p:cond delay="0"/>
+                            </p:stCondLst>
+                            <p:childTnLst>
+                              <p:par>
+                                <p:cTn id="5" presetID="35" presetClass="path" presetSubtype="0" accel="50000" decel="50000" fill="hold" grpId="0" nodeType="clickEffect">
+                                  <p:stCondLst>
+                                    <p:cond delay="0"/>
+                                  </p:stCondLst>
+                                  <p:childTnLst>
+                                    <p:animMotion origin="layout" path="M -3.33333E-6 1.48148E-6 L -0.55208 0.00254 " pathEditMode="relative" rAng="0" ptsTypes="AA">
+                                      <p:cBhvr>
+                                        <p:cTn id="6" dur="2000" fill="hold"/>
+                                        <p:tgtEl>
+                                          <p:spTgt spid="4"/>
+                                        </p:tgtEl>
+                                        <p:attrNameLst>
+                                          <p:attrName>ppt_x</p:attrName>
+                                          <p:attrName>ppt_y</p:attrName>
+                                        </p:attrNameLst>
+                                      </p:cBhvr>
+                                      <p:rCtr x="-27604" y="116"/>
+                                    </p:animMotion>
+                                  </p:childTnLst>
+                                </p:cTn>
+                              </p:par>
+                              <p:par>
+                                <p:cTn id="7" presetID="8" presetClass="emph" presetSubtype="0" accel="50000" decel="50000" fill="hold" grpId="1" nodeType="withEffect">
+                                  <p:stCondLst>
+                                    <p:cond delay="0"/>
+                                  </p:stCondLst>
+                                  <p:childTnLst>
+                                    <p:animRot by="-4320000">
+                                      <p:cBhvr>
+                                        <p:cTn id="8" dur="2000" fill="hold"/>
+                                        <p:tgtEl>
+                                          <p:spTgt spid="4"/>
+                                        </p:tgtEl>
+                                        <p:attrNameLst>
+                                          <p:attrName>r</p:attrName>
+                                        </p:attrNameLst>
+                                      </p:cBhvr>
+                                    </p:animRot>
+                                  </p:childTnLst>
+                                </p:cTn>
+                              </p:par>
+                              <p:par>
+                                <p:cTn id="9" presetID="10" presetClass="exit" presetSubtype="0" fill="hold" grpId="0" nodeType="withEffect">
+                                  <p:stCondLst>
+                                    <p:cond delay="0"/>
+                                  </p:stCondLst>
+                                  <p:childTnLst>
+                                    <p:animEffect transition="out" filter="fade">
+                                      <p:cBhvr>
+                                        <p:cTn id="10" dur="2000"/>
+                                        <p:tgtEl>
+                                          <p:spTgt spid="2"/>
+                                        </p:tgtEl>
+                                      </p:cBhvr>
+                                    </p:animEffect>
+                                    <p:set>
+                                      <p:cBhvr>
+                                        <p:cTn id="11" dur="1" fill="hold">
+                                          <p:stCondLst>
+                                            <p:cond delay="1999"/>
+                                          </p:stCondLst>
+                                        </p:cTn>
+                                        <p:tgtEl>
+                                          <p:spTgt spid="2"/>
+                                        </p:tgtEl>
+                                        <p:attrNameLst>
+                                          <p:attrName>style.visibility</p:attrName>
+                                        </p:attrNameLst>
+                                      </p:cBhvr>
+                                      <p:to>
+                                        <p:strVal val="hidden"/>
+                                      </p:to>
+                                    </p:set>
+                                  </p:childTnLst>
+                                </p:cTn>
+                              </p:par>
+                              <p:par>
+                                <p:cTn id="12" presetID="10" presetClass="exit" presetSubtype="0" fill="hold" nodeType="withEffect">
+                                  <p:stCondLst>
+                                    <p:cond delay="0"/>
+                                  </p:stCondLst>
+                                  <p:childTnLst>
+                                    <p:animEffect transition="out" filter="fade">
+                                      <p:cBhvr>
+                                        <p:cTn id="13" dur="2000"/>
+                                        <p:tgtEl>
+                                          <p:spTgt spid="10"/>
+                                        </p:tgtEl>
+                                      </p:cBhvr>
+                                    </p:animEffect>
+                                    <p:set>
+                                      <p:cBhvr>
+                                        <p:cTn id="14" dur="1" fill="hold">
+                                          <p:stCondLst>
+                                            <p:cond delay="1999"/>
+                                          </p:stCondLst>
+                                        </p:cTn>
+                                        <p:tgtEl>
+                                          <p:spTgt spid="10"/>
+                                        </p:tgtEl>
+                                        <p:attrNameLst>
+                                          <p:attrName>style.visibility</p:attrName>
+                                        </p:attrNameLst>
+                                      </p:cBhvr>
+                                      <p:to>
+                                        <p:strVal val="hidden"/>
+                                      </p:to>
+                                    </p:set>
+                                  </p:childTnLst>
+                                </p:cTn>
+                              </p:par>
+                            </p:childTnLst>
+                          </p:cTn>
+                        </p:par>
+                      </p:childTnLst>
+                    </p:cTn>
+                  </p:par>
+                </p:childTnLst>
+              </p:cTn>
+              <p:prevCondLst>
+                <p:cond evt="onPrev" delay="0">
+                  <p:tgtEl>
+                    <p:sldTgt/>
+                  </p:tgtEl>
+                </p:cond>
+              </p:prevCondLst>
+              <p:nextCondLst>
+                <p:cond evt="onNext" delay="0">
+                  <p:tgtEl>
+                    <p:sldTgt/>
+                  </p:tgtEl>
+                </p:cond>
+              </p:nextCondLst>
+            </p:seq>
+          </p:childTnLst>
+        </p:cTn>
+      </p:par>
+    </p:tnLst>
+    <p:bldLst>
+      <p:bldP spid="4" grpId="0" animBg="1"/>
+      <p:bldP spid="4" grpId="1" animBg="1"/>
+      <p:bldP spid="2" grpId="0"/>
+    </p:bldLst>
+  </p:timing>
 </p:sld>
 </file>
 
@@ -4907,13 +5072,6 @@
             <a:pPr lvl="1"/>
             <a:r>
               <a:rPr lang="en-US" dirty="0"/>
-              <a:t>You can’t.</a:t>
-            </a:r>
-          </a:p>
-          <a:p>
-            <a:pPr lvl="1"/>
-            <a:r>
-              <a:rPr lang="en-US" dirty="0"/>
               <a:t>GitHub - @Rene-Sackers</a:t>
             </a:r>
           </a:p>
@@ -5002,325 +5160,6 @@
       </p:transition>
     </mc:Fallback>
   </mc:AlternateContent>
-  <p:timing>
-    <p:tnLst>
-      <p:par>
-        <p:cTn id="1" dur="indefinite" restart="never" nodeType="tmRoot">
-          <p:childTnLst>
-            <p:seq concurrent="1" nextAc="seek">
-              <p:cTn id="2" dur="indefinite" nodeType="mainSeq">
-                <p:childTnLst>
-                  <p:par>
-                    <p:cTn id="3" fill="hold">
-                      <p:stCondLst>
-                        <p:cond delay="indefinite"/>
-                      </p:stCondLst>
-                      <p:childTnLst>
-                        <p:par>
-                          <p:cTn id="4" fill="hold">
-                            <p:stCondLst>
-                              <p:cond delay="0"/>
-                            </p:stCondLst>
-                            <p:childTnLst>
-                              <p:par>
-                                <p:cTn id="5" presetID="31" presetClass="entr" presetSubtype="0" fill="hold" nodeType="clickEffect">
-                                  <p:stCondLst>
-                                    <p:cond delay="0"/>
-                                  </p:stCondLst>
-                                  <p:childTnLst>
-                                    <p:set>
-                                      <p:cBhvr>
-                                        <p:cTn id="6" dur="1" fill="hold">
-                                          <p:stCondLst>
-                                            <p:cond delay="0"/>
-                                          </p:stCondLst>
-                                        </p:cTn>
-                                        <p:tgtEl>
-                                          <p:spTgt spid="8">
-                                            <p:txEl>
-                                              <p:pRg st="5" end="5"/>
-                                            </p:txEl>
-                                          </p:spTgt>
-                                        </p:tgtEl>
-                                        <p:attrNameLst>
-                                          <p:attrName>style.visibility</p:attrName>
-                                        </p:attrNameLst>
-                                      </p:cBhvr>
-                                      <p:to>
-                                        <p:strVal val="visible"/>
-                                      </p:to>
-                                    </p:set>
-                                    <p:anim calcmode="lin" valueType="num">
-                                      <p:cBhvr>
-                                        <p:cTn id="7" dur="500" fill="hold"/>
-                                        <p:tgtEl>
-                                          <p:spTgt spid="8">
-                                            <p:txEl>
-                                              <p:pRg st="5" end="5"/>
-                                            </p:txEl>
-                                          </p:spTgt>
-                                        </p:tgtEl>
-                                        <p:attrNameLst>
-                                          <p:attrName>ppt_w</p:attrName>
-                                        </p:attrNameLst>
-                                      </p:cBhvr>
-                                      <p:tavLst>
-                                        <p:tav tm="0">
-                                          <p:val>
-                                            <p:fltVal val="0"/>
-                                          </p:val>
-                                        </p:tav>
-                                        <p:tav tm="100000">
-                                          <p:val>
-                                            <p:strVal val="#ppt_w"/>
-                                          </p:val>
-                                        </p:tav>
-                                      </p:tavLst>
-                                    </p:anim>
-                                    <p:anim calcmode="lin" valueType="num">
-                                      <p:cBhvr>
-                                        <p:cTn id="8" dur="500" fill="hold"/>
-                                        <p:tgtEl>
-                                          <p:spTgt spid="8">
-                                            <p:txEl>
-                                              <p:pRg st="5" end="5"/>
-                                            </p:txEl>
-                                          </p:spTgt>
-                                        </p:tgtEl>
-                                        <p:attrNameLst>
-                                          <p:attrName>ppt_h</p:attrName>
-                                        </p:attrNameLst>
-                                      </p:cBhvr>
-                                      <p:tavLst>
-                                        <p:tav tm="0">
-                                          <p:val>
-                                            <p:fltVal val="0"/>
-                                          </p:val>
-                                        </p:tav>
-                                        <p:tav tm="100000">
-                                          <p:val>
-                                            <p:strVal val="#ppt_h"/>
-                                          </p:val>
-                                        </p:tav>
-                                      </p:tavLst>
-                                    </p:anim>
-                                    <p:anim calcmode="lin" valueType="num">
-                                      <p:cBhvr>
-                                        <p:cTn id="9" dur="500" fill="hold"/>
-                                        <p:tgtEl>
-                                          <p:spTgt spid="8">
-                                            <p:txEl>
-                                              <p:pRg st="5" end="5"/>
-                                            </p:txEl>
-                                          </p:spTgt>
-                                        </p:tgtEl>
-                                        <p:attrNameLst>
-                                          <p:attrName>style.rotation</p:attrName>
-                                        </p:attrNameLst>
-                                      </p:cBhvr>
-                                      <p:tavLst>
-                                        <p:tav tm="0">
-                                          <p:val>
-                                            <p:fltVal val="90"/>
-                                          </p:val>
-                                        </p:tav>
-                                        <p:tav tm="100000">
-                                          <p:val>
-                                            <p:fltVal val="0"/>
-                                          </p:val>
-                                        </p:tav>
-                                      </p:tavLst>
-                                    </p:anim>
-                                    <p:animEffect transition="in" filter="fade">
-                                      <p:cBhvr>
-                                        <p:cTn id="10" dur="500"/>
-                                        <p:tgtEl>
-                                          <p:spTgt spid="8">
-                                            <p:txEl>
-                                              <p:pRg st="5" end="5"/>
-                                            </p:txEl>
-                                          </p:spTgt>
-                                        </p:tgtEl>
-                                      </p:cBhvr>
-                                    </p:animEffect>
-                                  </p:childTnLst>
-                                </p:cTn>
-                              </p:par>
-                            </p:childTnLst>
-                          </p:cTn>
-                        </p:par>
-                      </p:childTnLst>
-                    </p:cTn>
-                  </p:par>
-                  <p:par>
-                    <p:cTn id="11" fill="hold">
-                      <p:stCondLst>
-                        <p:cond delay="indefinite"/>
-                      </p:stCondLst>
-                      <p:childTnLst>
-                        <p:par>
-                          <p:cTn id="12" fill="hold">
-                            <p:stCondLst>
-                              <p:cond delay="0"/>
-                            </p:stCondLst>
-                            <p:childTnLst>
-                              <p:par>
-                                <p:cTn id="13" presetID="10" presetClass="entr" presetSubtype="0" fill="hold" nodeType="clickEffect">
-                                  <p:stCondLst>
-                                    <p:cond delay="0"/>
-                                  </p:stCondLst>
-                                  <p:childTnLst>
-                                    <p:set>
-                                      <p:cBhvr>
-                                        <p:cTn id="14" dur="1" fill="hold">
-                                          <p:stCondLst>
-                                            <p:cond delay="0"/>
-                                          </p:stCondLst>
-                                        </p:cTn>
-                                        <p:tgtEl>
-                                          <p:spTgt spid="8">
-                                            <p:txEl>
-                                              <p:pRg st="6" end="6"/>
-                                            </p:txEl>
-                                          </p:spTgt>
-                                        </p:tgtEl>
-                                        <p:attrNameLst>
-                                          <p:attrName>style.visibility</p:attrName>
-                                        </p:attrNameLst>
-                                      </p:cBhvr>
-                                      <p:to>
-                                        <p:strVal val="visible"/>
-                                      </p:to>
-                                    </p:set>
-                                    <p:animEffect transition="in" filter="fade">
-                                      <p:cBhvr>
-                                        <p:cTn id="15" dur="500"/>
-                                        <p:tgtEl>
-                                          <p:spTgt spid="8">
-                                            <p:txEl>
-                                              <p:pRg st="6" end="6"/>
-                                            </p:txEl>
-                                          </p:spTgt>
-                                        </p:tgtEl>
-                                      </p:cBhvr>
-                                    </p:animEffect>
-                                  </p:childTnLst>
-                                </p:cTn>
-                              </p:par>
-                              <p:par>
-                                <p:cTn id="16" presetID="10" presetClass="entr" presetSubtype="0" fill="hold" nodeType="withEffect">
-                                  <p:stCondLst>
-                                    <p:cond delay="0"/>
-                                  </p:stCondLst>
-                                  <p:childTnLst>
-                                    <p:set>
-                                      <p:cBhvr>
-                                        <p:cTn id="17" dur="1" fill="hold">
-                                          <p:stCondLst>
-                                            <p:cond delay="0"/>
-                                          </p:stCondLst>
-                                        </p:cTn>
-                                        <p:tgtEl>
-                                          <p:spTgt spid="8">
-                                            <p:txEl>
-                                              <p:pRg st="7" end="7"/>
-                                            </p:txEl>
-                                          </p:spTgt>
-                                        </p:tgtEl>
-                                        <p:attrNameLst>
-                                          <p:attrName>style.visibility</p:attrName>
-                                        </p:attrNameLst>
-                                      </p:cBhvr>
-                                      <p:to>
-                                        <p:strVal val="visible"/>
-                                      </p:to>
-                                    </p:set>
-                                    <p:animEffect transition="in" filter="fade">
-                                      <p:cBhvr>
-                                        <p:cTn id="18" dur="500"/>
-                                        <p:tgtEl>
-                                          <p:spTgt spid="8">
-                                            <p:txEl>
-                                              <p:pRg st="7" end="7"/>
-                                            </p:txEl>
-                                          </p:spTgt>
-                                        </p:tgtEl>
-                                      </p:cBhvr>
-                                    </p:animEffect>
-                                  </p:childTnLst>
-                                </p:cTn>
-                              </p:par>
-                              <p:par>
-                                <p:cTn id="19" presetID="10" presetClass="entr" presetSubtype="0" fill="hold" nodeType="withEffect">
-                                  <p:stCondLst>
-                                    <p:cond delay="0"/>
-                                  </p:stCondLst>
-                                  <p:childTnLst>
-                                    <p:set>
-                                      <p:cBhvr>
-                                        <p:cTn id="20" dur="1" fill="hold">
-                                          <p:stCondLst>
-                                            <p:cond delay="0"/>
-                                          </p:stCondLst>
-                                        </p:cTn>
-                                        <p:tgtEl>
-                                          <p:spTgt spid="8">
-                                            <p:txEl>
-                                              <p:pRg st="8" end="8"/>
-                                            </p:txEl>
-                                          </p:spTgt>
-                                        </p:tgtEl>
-                                        <p:attrNameLst>
-                                          <p:attrName>style.visibility</p:attrName>
-                                        </p:attrNameLst>
-                                      </p:cBhvr>
-                                      <p:to>
-                                        <p:strVal val="visible"/>
-                                      </p:to>
-                                    </p:set>
-                                    <p:animEffect transition="in" filter="fade">
-                                      <p:cBhvr>
-                                        <p:cTn id="21" dur="500"/>
-                                        <p:tgtEl>
-                                          <p:spTgt spid="8">
-                                            <p:txEl>
-                                              <p:pRg st="8" end="8"/>
-                                            </p:txEl>
-                                          </p:spTgt>
-                                        </p:tgtEl>
-                                      </p:cBhvr>
-                                    </p:animEffect>
-                                  </p:childTnLst>
-                                </p:cTn>
-                              </p:par>
-                            </p:childTnLst>
-                          </p:cTn>
-                        </p:par>
-                      </p:childTnLst>
-                    </p:cTn>
-                  </p:par>
-                </p:childTnLst>
-              </p:cTn>
-              <p:prevCondLst>
-                <p:cond evt="onPrev" delay="0">
-                  <p:tgtEl>
-                    <p:sldTgt/>
-                  </p:tgtEl>
-                </p:cond>
-              </p:prevCondLst>
-              <p:nextCondLst>
-                <p:cond evt="onNext" delay="0">
-                  <p:tgtEl>
-                    <p:sldTgt/>
-                  </p:tgtEl>
-                </p:cond>
-              </p:nextCondLst>
-            </p:seq>
-          </p:childTnLst>
-        </p:cTn>
-      </p:par>
-    </p:tnLst>
-  </p:timing>
 </p:sld>
 </file>
 

--- a/powerpoint/MudBlazor presentation.pptx
+++ b/powerpoint/MudBlazor presentation.pptx
@@ -528,10 +528,26 @@
           <a:lstStyle/>
           <a:p>
             <a:r>
-              <a:rPr lang="en-US" dirty="0"/>
-              <a:t>MUD Blazor = Material User Design… Blazor</a:t>
-            </a:r>
-            <a:endParaRPr lang="nl-NL" dirty="0"/>
+              <a:rPr lang="en-GB" dirty="0"/>
+              <a:t>Show of hands:</a:t>
+            </a:r>
+          </a:p>
+          <a:p>
+            <a:r>
+              <a:rPr lang="en-GB" dirty="0"/>
+              <a:t>Who HASN’T worked with Blazor</a:t>
+            </a:r>
+          </a:p>
+          <a:p>
+            <a:r>
+              <a:rPr lang="en-GB" dirty="0"/>
+              <a:t>Who works a lot on </a:t>
+            </a:r>
+            <a:r>
+              <a:rPr lang="en-GB"/>
+              <a:t>dashboard-like sites</a:t>
+            </a:r>
+            <a:endParaRPr lang="en-GB" dirty="0"/>
           </a:p>
         </p:txBody>
       </p:sp>
@@ -552,7 +568,7 @@
           <a:p>
             <a:fld id="{1FB57125-8481-4D40-9A99-DC04EDF299F9}" type="slidenum">
               <a:rPr lang="nl-NL" smtClean="0"/>
-              <a:t>4</a:t>
+              <a:t>1</a:t>
             </a:fld>
             <a:endParaRPr lang="nl-NL"/>
           </a:p>
@@ -561,7 +577,7 @@
     </p:spTree>
     <p:extLst>
       <p:ext uri="{BB962C8B-B14F-4D97-AF65-F5344CB8AC3E}">
-        <p14:creationId xmlns:p14="http://schemas.microsoft.com/office/powerpoint/2010/main" val="1516689909"/>
+        <p14:creationId xmlns:p14="http://schemas.microsoft.com/office/powerpoint/2010/main" val="313521947"/>
       </p:ext>
     </p:extLst>
   </p:cSld>
@@ -617,6 +633,194 @@
           <a:p>
             <a:r>
               <a:rPr lang="en-US" dirty="0"/>
+              <a:t>Beter Bed -&gt; long enough -&gt; don’t tell boss</a:t>
+            </a:r>
+          </a:p>
+          <a:p>
+            <a:r>
+              <a:rPr lang="en-US" dirty="0"/>
+              <a:t>Sleeping on job -&gt; don’t tell boss</a:t>
+            </a:r>
+          </a:p>
+          <a:p>
+            <a:r>
+              <a:rPr lang="en-US" dirty="0"/>
+              <a:t>Speaking of boss, he’s here tonight, so disregard the previous</a:t>
+            </a:r>
+            <a:endParaRPr lang="LID4096" dirty="0"/>
+          </a:p>
+        </p:txBody>
+      </p:sp>
+      <p:sp>
+        <p:nvSpPr>
+          <p:cNvPr id="4" name="Slide Number Placeholder 3"/>
+          <p:cNvSpPr>
+            <a:spLocks noGrp="1"/>
+          </p:cNvSpPr>
+          <p:nvPr>
+            <p:ph type="sldNum" sz="quarter" idx="5"/>
+          </p:nvPr>
+        </p:nvSpPr>
+        <p:spPr/>
+        <p:txBody>
+          <a:bodyPr/>
+          <a:lstStyle/>
+          <a:p>
+            <a:fld id="{1FB57125-8481-4D40-9A99-DC04EDF299F9}" type="slidenum">
+              <a:rPr lang="nl-NL" smtClean="0"/>
+              <a:t>2</a:t>
+            </a:fld>
+            <a:endParaRPr lang="nl-NL"/>
+          </a:p>
+        </p:txBody>
+      </p:sp>
+    </p:spTree>
+    <p:extLst>
+      <p:ext uri="{BB962C8B-B14F-4D97-AF65-F5344CB8AC3E}">
+        <p14:creationId xmlns:p14="http://schemas.microsoft.com/office/powerpoint/2010/main" val="1173993089"/>
+      </p:ext>
+    </p:extLst>
+  </p:cSld>
+  <p:clrMapOvr>
+    <a:masterClrMapping/>
+  </p:clrMapOvr>
+</p:notes>
+</file>
+
+<file path=ppt/notesSlides/notesSlide3.xml><?xml version="1.0" encoding="utf-8"?>
+<p:notes xmlns:a="http://schemas.openxmlformats.org/drawingml/2006/main" xmlns:r="http://schemas.openxmlformats.org/officeDocument/2006/relationships" xmlns:p="http://schemas.openxmlformats.org/presentationml/2006/main">
+  <p:cSld>
+    <p:spTree>
+      <p:nvGrpSpPr>
+        <p:cNvPr id="1" name=""/>
+        <p:cNvGrpSpPr/>
+        <p:nvPr/>
+      </p:nvGrpSpPr>
+      <p:grpSpPr>
+        <a:xfrm>
+          <a:off x="0" y="0"/>
+          <a:ext cx="0" cy="0"/>
+          <a:chOff x="0" y="0"/>
+          <a:chExt cx="0" cy="0"/>
+        </a:xfrm>
+      </p:grpSpPr>
+      <p:sp>
+        <p:nvSpPr>
+          <p:cNvPr id="2" name="Slide Image Placeholder 1"/>
+          <p:cNvSpPr>
+            <a:spLocks noGrp="1" noRot="1" noChangeAspect="1"/>
+          </p:cNvSpPr>
+          <p:nvPr>
+            <p:ph type="sldImg"/>
+          </p:nvPr>
+        </p:nvSpPr>
+        <p:spPr/>
+      </p:sp>
+      <p:sp>
+        <p:nvSpPr>
+          <p:cNvPr id="3" name="Notes Placeholder 2"/>
+          <p:cNvSpPr>
+            <a:spLocks noGrp="1"/>
+          </p:cNvSpPr>
+          <p:nvPr>
+            <p:ph type="body" idx="1"/>
+          </p:nvPr>
+        </p:nvSpPr>
+        <p:spPr/>
+        <p:txBody>
+          <a:bodyPr/>
+          <a:lstStyle/>
+          <a:p>
+            <a:r>
+              <a:rPr lang="en-US" dirty="0"/>
+              <a:t>MUD Blazor = Material User Design… Blazor</a:t>
+            </a:r>
+            <a:endParaRPr lang="nl-NL" dirty="0"/>
+          </a:p>
+        </p:txBody>
+      </p:sp>
+      <p:sp>
+        <p:nvSpPr>
+          <p:cNvPr id="4" name="Slide Number Placeholder 3"/>
+          <p:cNvSpPr>
+            <a:spLocks noGrp="1"/>
+          </p:cNvSpPr>
+          <p:nvPr>
+            <p:ph type="sldNum" sz="quarter" idx="5"/>
+          </p:nvPr>
+        </p:nvSpPr>
+        <p:spPr/>
+        <p:txBody>
+          <a:bodyPr/>
+          <a:lstStyle/>
+          <a:p>
+            <a:fld id="{1FB57125-8481-4D40-9A99-DC04EDF299F9}" type="slidenum">
+              <a:rPr lang="nl-NL" smtClean="0"/>
+              <a:t>4</a:t>
+            </a:fld>
+            <a:endParaRPr lang="nl-NL"/>
+          </a:p>
+        </p:txBody>
+      </p:sp>
+    </p:spTree>
+    <p:extLst>
+      <p:ext uri="{BB962C8B-B14F-4D97-AF65-F5344CB8AC3E}">
+        <p14:creationId xmlns:p14="http://schemas.microsoft.com/office/powerpoint/2010/main" val="1516689909"/>
+      </p:ext>
+    </p:extLst>
+  </p:cSld>
+  <p:clrMapOvr>
+    <a:masterClrMapping/>
+  </p:clrMapOvr>
+</p:notes>
+</file>
+
+<file path=ppt/notesSlides/notesSlide4.xml><?xml version="1.0" encoding="utf-8"?>
+<p:notes xmlns:a="http://schemas.openxmlformats.org/drawingml/2006/main" xmlns:r="http://schemas.openxmlformats.org/officeDocument/2006/relationships" xmlns:p="http://schemas.openxmlformats.org/presentationml/2006/main">
+  <p:cSld>
+    <p:spTree>
+      <p:nvGrpSpPr>
+        <p:cNvPr id="1" name=""/>
+        <p:cNvGrpSpPr/>
+        <p:nvPr/>
+      </p:nvGrpSpPr>
+      <p:grpSpPr>
+        <a:xfrm>
+          <a:off x="0" y="0"/>
+          <a:ext cx="0" cy="0"/>
+          <a:chOff x="0" y="0"/>
+          <a:chExt cx="0" cy="0"/>
+        </a:xfrm>
+      </p:grpSpPr>
+      <p:sp>
+        <p:nvSpPr>
+          <p:cNvPr id="2" name="Slide Image Placeholder 1"/>
+          <p:cNvSpPr>
+            <a:spLocks noGrp="1" noRot="1" noChangeAspect="1"/>
+          </p:cNvSpPr>
+          <p:nvPr>
+            <p:ph type="sldImg"/>
+          </p:nvPr>
+        </p:nvSpPr>
+        <p:spPr/>
+      </p:sp>
+      <p:sp>
+        <p:nvSpPr>
+          <p:cNvPr id="3" name="Notes Placeholder 2"/>
+          <p:cNvSpPr>
+            <a:spLocks noGrp="1"/>
+          </p:cNvSpPr>
+          <p:nvPr>
+            <p:ph type="body" idx="1"/>
+          </p:nvPr>
+        </p:nvSpPr>
+        <p:spPr/>
+        <p:txBody>
+          <a:bodyPr/>
+          <a:lstStyle/>
+          <a:p>
+            <a:r>
+              <a:rPr lang="en-US" dirty="0"/>
               <a:t>Sidenote: all interactive REQUIRED due to main layout components</a:t>
             </a:r>
           </a:p>
@@ -665,7 +869,7 @@
 </p:notes>
 </file>
 
-<file path=ppt/notesSlides/notesSlide3.xml><?xml version="1.0" encoding="utf-8"?>
+<file path=ppt/notesSlides/notesSlide5.xml><?xml version="1.0" encoding="utf-8"?>
 <p:notes xmlns:a="http://schemas.openxmlformats.org/drawingml/2006/main" xmlns:r="http://schemas.openxmlformats.org/officeDocument/2006/relationships" xmlns:p="http://schemas.openxmlformats.org/presentationml/2006/main">
   <p:cSld>
     <p:spTree>
@@ -4530,7 +4734,7 @@
           <p:nvPr/>
         </p:nvPicPr>
         <p:blipFill>
-          <a:blip r:embed="rId2"/>
+          <a:blip r:embed="rId3"/>
           <a:stretch>
             <a:fillRect/>
           </a:stretch>
@@ -4555,13 +4759,13 @@
   <p:clrMapOvr>
     <a:masterClrMapping/>
   </p:clrMapOvr>
-  <mc:AlternateContent xmlns:mc="http://schemas.openxmlformats.org/markup-compatibility/2006">
-    <mc:Choice xmlns:p159="http://schemas.microsoft.com/office/powerpoint/2015/09/main" Requires="p159">
+  <mc:AlternateContent xmlns:mc="http://schemas.openxmlformats.org/markup-compatibility/2006" xmlns:p159="http://schemas.microsoft.com/office/powerpoint/2015/09/main">
+    <mc:Choice Requires="p159">
       <p:transition xmlns:p14="http://schemas.microsoft.com/office/powerpoint/2010/main" spd="slow" p14:dur="2000">
         <p159:morph option="byObject"/>
       </p:transition>
     </mc:Choice>
-    <mc:Fallback>
+    <mc:Fallback xmlns="">
       <p:transition spd="slow">
         <p:fade/>
       </p:transition>
@@ -4798,7 +5002,7 @@
           </p:nvPr>
         </p:nvPicPr>
         <p:blipFill>
-          <a:blip r:embed="rId2">
+          <a:blip r:embed="rId3">
             <a:extLst>
               <a:ext uri="{28A0092B-C50C-407E-A947-70E740481C1C}">
                 <a14:useLocalDpi xmlns:a14="http://schemas.microsoft.com/office/drawing/2010/main" val="0"/>
@@ -5039,7 +5243,7 @@
           <a:p>
             <a:r>
               <a:rPr lang="en-US" dirty="0"/>
-              <a:t>.NET “developing” since 2006</a:t>
+              <a:t>.NET “developer” since 2006</a:t>
             </a:r>
           </a:p>
           <a:p>
@@ -5106,7 +5310,7 @@
           <p:nvPr/>
         </p:nvPicPr>
         <p:blipFill>
-          <a:blip r:embed="rId3">
+          <a:blip r:embed="rId4">
             <a:extLst>
               <a:ext uri="{28A0092B-C50C-407E-A947-70E740481C1C}">
                 <a14:useLocalDpi xmlns:a14="http://schemas.microsoft.com/office/drawing/2010/main" val="0"/>

--- a/powerpoint/MudBlazor presentation.pptx
+++ b/powerpoint/MudBlazor presentation.pptx
@@ -5,7 +5,7 @@
     <p:sldMasterId id="2147483648" r:id="rId1"/>
   </p:sldMasterIdLst>
   <p:notesMasterIdLst>
-    <p:notesMasterId r:id="rId10"/>
+    <p:notesMasterId r:id="rId11"/>
   </p:notesMasterIdLst>
   <p:sldIdLst>
     <p:sldId id="256" r:id="rId2"/>
@@ -16,6 +16,7 @@
     <p:sldId id="262" r:id="rId7"/>
     <p:sldId id="264" r:id="rId8"/>
     <p:sldId id="265" r:id="rId9"/>
+    <p:sldId id="266" r:id="rId10"/>
   </p:sldIdLst>
   <p:sldSz cx="12192000" cy="6858000"/>
   <p:notesSz cx="6858000" cy="9144000"/>
@@ -6439,6 +6440,144 @@
       </p:par>
     </p:tnLst>
   </p:timing>
+</p:sld>
+</file>
+
+<file path=ppt/slides/slide9.xml><?xml version="1.0" encoding="utf-8"?>
+<p:sld xmlns:a="http://schemas.openxmlformats.org/drawingml/2006/main" xmlns:r="http://schemas.openxmlformats.org/officeDocument/2006/relationships" xmlns:p="http://schemas.openxmlformats.org/presentationml/2006/main">
+  <p:cSld>
+    <p:spTree>
+      <p:nvGrpSpPr>
+        <p:cNvPr id="1" name=""/>
+        <p:cNvGrpSpPr/>
+        <p:nvPr/>
+      </p:nvGrpSpPr>
+      <p:grpSpPr>
+        <a:xfrm>
+          <a:off x="0" y="0"/>
+          <a:ext cx="0" cy="0"/>
+          <a:chOff x="0" y="0"/>
+          <a:chExt cx="0" cy="0"/>
+        </a:xfrm>
+      </p:grpSpPr>
+      <p:sp>
+        <p:nvSpPr>
+          <p:cNvPr id="2" name="Title 1">
+            <a:extLst>
+              <a:ext uri="{FF2B5EF4-FFF2-40B4-BE49-F238E27FC236}">
+                <a16:creationId xmlns:a16="http://schemas.microsoft.com/office/drawing/2014/main" id="{453FF85C-C1BB-4F22-64C7-AECF27D53908}"/>
+              </a:ext>
+            </a:extLst>
+          </p:cNvPr>
+          <p:cNvSpPr>
+            <a:spLocks noGrp="1"/>
+          </p:cNvSpPr>
+          <p:nvPr>
+            <p:ph type="title"/>
+          </p:nvPr>
+        </p:nvSpPr>
+        <p:spPr/>
+        <p:txBody>
+          <a:bodyPr/>
+          <a:lstStyle/>
+          <a:p>
+            <a:r>
+              <a:rPr lang="en-GB" dirty="0"/>
+              <a:t>Thank you!</a:t>
+            </a:r>
+            <a:endParaRPr lang="LID4096" dirty="0"/>
+          </a:p>
+        </p:txBody>
+      </p:sp>
+      <p:sp>
+        <p:nvSpPr>
+          <p:cNvPr id="10" name="TextBox 9">
+            <a:extLst>
+              <a:ext uri="{FF2B5EF4-FFF2-40B4-BE49-F238E27FC236}">
+                <a16:creationId xmlns:a16="http://schemas.microsoft.com/office/drawing/2014/main" id="{8E03E127-5CA6-F769-8A64-848428540306}"/>
+              </a:ext>
+            </a:extLst>
+          </p:cNvPr>
+          <p:cNvSpPr txBox="1"/>
+          <p:nvPr/>
+        </p:nvSpPr>
+        <p:spPr>
+          <a:xfrm>
+            <a:off x="3010511" y="5459010"/>
+            <a:ext cx="6170978" cy="369332"/>
+          </a:xfrm>
+          <a:prstGeom prst="rect">
+            <a:avLst/>
+          </a:prstGeom>
+          <a:noFill/>
+        </p:spPr>
+        <p:txBody>
+          <a:bodyPr wrap="square" rtlCol="0">
+            <a:spAutoFit/>
+          </a:bodyPr>
+          <a:lstStyle/>
+          <a:p>
+            <a:pPr algn="ctr"/>
+            <a:r>
+              <a:rPr lang="en-GB" dirty="0"/>
+              <a:t>https://github.com/Rene-Sackers/presentation-mudblazor</a:t>
+            </a:r>
+            <a:endParaRPr lang="LID4096" dirty="0"/>
+          </a:p>
+        </p:txBody>
+      </p:sp>
+      <p:pic>
+        <p:nvPicPr>
+          <p:cNvPr id="12" name="Picture 11" descr="A qr code with a logo&#10;&#10;AI-generated content may be incorrect.">
+            <a:extLst>
+              <a:ext uri="{FF2B5EF4-FFF2-40B4-BE49-F238E27FC236}">
+                <a16:creationId xmlns:a16="http://schemas.microsoft.com/office/drawing/2014/main" id="{CF1D17FF-A84C-FDD0-EEF0-AE1B7E2FE2ED}"/>
+              </a:ext>
+            </a:extLst>
+          </p:cNvPr>
+          <p:cNvPicPr>
+            <a:picLocks noChangeAspect="1"/>
+          </p:cNvPicPr>
+          <p:nvPr/>
+        </p:nvPicPr>
+        <p:blipFill>
+          <a:blip r:embed="rId2"/>
+          <a:stretch>
+            <a:fillRect/>
+          </a:stretch>
+        </p:blipFill>
+        <p:spPr>
+          <a:xfrm>
+            <a:off x="3952576" y="1285576"/>
+            <a:ext cx="4286848" cy="4286848"/>
+          </a:xfrm>
+          <a:prstGeom prst="rect">
+            <a:avLst/>
+          </a:prstGeom>
+        </p:spPr>
+      </p:pic>
+    </p:spTree>
+    <p:extLst>
+      <p:ext uri="{BB962C8B-B14F-4D97-AF65-F5344CB8AC3E}">
+        <p14:creationId xmlns:p14="http://schemas.microsoft.com/office/powerpoint/2010/main" val="546408360"/>
+      </p:ext>
+    </p:extLst>
+  </p:cSld>
+  <p:clrMapOvr>
+    <a:masterClrMapping/>
+  </p:clrMapOvr>
+  <mc:AlternateContent xmlns:mc="http://schemas.openxmlformats.org/markup-compatibility/2006" xmlns:p159="http://schemas.microsoft.com/office/powerpoint/2015/09/main">
+    <mc:Choice Requires="p159">
+      <p:transition xmlns:p14="http://schemas.microsoft.com/office/powerpoint/2010/main" spd="slow" p14:dur="2000">
+        <p159:morph option="byObject"/>
+      </p:transition>
+    </mc:Choice>
+    <mc:Fallback xmlns="">
+      <p:transition spd="slow">
+        <p:fade/>
+      </p:transition>
+    </mc:Fallback>
+  </mc:AlternateContent>
 </p:sld>
 </file>
 

--- a/powerpoint/MudBlazor presentation.pptx
+++ b/powerpoint/MudBlazor presentation.pptx
@@ -5,18 +5,19 @@
     <p:sldMasterId id="2147483648" r:id="rId1"/>
   </p:sldMasterIdLst>
   <p:notesMasterIdLst>
-    <p:notesMasterId r:id="rId11"/>
+    <p:notesMasterId r:id="rId12"/>
   </p:notesMasterIdLst>
   <p:sldIdLst>
     <p:sldId id="256" r:id="rId2"/>
-    <p:sldId id="263" r:id="rId3"/>
-    <p:sldId id="259" r:id="rId4"/>
-    <p:sldId id="261" r:id="rId5"/>
-    <p:sldId id="260" r:id="rId6"/>
-    <p:sldId id="262" r:id="rId7"/>
-    <p:sldId id="264" r:id="rId8"/>
-    <p:sldId id="265" r:id="rId9"/>
-    <p:sldId id="266" r:id="rId10"/>
+    <p:sldId id="267" r:id="rId3"/>
+    <p:sldId id="263" r:id="rId4"/>
+    <p:sldId id="259" r:id="rId5"/>
+    <p:sldId id="261" r:id="rId6"/>
+    <p:sldId id="260" r:id="rId7"/>
+    <p:sldId id="262" r:id="rId8"/>
+    <p:sldId id="264" r:id="rId9"/>
+    <p:sldId id="265" r:id="rId10"/>
+    <p:sldId id="266" r:id="rId11"/>
   </p:sldIdLst>
   <p:sldSz cx="12192000" cy="6858000"/>
   <p:notesSz cx="6858000" cy="9144000"/>
@@ -593,7 +594,13 @@
   <p:cSld>
     <p:spTree>
       <p:nvGrpSpPr>
-        <p:cNvPr id="1" name=""/>
+        <p:cNvPr id="1" name="">
+          <a:extLst>
+            <a:ext uri="{FF2B5EF4-FFF2-40B4-BE49-F238E27FC236}">
+              <a16:creationId xmlns:a16="http://schemas.microsoft.com/office/drawing/2014/main" id="{D1BB1D61-85FC-841E-838D-A0E8147EE9AF}"/>
+            </a:ext>
+          </a:extLst>
+        </p:cNvPr>
         <p:cNvGrpSpPr/>
         <p:nvPr/>
       </p:nvGrpSpPr>
@@ -607,7 +614,13 @@
       </p:grpSpPr>
       <p:sp>
         <p:nvSpPr>
-          <p:cNvPr id="2" name="Slide Image Placeholder 1"/>
+          <p:cNvPr id="2" name="Slide Image Placeholder 1">
+            <a:extLst>
+              <a:ext uri="{FF2B5EF4-FFF2-40B4-BE49-F238E27FC236}">
+                <a16:creationId xmlns:a16="http://schemas.microsoft.com/office/drawing/2014/main" id="{1928160C-A515-8E71-A2EB-132754378FEE}"/>
+              </a:ext>
+            </a:extLst>
+          </p:cNvPr>
           <p:cNvSpPr>
             <a:spLocks noGrp="1" noRot="1" noChangeAspect="1"/>
           </p:cNvSpPr>
@@ -619,7 +632,13 @@
       </p:sp>
       <p:sp>
         <p:nvSpPr>
-          <p:cNvPr id="3" name="Notes Placeholder 2"/>
+          <p:cNvPr id="3" name="Notes Placeholder 2">
+            <a:extLst>
+              <a:ext uri="{FF2B5EF4-FFF2-40B4-BE49-F238E27FC236}">
+                <a16:creationId xmlns:a16="http://schemas.microsoft.com/office/drawing/2014/main" id="{B0B17C3D-DBDD-CB24-5F76-B60485847421}"/>
+              </a:ext>
+            </a:extLst>
+          </p:cNvPr>
           <p:cNvSpPr>
             <a:spLocks noGrp="1"/>
           </p:cNvSpPr>
@@ -633,28 +652,38 @@
           <a:lstStyle/>
           <a:p>
             <a:r>
-              <a:rPr lang="en-US" dirty="0"/>
-              <a:t>Beter Bed -&gt; long enough -&gt; don’t tell boss</a:t>
-            </a:r>
-          </a:p>
-          <a:p>
-            <a:r>
-              <a:rPr lang="en-US" dirty="0"/>
-              <a:t>Sleeping on job -&gt; don’t tell boss</a:t>
-            </a:r>
-          </a:p>
-          <a:p>
-            <a:r>
-              <a:rPr lang="en-US" dirty="0"/>
-              <a:t>Speaking of boss, he’s here tonight, so disregard the previous</a:t>
-            </a:r>
-            <a:endParaRPr lang="LID4096" dirty="0"/>
-          </a:p>
-        </p:txBody>
-      </p:sp>
-      <p:sp>
-        <p:nvSpPr>
-          <p:cNvPr id="4" name="Slide Number Placeholder 3"/>
+              <a:rPr lang="en-GB" dirty="0"/>
+              <a:t>Show of hands:</a:t>
+            </a:r>
+          </a:p>
+          <a:p>
+            <a:r>
+              <a:rPr lang="en-GB" dirty="0"/>
+              <a:t>Who HASN’T worked with Blazor</a:t>
+            </a:r>
+          </a:p>
+          <a:p>
+            <a:r>
+              <a:rPr lang="en-GB" dirty="0"/>
+              <a:t>Who works a lot on </a:t>
+            </a:r>
+            <a:r>
+              <a:rPr lang="en-GB"/>
+              <a:t>dashboard-like sites</a:t>
+            </a:r>
+            <a:endParaRPr lang="en-GB" dirty="0"/>
+          </a:p>
+        </p:txBody>
+      </p:sp>
+      <p:sp>
+        <p:nvSpPr>
+          <p:cNvPr id="4" name="Slide Number Placeholder 3">
+            <a:extLst>
+              <a:ext uri="{FF2B5EF4-FFF2-40B4-BE49-F238E27FC236}">
+                <a16:creationId xmlns:a16="http://schemas.microsoft.com/office/drawing/2014/main" id="{FA3CA0C6-43D1-4EEC-C69F-DEA5E57A568B}"/>
+              </a:ext>
+            </a:extLst>
+          </p:cNvPr>
           <p:cNvSpPr>
             <a:spLocks noGrp="1"/>
           </p:cNvSpPr>
@@ -678,7 +707,7 @@
     </p:spTree>
     <p:extLst>
       <p:ext uri="{BB962C8B-B14F-4D97-AF65-F5344CB8AC3E}">
-        <p14:creationId xmlns:p14="http://schemas.microsoft.com/office/powerpoint/2010/main" val="1173993089"/>
+        <p14:creationId xmlns:p14="http://schemas.microsoft.com/office/powerpoint/2010/main" val="666424492"/>
       </p:ext>
     </p:extLst>
   </p:cSld>
@@ -734,9 +763,21 @@
           <a:p>
             <a:r>
               <a:rPr lang="en-US" dirty="0"/>
-              <a:t>MUD Blazor = Material User Design… Blazor</a:t>
-            </a:r>
-            <a:endParaRPr lang="nl-NL" dirty="0"/>
+              <a:t>Beter Bed -&gt; long enough -&gt; don’t tell boss</a:t>
+            </a:r>
+          </a:p>
+          <a:p>
+            <a:r>
+              <a:rPr lang="en-US" dirty="0"/>
+              <a:t>Sleeping on job -&gt; don’t tell boss</a:t>
+            </a:r>
+          </a:p>
+          <a:p>
+            <a:r>
+              <a:rPr lang="en-US" dirty="0"/>
+              <a:t>Speaking of boss, he’s here tonight, so disregard the previous</a:t>
+            </a:r>
+            <a:endParaRPr lang="LID4096" dirty="0"/>
           </a:p>
         </p:txBody>
       </p:sp>
@@ -757,7 +798,7 @@
           <a:p>
             <a:fld id="{1FB57125-8481-4D40-9A99-DC04EDF299F9}" type="slidenum">
               <a:rPr lang="nl-NL" smtClean="0"/>
-              <a:t>4</a:t>
+              <a:t>3</a:t>
             </a:fld>
             <a:endParaRPr lang="nl-NL"/>
           </a:p>
@@ -766,7 +807,7 @@
     </p:spTree>
     <p:extLst>
       <p:ext uri="{BB962C8B-B14F-4D97-AF65-F5344CB8AC3E}">
-        <p14:creationId xmlns:p14="http://schemas.microsoft.com/office/powerpoint/2010/main" val="1516689909"/>
+        <p14:creationId xmlns:p14="http://schemas.microsoft.com/office/powerpoint/2010/main" val="1173993089"/>
       </p:ext>
     </p:extLst>
   </p:cSld>
@@ -822,13 +863,7 @@
           <a:p>
             <a:r>
               <a:rPr lang="en-US" dirty="0"/>
-              <a:t>Sidenote: all interactive REQUIRED due to main layout components</a:t>
-            </a:r>
-          </a:p>
-          <a:p>
-            <a:r>
-              <a:rPr lang="en-US" dirty="0"/>
-              <a:t>Manual: https://mudblazor.com/getting-started/installation#manual-install-add-components</a:t>
+              <a:t>MUD Blazor = Material User Design… Blazor</a:t>
             </a:r>
             <a:endParaRPr lang="nl-NL" dirty="0"/>
           </a:p>
@@ -860,7 +895,7 @@
     </p:spTree>
     <p:extLst>
       <p:ext uri="{BB962C8B-B14F-4D97-AF65-F5344CB8AC3E}">
-        <p14:creationId xmlns:p14="http://schemas.microsoft.com/office/powerpoint/2010/main" val="1697590199"/>
+        <p14:creationId xmlns:p14="http://schemas.microsoft.com/office/powerpoint/2010/main" val="1516689909"/>
       </p:ext>
     </p:extLst>
   </p:cSld>
@@ -914,6 +949,100 @@
           <a:bodyPr/>
           <a:lstStyle/>
           <a:p>
+            <a:r>
+              <a:rPr lang="en-US" dirty="0"/>
+              <a:t>Sidenote: all interactive REQUIRED due to main layout components</a:t>
+            </a:r>
+          </a:p>
+          <a:p>
+            <a:r>
+              <a:rPr lang="en-US" dirty="0"/>
+              <a:t>Manual: https://mudblazor.com/getting-started/installation#manual-install-add-components</a:t>
+            </a:r>
+            <a:endParaRPr lang="nl-NL" dirty="0"/>
+          </a:p>
+        </p:txBody>
+      </p:sp>
+      <p:sp>
+        <p:nvSpPr>
+          <p:cNvPr id="4" name="Slide Number Placeholder 3"/>
+          <p:cNvSpPr>
+            <a:spLocks noGrp="1"/>
+          </p:cNvSpPr>
+          <p:nvPr>
+            <p:ph type="sldNum" sz="quarter" idx="5"/>
+          </p:nvPr>
+        </p:nvSpPr>
+        <p:spPr/>
+        <p:txBody>
+          <a:bodyPr/>
+          <a:lstStyle/>
+          <a:p>
+            <a:fld id="{1FB57125-8481-4D40-9A99-DC04EDF299F9}" type="slidenum">
+              <a:rPr lang="nl-NL" smtClean="0"/>
+              <a:t>6</a:t>
+            </a:fld>
+            <a:endParaRPr lang="nl-NL"/>
+          </a:p>
+        </p:txBody>
+      </p:sp>
+    </p:spTree>
+    <p:extLst>
+      <p:ext uri="{BB962C8B-B14F-4D97-AF65-F5344CB8AC3E}">
+        <p14:creationId xmlns:p14="http://schemas.microsoft.com/office/powerpoint/2010/main" val="1697590199"/>
+      </p:ext>
+    </p:extLst>
+  </p:cSld>
+  <p:clrMapOvr>
+    <a:masterClrMapping/>
+  </p:clrMapOvr>
+</p:notes>
+</file>
+
+<file path=ppt/notesSlides/notesSlide6.xml><?xml version="1.0" encoding="utf-8"?>
+<p:notes xmlns:a="http://schemas.openxmlformats.org/drawingml/2006/main" xmlns:r="http://schemas.openxmlformats.org/officeDocument/2006/relationships" xmlns:p="http://schemas.openxmlformats.org/presentationml/2006/main">
+  <p:cSld>
+    <p:spTree>
+      <p:nvGrpSpPr>
+        <p:cNvPr id="1" name=""/>
+        <p:cNvGrpSpPr/>
+        <p:nvPr/>
+      </p:nvGrpSpPr>
+      <p:grpSpPr>
+        <a:xfrm>
+          <a:off x="0" y="0"/>
+          <a:ext cx="0" cy="0"/>
+          <a:chOff x="0" y="0"/>
+          <a:chExt cx="0" cy="0"/>
+        </a:xfrm>
+      </p:grpSpPr>
+      <p:sp>
+        <p:nvSpPr>
+          <p:cNvPr id="2" name="Slide Image Placeholder 1"/>
+          <p:cNvSpPr>
+            <a:spLocks noGrp="1" noRot="1" noChangeAspect="1"/>
+          </p:cNvSpPr>
+          <p:nvPr>
+            <p:ph type="sldImg"/>
+          </p:nvPr>
+        </p:nvSpPr>
+        <p:spPr/>
+      </p:sp>
+      <p:sp>
+        <p:nvSpPr>
+          <p:cNvPr id="3" name="Notes Placeholder 2"/>
+          <p:cNvSpPr>
+            <a:spLocks noGrp="1"/>
+          </p:cNvSpPr>
+          <p:nvPr>
+            <p:ph type="body" idx="1"/>
+          </p:nvPr>
+        </p:nvSpPr>
+        <p:spPr/>
+        <p:txBody>
+          <a:bodyPr/>
+          <a:lstStyle/>
+          <a:p>
             <a:pPr marL="171450" indent="-171450">
               <a:buFont typeface="Arial" panose="020B0604020202020204" pitchFamily="34" charset="0"/>
               <a:buChar char="•"/>
@@ -1002,7 +1131,7 @@
           <a:p>
             <a:fld id="{1FB57125-8481-4D40-9A99-DC04EDF299F9}" type="slidenum">
               <a:rPr lang="nl-NL" smtClean="0"/>
-              <a:t>8</a:t>
+              <a:t>9</a:t>
             </a:fld>
             <a:endParaRPr lang="nl-NL"/>
           </a:p>
@@ -4760,6 +4889,140 @@
   <p:clrMapOvr>
     <a:masterClrMapping/>
   </p:clrMapOvr>
+  <mc:AlternateContent xmlns:mc="http://schemas.openxmlformats.org/markup-compatibility/2006">
+    <mc:Choice xmlns:p14="http://schemas.microsoft.com/office/powerpoint/2010/main" Requires="p14">
+      <p:transition p14:dur="0"/>
+    </mc:Choice>
+    <mc:Fallback>
+      <p:transition/>
+    </mc:Fallback>
+  </mc:AlternateContent>
+</p:sld>
+</file>
+
+<file path=ppt/slides/slide10.xml><?xml version="1.0" encoding="utf-8"?>
+<p:sld xmlns:a="http://schemas.openxmlformats.org/drawingml/2006/main" xmlns:r="http://schemas.openxmlformats.org/officeDocument/2006/relationships" xmlns:p="http://schemas.openxmlformats.org/presentationml/2006/main">
+  <p:cSld>
+    <p:spTree>
+      <p:nvGrpSpPr>
+        <p:cNvPr id="1" name=""/>
+        <p:cNvGrpSpPr/>
+        <p:nvPr/>
+      </p:nvGrpSpPr>
+      <p:grpSpPr>
+        <a:xfrm>
+          <a:off x="0" y="0"/>
+          <a:ext cx="0" cy="0"/>
+          <a:chOff x="0" y="0"/>
+          <a:chExt cx="0" cy="0"/>
+        </a:xfrm>
+      </p:grpSpPr>
+      <p:sp>
+        <p:nvSpPr>
+          <p:cNvPr id="2" name="Title 1">
+            <a:extLst>
+              <a:ext uri="{FF2B5EF4-FFF2-40B4-BE49-F238E27FC236}">
+                <a16:creationId xmlns:a16="http://schemas.microsoft.com/office/drawing/2014/main" id="{453FF85C-C1BB-4F22-64C7-AECF27D53908}"/>
+              </a:ext>
+            </a:extLst>
+          </p:cNvPr>
+          <p:cNvSpPr>
+            <a:spLocks noGrp="1"/>
+          </p:cNvSpPr>
+          <p:nvPr>
+            <p:ph type="title"/>
+          </p:nvPr>
+        </p:nvSpPr>
+        <p:spPr/>
+        <p:txBody>
+          <a:bodyPr/>
+          <a:lstStyle/>
+          <a:p>
+            <a:r>
+              <a:rPr lang="en-GB" dirty="0"/>
+              <a:t>Thank you!</a:t>
+            </a:r>
+            <a:endParaRPr lang="LID4096" dirty="0"/>
+          </a:p>
+        </p:txBody>
+      </p:sp>
+      <p:sp>
+        <p:nvSpPr>
+          <p:cNvPr id="10" name="TextBox 9">
+            <a:extLst>
+              <a:ext uri="{FF2B5EF4-FFF2-40B4-BE49-F238E27FC236}">
+                <a16:creationId xmlns:a16="http://schemas.microsoft.com/office/drawing/2014/main" id="{8E03E127-5CA6-F769-8A64-848428540306}"/>
+              </a:ext>
+            </a:extLst>
+          </p:cNvPr>
+          <p:cNvSpPr txBox="1"/>
+          <p:nvPr/>
+        </p:nvSpPr>
+        <p:spPr>
+          <a:xfrm>
+            <a:off x="3010511" y="5459010"/>
+            <a:ext cx="6170978" cy="369332"/>
+          </a:xfrm>
+          <a:prstGeom prst="rect">
+            <a:avLst/>
+          </a:prstGeom>
+          <a:noFill/>
+        </p:spPr>
+        <p:txBody>
+          <a:bodyPr wrap="square" rtlCol="0">
+            <a:spAutoFit/>
+          </a:bodyPr>
+          <a:lstStyle/>
+          <a:p>
+            <a:pPr algn="ctr"/>
+            <a:r>
+              <a:rPr lang="en-GB" dirty="0"/>
+              <a:t>https://github.com/Rene-Sackers/presentation-mudblazor</a:t>
+            </a:r>
+            <a:endParaRPr lang="LID4096" dirty="0"/>
+          </a:p>
+        </p:txBody>
+      </p:sp>
+      <p:pic>
+        <p:nvPicPr>
+          <p:cNvPr id="12" name="Picture 11" descr="A qr code with a logo&#10;&#10;AI-generated content may be incorrect.">
+            <a:extLst>
+              <a:ext uri="{FF2B5EF4-FFF2-40B4-BE49-F238E27FC236}">
+                <a16:creationId xmlns:a16="http://schemas.microsoft.com/office/drawing/2014/main" id="{CF1D17FF-A84C-FDD0-EEF0-AE1B7E2FE2ED}"/>
+              </a:ext>
+            </a:extLst>
+          </p:cNvPr>
+          <p:cNvPicPr>
+            <a:picLocks noChangeAspect="1"/>
+          </p:cNvPicPr>
+          <p:nvPr/>
+        </p:nvPicPr>
+        <p:blipFill>
+          <a:blip r:embed="rId2"/>
+          <a:stretch>
+            <a:fillRect/>
+          </a:stretch>
+        </p:blipFill>
+        <p:spPr>
+          <a:xfrm>
+            <a:off x="3952576" y="1285576"/>
+            <a:ext cx="4286848" cy="4286848"/>
+          </a:xfrm>
+          <a:prstGeom prst="rect">
+            <a:avLst/>
+          </a:prstGeom>
+        </p:spPr>
+      </p:pic>
+    </p:spTree>
+    <p:extLst>
+      <p:ext uri="{BB962C8B-B14F-4D97-AF65-F5344CB8AC3E}">
+        <p14:creationId xmlns:p14="http://schemas.microsoft.com/office/powerpoint/2010/main" val="546408360"/>
+      </p:ext>
+    </p:extLst>
+  </p:cSld>
+  <p:clrMapOvr>
+    <a:masterClrMapping/>
+  </p:clrMapOvr>
   <mc:AlternateContent xmlns:mc="http://schemas.openxmlformats.org/markup-compatibility/2006" xmlns:p159="http://schemas.microsoft.com/office/powerpoint/2015/09/main">
     <mc:Choice Requires="p159">
       <p:transition xmlns:p14="http://schemas.microsoft.com/office/powerpoint/2010/main" spd="slow" p14:dur="2000">
@@ -4770,6 +5033,239 @@
       <p:transition spd="slow">
         <p:fade/>
       </p:transition>
+    </mc:Fallback>
+  </mc:AlternateContent>
+</p:sld>
+</file>
+
+<file path=ppt/slides/slide2.xml><?xml version="1.0" encoding="utf-8"?>
+<p:sld xmlns:a="http://schemas.openxmlformats.org/drawingml/2006/main" xmlns:r="http://schemas.openxmlformats.org/officeDocument/2006/relationships" xmlns:p="http://schemas.openxmlformats.org/presentationml/2006/main">
+  <p:cSld>
+    <p:bg>
+      <p:bgPr>
+        <a:solidFill>
+          <a:schemeClr val="bg1"/>
+        </a:solidFill>
+        <a:effectLst/>
+      </p:bgPr>
+    </p:bg>
+    <p:spTree>
+      <p:nvGrpSpPr>
+        <p:cNvPr id="1" name="">
+          <a:extLst>
+            <a:ext uri="{FF2B5EF4-FFF2-40B4-BE49-F238E27FC236}">
+              <a16:creationId xmlns:a16="http://schemas.microsoft.com/office/drawing/2014/main" id="{9044E969-9DCC-1D55-74C8-D8089142405A}"/>
+            </a:ext>
+          </a:extLst>
+        </p:cNvPr>
+        <p:cNvGrpSpPr/>
+        <p:nvPr/>
+      </p:nvGrpSpPr>
+      <p:grpSpPr>
+        <a:xfrm>
+          <a:off x="0" y="0"/>
+          <a:ext cx="0" cy="0"/>
+          <a:chOff x="0" y="0"/>
+          <a:chExt cx="0" cy="0"/>
+        </a:xfrm>
+      </p:grpSpPr>
+      <p:sp>
+        <p:nvSpPr>
+          <p:cNvPr id="2" name="Title 1">
+            <a:extLst>
+              <a:ext uri="{FF2B5EF4-FFF2-40B4-BE49-F238E27FC236}">
+                <a16:creationId xmlns:a16="http://schemas.microsoft.com/office/drawing/2014/main" id="{ABC8EF7B-046C-3DE7-3560-9AA029F18B2E}"/>
+              </a:ext>
+            </a:extLst>
+          </p:cNvPr>
+          <p:cNvSpPr>
+            <a:spLocks noGrp="1"/>
+          </p:cNvSpPr>
+          <p:nvPr>
+            <p:ph type="ctrTitle"/>
+          </p:nvPr>
+        </p:nvSpPr>
+        <p:spPr>
+          <a:xfrm>
+            <a:off x="668976" y="650174"/>
+            <a:ext cx="8011886" cy="2211779"/>
+          </a:xfrm>
+        </p:spPr>
+        <p:txBody>
+          <a:bodyPr>
+            <a:normAutofit fontScale="90000"/>
+          </a:bodyPr>
+          <a:lstStyle/>
+          <a:p>
+            <a:pPr algn="l"/>
+            <a:r>
+              <a:rPr lang="en-US" b="1" dirty="0">
+                <a:solidFill>
+                  <a:srgbClr val="424242"/>
+                </a:solidFill>
+              </a:rPr>
+              <a:t>The Blazor</a:t>
+            </a:r>
+            <a:br>
+              <a:rPr lang="en-US" b="1" dirty="0">
+                <a:solidFill>
+                  <a:srgbClr val="424242"/>
+                </a:solidFill>
+              </a:rPr>
+            </a:br>
+            <a:r>
+              <a:rPr lang="en-US" b="1" dirty="0">
+                <a:gradFill>
+                  <a:gsLst>
+                    <a:gs pos="0">
+                      <a:srgbClr val="5F50E5"/>
+                    </a:gs>
+                    <a:gs pos="100000">
+                      <a:srgbClr val="F3649E"/>
+                    </a:gs>
+                  </a:gsLst>
+                  <a:lin ang="0" scaled="0"/>
+                </a:gradFill>
+              </a:rPr>
+              <a:t>Component</a:t>
+            </a:r>
+            <a:r>
+              <a:rPr lang="en-US" b="1" dirty="0">
+                <a:solidFill>
+                  <a:srgbClr val="424242"/>
+                </a:solidFill>
+              </a:rPr>
+              <a:t> Library</a:t>
+            </a:r>
+            <a:br>
+              <a:rPr lang="en-US" dirty="0">
+                <a:solidFill>
+                  <a:srgbClr val="424242"/>
+                </a:solidFill>
+              </a:rPr>
+            </a:br>
+            <a:r>
+              <a:rPr lang="en-US" b="1" strike="sngStrike" dirty="0">
+                <a:solidFill>
+                  <a:srgbClr val="424242"/>
+                </a:solidFill>
+              </a:rPr>
+              <a:t>You</a:t>
+            </a:r>
+            <a:r>
+              <a:rPr lang="en-US" b="1" dirty="0">
+                <a:solidFill>
+                  <a:srgbClr val="424242"/>
+                </a:solidFill>
+              </a:rPr>
+              <a:t> I’ve always wanted</a:t>
+            </a:r>
+            <a:endParaRPr lang="nl-NL" dirty="0">
+              <a:solidFill>
+                <a:srgbClr val="424242"/>
+              </a:solidFill>
+            </a:endParaRPr>
+          </a:p>
+        </p:txBody>
+      </p:sp>
+      <p:sp>
+        <p:nvSpPr>
+          <p:cNvPr id="4" name="Rectangle 3">
+            <a:extLst>
+              <a:ext uri="{FF2B5EF4-FFF2-40B4-BE49-F238E27FC236}">
+                <a16:creationId xmlns:a16="http://schemas.microsoft.com/office/drawing/2014/main" id="{D72CF3C2-4417-3A81-0500-82BA7AF8CB04}"/>
+              </a:ext>
+            </a:extLst>
+          </p:cNvPr>
+          <p:cNvSpPr/>
+          <p:nvPr/>
+        </p:nvSpPr>
+        <p:spPr>
+          <a:xfrm rot="20528391">
+            <a:off x="-2798999" y="3239497"/>
+            <a:ext cx="19059081" cy="2091279"/>
+          </a:xfrm>
+          <a:prstGeom prst="rect">
+            <a:avLst/>
+          </a:prstGeom>
+          <a:solidFill>
+            <a:srgbClr val="5F50E5"/>
+          </a:solidFill>
+          <a:ln>
+            <a:noFill/>
+          </a:ln>
+        </p:spPr>
+        <p:style>
+          <a:lnRef idx="2">
+            <a:schemeClr val="accent1">
+              <a:shade val="15000"/>
+            </a:schemeClr>
+          </a:lnRef>
+          <a:fillRef idx="1">
+            <a:schemeClr val="accent1"/>
+          </a:fillRef>
+          <a:effectRef idx="0">
+            <a:schemeClr val="accent1"/>
+          </a:effectRef>
+          <a:fontRef idx="minor">
+            <a:schemeClr val="lt1"/>
+          </a:fontRef>
+        </p:style>
+        <p:txBody>
+          <a:bodyPr rtlCol="0" anchor="ctr"/>
+          <a:lstStyle/>
+          <a:p>
+            <a:pPr algn="ctr"/>
+            <a:endParaRPr lang="nl-NL"/>
+          </a:p>
+        </p:txBody>
+      </p:sp>
+      <p:pic>
+        <p:nvPicPr>
+          <p:cNvPr id="10" name="Picture 9">
+            <a:extLst>
+              <a:ext uri="{FF2B5EF4-FFF2-40B4-BE49-F238E27FC236}">
+                <a16:creationId xmlns:a16="http://schemas.microsoft.com/office/drawing/2014/main" id="{D862E50D-926E-A86B-7046-373184EE394B}"/>
+              </a:ext>
+            </a:extLst>
+          </p:cNvPr>
+          <p:cNvPicPr>
+            <a:picLocks noChangeAspect="1"/>
+          </p:cNvPicPr>
+          <p:nvPr/>
+        </p:nvPicPr>
+        <p:blipFill>
+          <a:blip r:embed="rId3"/>
+          <a:stretch>
+            <a:fillRect/>
+          </a:stretch>
+        </p:blipFill>
+        <p:spPr>
+          <a:xfrm>
+            <a:off x="7695949" y="1596572"/>
+            <a:ext cx="4895732" cy="5052536"/>
+          </a:xfrm>
+          <a:prstGeom prst="rect">
+            <a:avLst/>
+          </a:prstGeom>
+        </p:spPr>
+      </p:pic>
+    </p:spTree>
+    <p:extLst>
+      <p:ext uri="{BB962C8B-B14F-4D97-AF65-F5344CB8AC3E}">
+        <p14:creationId xmlns:p14="http://schemas.microsoft.com/office/powerpoint/2010/main" val="2206181882"/>
+      </p:ext>
+    </p:extLst>
+  </p:cSld>
+  <p:clrMapOvr>
+    <a:masterClrMapping/>
+  </p:clrMapOvr>
+  <mc:AlternateContent xmlns:mc="http://schemas.openxmlformats.org/markup-compatibility/2006">
+    <mc:Choice xmlns:p14="http://schemas.microsoft.com/office/powerpoint/2010/main" Requires="p14">
+      <p:transition p14:dur="0" advClick="0" advTm="2000"/>
+    </mc:Choice>
+    <mc:Fallback>
+      <p:transition advClick="0" advTm="2000"/>
     </mc:Fallback>
   </mc:AlternateContent>
   <p:timing>
@@ -4784,6 +5280,9 @@
                     <p:cTn id="3" fill="hold">
                       <p:stCondLst>
                         <p:cond delay="indefinite"/>
+                        <p:cond evt="onBegin" delay="0">
+                          <p:tn val="2"/>
+                        </p:cond>
                       </p:stCondLst>
                       <p:childTnLst>
                         <p:par>
@@ -4793,7 +5292,7 @@
                             </p:stCondLst>
                             <p:childTnLst>
                               <p:par>
-                                <p:cTn id="5" presetID="35" presetClass="path" presetSubtype="0" accel="50000" decel="50000" fill="hold" grpId="0" nodeType="clickEffect">
+                                <p:cTn id="5" presetID="35" presetClass="path" presetSubtype="0" accel="50000" decel="50000" fill="hold" grpId="0" nodeType="withEffect">
                                   <p:stCondLst>
                                     <p:cond delay="0"/>
                                   </p:stCondLst>
@@ -4932,15 +5431,15 @@
       </p:par>
     </p:tnLst>
     <p:bldLst>
+      <p:bldP spid="2" grpId="0"/>
       <p:bldP spid="4" grpId="0" animBg="1"/>
       <p:bldP spid="4" grpId="1" animBg="1"/>
-      <p:bldP spid="2" grpId="0"/>
     </p:bldLst>
   </p:timing>
 </p:sld>
 </file>
 
-<file path=ppt/slides/slide2.xml><?xml version="1.0" encoding="utf-8"?>
+<file path=ppt/slides/slide3.xml><?xml version="1.0" encoding="utf-8"?>
 <p:sld xmlns:a="http://schemas.openxmlformats.org/drawingml/2006/main" xmlns:r="http://schemas.openxmlformats.org/officeDocument/2006/relationships" xmlns:p="http://schemas.openxmlformats.org/presentationml/2006/main">
   <p:cSld>
     <p:spTree>
@@ -5353,14 +5852,14 @@
   <p:clrMapOvr>
     <a:masterClrMapping/>
   </p:clrMapOvr>
-  <mc:AlternateContent xmlns:mc="http://schemas.openxmlformats.org/markup-compatibility/2006" xmlns:p159="http://schemas.microsoft.com/office/powerpoint/2015/09/main">
-    <mc:Choice Requires="p159">
-      <p:transition xmlns:p14="http://schemas.microsoft.com/office/powerpoint/2010/main" spd="slow" p14:dur="2000">
-        <p159:morph option="byObject"/>
+  <mc:AlternateContent xmlns:mc="http://schemas.openxmlformats.org/markup-compatibility/2006">
+    <mc:Choice xmlns:p14="http://schemas.microsoft.com/office/powerpoint/2010/main" Requires="p14">
+      <p:transition spd="med" p14:dur="700">
+        <p:fade/>
       </p:transition>
     </mc:Choice>
-    <mc:Fallback xmlns="">
-      <p:transition spd="slow">
+    <mc:Fallback>
+      <p:transition spd="med">
         <p:fade/>
       </p:transition>
     </mc:Fallback>
@@ -5368,7 +5867,7 @@
 </p:sld>
 </file>
 
-<file path=ppt/slides/slide3.xml><?xml version="1.0" encoding="utf-8"?>
+<file path=ppt/slides/slide4.xml><?xml version="1.0" encoding="utf-8"?>
 <p:sld xmlns:a="http://schemas.openxmlformats.org/drawingml/2006/main" xmlns:r="http://schemas.openxmlformats.org/officeDocument/2006/relationships" xmlns:p="http://schemas.openxmlformats.org/presentationml/2006/main">
   <p:cSld>
     <p:spTree>
@@ -5502,7 +6001,7 @@
 </p:sld>
 </file>
 
-<file path=ppt/slides/slide4.xml><?xml version="1.0" encoding="utf-8"?>
+<file path=ppt/slides/slide5.xml><?xml version="1.0" encoding="utf-8"?>
 <p:sld xmlns:a="http://schemas.openxmlformats.org/drawingml/2006/main" xmlns:r="http://schemas.openxmlformats.org/officeDocument/2006/relationships" xmlns:p="http://schemas.openxmlformats.org/presentationml/2006/main">
   <p:cSld>
     <p:spTree>
@@ -5753,207 +6252,6 @@
 </p:sld>
 </file>
 
-<file path=ppt/slides/slide5.xml><?xml version="1.0" encoding="utf-8"?>
-<p:sld xmlns:a="http://schemas.openxmlformats.org/drawingml/2006/main" xmlns:r="http://schemas.openxmlformats.org/officeDocument/2006/relationships" xmlns:p="http://schemas.openxmlformats.org/presentationml/2006/main">
-  <p:cSld>
-    <p:spTree>
-      <p:nvGrpSpPr>
-        <p:cNvPr id="1" name=""/>
-        <p:cNvGrpSpPr/>
-        <p:nvPr/>
-      </p:nvGrpSpPr>
-      <p:grpSpPr>
-        <a:xfrm>
-          <a:off x="0" y="0"/>
-          <a:ext cx="0" cy="0"/>
-          <a:chOff x="0" y="0"/>
-          <a:chExt cx="0" cy="0"/>
-        </a:xfrm>
-      </p:grpSpPr>
-      <p:sp>
-        <p:nvSpPr>
-          <p:cNvPr id="2" name="Title 1">
-            <a:extLst>
-              <a:ext uri="{FF2B5EF4-FFF2-40B4-BE49-F238E27FC236}">
-                <a16:creationId xmlns:a16="http://schemas.microsoft.com/office/drawing/2014/main" id="{952F9307-94C3-356D-431A-8C19274A8E66}"/>
-              </a:ext>
-            </a:extLst>
-          </p:cNvPr>
-          <p:cNvSpPr>
-            <a:spLocks noGrp="1"/>
-          </p:cNvSpPr>
-          <p:nvPr>
-            <p:ph type="title"/>
-          </p:nvPr>
-        </p:nvSpPr>
-        <p:spPr/>
-        <p:txBody>
-          <a:bodyPr/>
-          <a:lstStyle/>
-          <a:p>
-            <a:r>
-              <a:rPr lang="en-US" dirty="0"/>
-              <a:t>Setup</a:t>
-            </a:r>
-            <a:endParaRPr lang="nl-NL" dirty="0"/>
-          </a:p>
-        </p:txBody>
-      </p:sp>
-      <p:sp>
-        <p:nvSpPr>
-          <p:cNvPr id="3" name="Content Placeholder 2">
-            <a:extLst>
-              <a:ext uri="{FF2B5EF4-FFF2-40B4-BE49-F238E27FC236}">
-                <a16:creationId xmlns:a16="http://schemas.microsoft.com/office/drawing/2014/main" id="{73279221-FE69-2109-793A-BB1B19557F14}"/>
-              </a:ext>
-            </a:extLst>
-          </p:cNvPr>
-          <p:cNvSpPr>
-            <a:spLocks noGrp="1"/>
-          </p:cNvSpPr>
-          <p:nvPr>
-            <p:ph idx="1"/>
-          </p:nvPr>
-        </p:nvSpPr>
-        <p:spPr>
-          <a:xfrm>
-            <a:off x="1778000" y="1825625"/>
-            <a:ext cx="9853478" cy="4351338"/>
-          </a:xfrm>
-        </p:spPr>
-        <p:txBody>
-          <a:bodyPr/>
-          <a:lstStyle/>
-          <a:p>
-            <a:r>
-              <a:rPr lang="en-US" dirty="0"/>
-              <a:t>dotnet new </a:t>
-            </a:r>
-            <a:r>
-              <a:rPr lang="en-US" dirty="0" err="1"/>
-              <a:t>mudblazor</a:t>
-            </a:r>
-            <a:endParaRPr lang="en-US" dirty="0"/>
-          </a:p>
-          <a:p>
-            <a:pPr lvl="1"/>
-            <a:r>
-              <a:rPr lang="en-US" sz="1800" dirty="0"/>
-              <a:t>dotnet new install </a:t>
-            </a:r>
-            <a:r>
-              <a:rPr lang="en-US" sz="1800" dirty="0" err="1"/>
-              <a:t>MudBlazor.Templates</a:t>
-            </a:r>
-            <a:endParaRPr lang="en-US" sz="1800" dirty="0"/>
-          </a:p>
-          <a:p>
-            <a:pPr lvl="1"/>
-            <a:r>
-              <a:rPr lang="en-US" sz="1800" dirty="0"/>
-              <a:t>dotnet new </a:t>
-            </a:r>
-            <a:r>
-              <a:rPr lang="en-US" sz="1800" dirty="0" err="1"/>
-              <a:t>mudblazor</a:t>
-            </a:r>
-            <a:r>
-              <a:rPr lang="en-US" sz="1800" dirty="0"/>
-              <a:t> --name </a:t>
-            </a:r>
-            <a:r>
-              <a:rPr lang="en-US" sz="1800" dirty="0" err="1"/>
-              <a:t>MyApplication</a:t>
-            </a:r>
-            <a:r>
-              <a:rPr lang="en-US" sz="1800" dirty="0"/>
-              <a:t> --all-interactive --interactivity Auto</a:t>
-            </a:r>
-          </a:p>
-          <a:p>
-            <a:pPr lvl="1"/>
-            <a:r>
-              <a:rPr lang="en-US" sz="1800" dirty="0"/>
-              <a:t>dotnet new </a:t>
-            </a:r>
-            <a:r>
-              <a:rPr lang="en-US" sz="1800" dirty="0" err="1"/>
-              <a:t>mudblazor</a:t>
-            </a:r>
-            <a:r>
-              <a:rPr lang="en-US" sz="1800" dirty="0"/>
-              <a:t> --name </a:t>
-            </a:r>
-            <a:r>
-              <a:rPr lang="en-US" sz="1800" dirty="0" err="1"/>
-              <a:t>MyApplication</a:t>
-            </a:r>
-            <a:r>
-              <a:rPr lang="en-US" sz="1800" dirty="0"/>
-              <a:t> --all-interactive --interactivity Server</a:t>
-            </a:r>
-          </a:p>
-          <a:p>
-            <a:pPr lvl="1"/>
-            <a:r>
-              <a:rPr lang="en-US" sz="1800" dirty="0"/>
-              <a:t>dotnet new </a:t>
-            </a:r>
-            <a:r>
-              <a:rPr lang="en-US" sz="1800" dirty="0" err="1"/>
-              <a:t>mudblazor</a:t>
-            </a:r>
-            <a:r>
-              <a:rPr lang="en-US" sz="1800" dirty="0"/>
-              <a:t> --name </a:t>
-            </a:r>
-            <a:r>
-              <a:rPr lang="en-US" sz="1800" dirty="0" err="1"/>
-              <a:t>MyApplication</a:t>
-            </a:r>
-            <a:r>
-              <a:rPr lang="en-US" sz="1800" dirty="0"/>
-              <a:t> --all-interactive --interactivity </a:t>
-            </a:r>
-            <a:r>
-              <a:rPr lang="en-US" sz="1800" dirty="0" err="1"/>
-              <a:t>WebAssembly</a:t>
-            </a:r>
-            <a:endParaRPr lang="en-US" sz="1800" dirty="0"/>
-          </a:p>
-          <a:p>
-            <a:r>
-              <a:rPr lang="en-US" sz="2400" dirty="0"/>
-              <a:t>Manual</a:t>
-            </a:r>
-          </a:p>
-        </p:txBody>
-      </p:sp>
-    </p:spTree>
-    <p:extLst>
-      <p:ext uri="{BB962C8B-B14F-4D97-AF65-F5344CB8AC3E}">
-        <p14:creationId xmlns:p14="http://schemas.microsoft.com/office/powerpoint/2010/main" val="846474363"/>
-      </p:ext>
-    </p:extLst>
-  </p:cSld>
-  <p:clrMapOvr>
-    <a:masterClrMapping/>
-  </p:clrMapOvr>
-  <mc:AlternateContent xmlns:mc="http://schemas.openxmlformats.org/markup-compatibility/2006" xmlns:p159="http://schemas.microsoft.com/office/powerpoint/2015/09/main">
-    <mc:Choice Requires="p159">
-      <p:transition xmlns:p14="http://schemas.microsoft.com/office/powerpoint/2010/main" spd="slow" p14:dur="2000">
-        <p159:morph option="byObject"/>
-      </p:transition>
-    </mc:Choice>
-    <mc:Fallback xmlns="">
-      <p:transition spd="slow">
-        <p:fade/>
-      </p:transition>
-    </mc:Fallback>
-  </mc:AlternateContent>
-</p:sld>
-</file>
-
 <file path=ppt/slides/slide6.xml><?xml version="1.0" encoding="utf-8"?>
 <p:sld xmlns:a="http://schemas.openxmlformats.org/drawingml/2006/main" xmlns:r="http://schemas.openxmlformats.org/officeDocument/2006/relationships" xmlns:p="http://schemas.openxmlformats.org/presentationml/2006/main">
   <p:cSld>
@@ -5976,7 +6274,7 @@
           <p:cNvPr id="2" name="Title 1">
             <a:extLst>
               <a:ext uri="{FF2B5EF4-FFF2-40B4-BE49-F238E27FC236}">
-                <a16:creationId xmlns:a16="http://schemas.microsoft.com/office/drawing/2014/main" id="{D97AD14D-F475-5378-E5BF-8ECB2F21DA72}"/>
+                <a16:creationId xmlns:a16="http://schemas.microsoft.com/office/drawing/2014/main" id="{952F9307-94C3-356D-431A-8C19274A8E66}"/>
               </a:ext>
             </a:extLst>
           </p:cNvPr>
@@ -5994,8 +6292,9 @@
           <a:p>
             <a:r>
               <a:rPr lang="en-US" dirty="0"/>
-              <a:t>Themes, styling, CSS</a:t>
-            </a:r>
+              <a:t>Setup</a:t>
+            </a:r>
+            <a:endParaRPr lang="nl-NL" dirty="0"/>
           </a:p>
         </p:txBody>
       </p:sp>
@@ -6004,7 +6303,7 @@
           <p:cNvPr id="3" name="Content Placeholder 2">
             <a:extLst>
               <a:ext uri="{FF2B5EF4-FFF2-40B4-BE49-F238E27FC236}">
-                <a16:creationId xmlns:a16="http://schemas.microsoft.com/office/drawing/2014/main" id="{74DD2FB6-DE8A-B5CA-F347-FE3967B6AD8A}"/>
+                <a16:creationId xmlns:a16="http://schemas.microsoft.com/office/drawing/2014/main" id="{73279221-FE69-2109-793A-BB1B19557F14}"/>
               </a:ext>
             </a:extLst>
           </p:cNvPr>
@@ -6015,56 +6314,124 @@
             <p:ph idx="1"/>
           </p:nvPr>
         </p:nvSpPr>
-        <p:spPr/>
+        <p:spPr>
+          <a:xfrm>
+            <a:off x="1778000" y="1825625"/>
+            <a:ext cx="9853478" cy="4351338"/>
+          </a:xfrm>
+        </p:spPr>
         <p:txBody>
           <a:bodyPr/>
           <a:lstStyle/>
           <a:p>
             <a:r>
               <a:rPr lang="en-US" dirty="0"/>
-              <a:t>Customizability</a:t>
-            </a:r>
-          </a:p>
-          <a:p>
-            <a:r>
-              <a:rPr lang="en-US" dirty="0"/>
-              <a:t>Dark/light themes</a:t>
-            </a:r>
-          </a:p>
-          <a:p>
-            <a:r>
-              <a:rPr lang="en-US" dirty="0"/>
-              <a:t>Out-of-the-box CSS classes</a:t>
-            </a:r>
+              <a:t>dotnet new </a:t>
+            </a:r>
+            <a:r>
+              <a:rPr lang="en-US" dirty="0" err="1"/>
+              <a:t>mudblazor</a:t>
+            </a:r>
+            <a:endParaRPr lang="en-US" dirty="0"/>
           </a:p>
           <a:p>
             <a:pPr lvl="1"/>
             <a:r>
-              <a:rPr lang="en-US" dirty="0"/>
-              <a:t>Margin</a:t>
-            </a:r>
+              <a:rPr lang="en-US" sz="1800" dirty="0"/>
+              <a:t>dotnet new install </a:t>
+            </a:r>
+            <a:r>
+              <a:rPr lang="en-US" sz="1800" dirty="0" err="1"/>
+              <a:t>MudBlazor.Templates</a:t>
+            </a:r>
+            <a:endParaRPr lang="en-US" sz="1800" dirty="0"/>
           </a:p>
           <a:p>
             <a:pPr lvl="1"/>
             <a:r>
-              <a:rPr lang="en-US" dirty="0"/>
-              <a:t>Padding</a:t>
+              <a:rPr lang="en-US" sz="1800" dirty="0"/>
+              <a:t>dotnet new </a:t>
+            </a:r>
+            <a:r>
+              <a:rPr lang="en-US" sz="1800" dirty="0" err="1"/>
+              <a:t>mudblazor</a:t>
+            </a:r>
+            <a:r>
+              <a:rPr lang="en-US" sz="1800" dirty="0"/>
+              <a:t> --name </a:t>
+            </a:r>
+            <a:r>
+              <a:rPr lang="en-US" sz="1800" dirty="0" err="1"/>
+              <a:t>MyApplication</a:t>
+            </a:r>
+            <a:r>
+              <a:rPr lang="en-US" sz="1800" dirty="0"/>
+              <a:t> --all-interactive --interactivity Auto</a:t>
             </a:r>
           </a:p>
           <a:p>
             <a:pPr lvl="1"/>
             <a:r>
-              <a:rPr lang="en-US" dirty="0"/>
-              <a:t>Flexbox</a:t>
-            </a:r>
-            <a:endParaRPr lang="nl-NL" dirty="0"/>
+              <a:rPr lang="en-US" sz="1800" dirty="0"/>
+              <a:t>dotnet new </a:t>
+            </a:r>
+            <a:r>
+              <a:rPr lang="en-US" sz="1800" dirty="0" err="1"/>
+              <a:t>mudblazor</a:t>
+            </a:r>
+            <a:r>
+              <a:rPr lang="en-US" sz="1800" dirty="0"/>
+              <a:t> --name </a:t>
+            </a:r>
+            <a:r>
+              <a:rPr lang="en-US" sz="1800" dirty="0" err="1"/>
+              <a:t>MyApplication</a:t>
+            </a:r>
+            <a:r>
+              <a:rPr lang="en-US" sz="1800" dirty="0"/>
+              <a:t> --all-interactive --interactivity Server</a:t>
+            </a:r>
+          </a:p>
+          <a:p>
+            <a:pPr lvl="1"/>
+            <a:r>
+              <a:rPr lang="en-US" sz="1800" dirty="0"/>
+              <a:t>dotnet new </a:t>
+            </a:r>
+            <a:r>
+              <a:rPr lang="en-US" sz="1800" dirty="0" err="1"/>
+              <a:t>mudblazor</a:t>
+            </a:r>
+            <a:r>
+              <a:rPr lang="en-US" sz="1800" dirty="0"/>
+              <a:t> --name </a:t>
+            </a:r>
+            <a:r>
+              <a:rPr lang="en-US" sz="1800" dirty="0" err="1"/>
+              <a:t>MyApplication</a:t>
+            </a:r>
+            <a:r>
+              <a:rPr lang="en-US" sz="1800" dirty="0"/>
+              <a:t> --all-interactive --interactivity </a:t>
+            </a:r>
+            <a:r>
+              <a:rPr lang="en-US" sz="1800" dirty="0" err="1"/>
+              <a:t>WebAssembly</a:t>
+            </a:r>
+            <a:endParaRPr lang="en-US" sz="1800" dirty="0"/>
+          </a:p>
+          <a:p>
+            <a:r>
+              <a:rPr lang="en-US" sz="2400" dirty="0"/>
+              <a:t>Manual</a:t>
+            </a:r>
           </a:p>
         </p:txBody>
       </p:sp>
     </p:spTree>
     <p:extLst>
       <p:ext uri="{BB962C8B-B14F-4D97-AF65-F5344CB8AC3E}">
-        <p14:creationId xmlns:p14="http://schemas.microsoft.com/office/powerpoint/2010/main" val="3693960852"/>
+        <p14:creationId xmlns:p14="http://schemas.microsoft.com/office/powerpoint/2010/main" val="846474363"/>
       </p:ext>
     </p:extLst>
   </p:cSld>
@@ -6108,6 +6475,138 @@
           <p:cNvPr id="2" name="Title 1">
             <a:extLst>
               <a:ext uri="{FF2B5EF4-FFF2-40B4-BE49-F238E27FC236}">
+                <a16:creationId xmlns:a16="http://schemas.microsoft.com/office/drawing/2014/main" id="{D97AD14D-F475-5378-E5BF-8ECB2F21DA72}"/>
+              </a:ext>
+            </a:extLst>
+          </p:cNvPr>
+          <p:cNvSpPr>
+            <a:spLocks noGrp="1"/>
+          </p:cNvSpPr>
+          <p:nvPr>
+            <p:ph type="title"/>
+          </p:nvPr>
+        </p:nvSpPr>
+        <p:spPr/>
+        <p:txBody>
+          <a:bodyPr/>
+          <a:lstStyle/>
+          <a:p>
+            <a:r>
+              <a:rPr lang="en-US" dirty="0"/>
+              <a:t>Themes, styling, CSS</a:t>
+            </a:r>
+          </a:p>
+        </p:txBody>
+      </p:sp>
+      <p:sp>
+        <p:nvSpPr>
+          <p:cNvPr id="3" name="Content Placeholder 2">
+            <a:extLst>
+              <a:ext uri="{FF2B5EF4-FFF2-40B4-BE49-F238E27FC236}">
+                <a16:creationId xmlns:a16="http://schemas.microsoft.com/office/drawing/2014/main" id="{74DD2FB6-DE8A-B5CA-F347-FE3967B6AD8A}"/>
+              </a:ext>
+            </a:extLst>
+          </p:cNvPr>
+          <p:cNvSpPr>
+            <a:spLocks noGrp="1"/>
+          </p:cNvSpPr>
+          <p:nvPr>
+            <p:ph idx="1"/>
+          </p:nvPr>
+        </p:nvSpPr>
+        <p:spPr/>
+        <p:txBody>
+          <a:bodyPr/>
+          <a:lstStyle/>
+          <a:p>
+            <a:r>
+              <a:rPr lang="en-US" dirty="0"/>
+              <a:t>Customizability</a:t>
+            </a:r>
+          </a:p>
+          <a:p>
+            <a:r>
+              <a:rPr lang="en-US" dirty="0"/>
+              <a:t>Dark/light themes</a:t>
+            </a:r>
+          </a:p>
+          <a:p>
+            <a:r>
+              <a:rPr lang="en-US" dirty="0"/>
+              <a:t>Out-of-the-box CSS classes</a:t>
+            </a:r>
+          </a:p>
+          <a:p>
+            <a:pPr lvl="1"/>
+            <a:r>
+              <a:rPr lang="en-US" dirty="0"/>
+              <a:t>Margin</a:t>
+            </a:r>
+          </a:p>
+          <a:p>
+            <a:pPr lvl="1"/>
+            <a:r>
+              <a:rPr lang="en-US" dirty="0"/>
+              <a:t>Padding</a:t>
+            </a:r>
+          </a:p>
+          <a:p>
+            <a:pPr lvl="1"/>
+            <a:r>
+              <a:rPr lang="en-US" dirty="0"/>
+              <a:t>Flexbox</a:t>
+            </a:r>
+            <a:endParaRPr lang="nl-NL" dirty="0"/>
+          </a:p>
+        </p:txBody>
+      </p:sp>
+    </p:spTree>
+    <p:extLst>
+      <p:ext uri="{BB962C8B-B14F-4D97-AF65-F5344CB8AC3E}">
+        <p14:creationId xmlns:p14="http://schemas.microsoft.com/office/powerpoint/2010/main" val="3693960852"/>
+      </p:ext>
+    </p:extLst>
+  </p:cSld>
+  <p:clrMapOvr>
+    <a:masterClrMapping/>
+  </p:clrMapOvr>
+  <mc:AlternateContent xmlns:mc="http://schemas.openxmlformats.org/markup-compatibility/2006" xmlns:p159="http://schemas.microsoft.com/office/powerpoint/2015/09/main">
+    <mc:Choice Requires="p159">
+      <p:transition xmlns:p14="http://schemas.microsoft.com/office/powerpoint/2010/main" spd="slow" p14:dur="2000">
+        <p159:morph option="byObject"/>
+      </p:transition>
+    </mc:Choice>
+    <mc:Fallback xmlns="">
+      <p:transition spd="slow">
+        <p:fade/>
+      </p:transition>
+    </mc:Fallback>
+  </mc:AlternateContent>
+</p:sld>
+</file>
+
+<file path=ppt/slides/slide8.xml><?xml version="1.0" encoding="utf-8"?>
+<p:sld xmlns:a="http://schemas.openxmlformats.org/drawingml/2006/main" xmlns:r="http://schemas.openxmlformats.org/officeDocument/2006/relationships" xmlns:p="http://schemas.openxmlformats.org/presentationml/2006/main">
+  <p:cSld>
+    <p:spTree>
+      <p:nvGrpSpPr>
+        <p:cNvPr id="1" name=""/>
+        <p:cNvGrpSpPr/>
+        <p:nvPr/>
+      </p:nvGrpSpPr>
+      <p:grpSpPr>
+        <a:xfrm>
+          <a:off x="0" y="0"/>
+          <a:ext cx="0" cy="0"/>
+          <a:chOff x="0" y="0"/>
+          <a:chExt cx="0" cy="0"/>
+        </a:xfrm>
+      </p:grpSpPr>
+      <p:sp>
+        <p:nvSpPr>
+          <p:cNvPr id="2" name="Title 1">
+            <a:extLst>
+              <a:ext uri="{FF2B5EF4-FFF2-40B4-BE49-F238E27FC236}">
                 <a16:creationId xmlns:a16="http://schemas.microsoft.com/office/drawing/2014/main" id="{721BBDFC-443E-5824-2673-8C6C993BABDF}"/>
               </a:ext>
             </a:extLst>
@@ -6226,7 +6725,7 @@
 </p:sld>
 </file>
 
-<file path=ppt/slides/slide8.xml><?xml version="1.0" encoding="utf-8"?>
+<file path=ppt/slides/slide9.xml><?xml version="1.0" encoding="utf-8"?>
 <p:sld xmlns:a="http://schemas.openxmlformats.org/drawingml/2006/main" xmlns:r="http://schemas.openxmlformats.org/officeDocument/2006/relationships" xmlns:p="http://schemas.openxmlformats.org/presentationml/2006/main">
   <p:cSld>
     <p:spTree>
@@ -6440,144 +6939,6 @@
       </p:par>
     </p:tnLst>
   </p:timing>
-</p:sld>
-</file>
-
-<file path=ppt/slides/slide9.xml><?xml version="1.0" encoding="utf-8"?>
-<p:sld xmlns:a="http://schemas.openxmlformats.org/drawingml/2006/main" xmlns:r="http://schemas.openxmlformats.org/officeDocument/2006/relationships" xmlns:p="http://schemas.openxmlformats.org/presentationml/2006/main">
-  <p:cSld>
-    <p:spTree>
-      <p:nvGrpSpPr>
-        <p:cNvPr id="1" name=""/>
-        <p:cNvGrpSpPr/>
-        <p:nvPr/>
-      </p:nvGrpSpPr>
-      <p:grpSpPr>
-        <a:xfrm>
-          <a:off x="0" y="0"/>
-          <a:ext cx="0" cy="0"/>
-          <a:chOff x="0" y="0"/>
-          <a:chExt cx="0" cy="0"/>
-        </a:xfrm>
-      </p:grpSpPr>
-      <p:sp>
-        <p:nvSpPr>
-          <p:cNvPr id="2" name="Title 1">
-            <a:extLst>
-              <a:ext uri="{FF2B5EF4-FFF2-40B4-BE49-F238E27FC236}">
-                <a16:creationId xmlns:a16="http://schemas.microsoft.com/office/drawing/2014/main" id="{453FF85C-C1BB-4F22-64C7-AECF27D53908}"/>
-              </a:ext>
-            </a:extLst>
-          </p:cNvPr>
-          <p:cNvSpPr>
-            <a:spLocks noGrp="1"/>
-          </p:cNvSpPr>
-          <p:nvPr>
-            <p:ph type="title"/>
-          </p:nvPr>
-        </p:nvSpPr>
-        <p:spPr/>
-        <p:txBody>
-          <a:bodyPr/>
-          <a:lstStyle/>
-          <a:p>
-            <a:r>
-              <a:rPr lang="en-GB" dirty="0"/>
-              <a:t>Thank you!</a:t>
-            </a:r>
-            <a:endParaRPr lang="LID4096" dirty="0"/>
-          </a:p>
-        </p:txBody>
-      </p:sp>
-      <p:sp>
-        <p:nvSpPr>
-          <p:cNvPr id="10" name="TextBox 9">
-            <a:extLst>
-              <a:ext uri="{FF2B5EF4-FFF2-40B4-BE49-F238E27FC236}">
-                <a16:creationId xmlns:a16="http://schemas.microsoft.com/office/drawing/2014/main" id="{8E03E127-5CA6-F769-8A64-848428540306}"/>
-              </a:ext>
-            </a:extLst>
-          </p:cNvPr>
-          <p:cNvSpPr txBox="1"/>
-          <p:nvPr/>
-        </p:nvSpPr>
-        <p:spPr>
-          <a:xfrm>
-            <a:off x="3010511" y="5459010"/>
-            <a:ext cx="6170978" cy="369332"/>
-          </a:xfrm>
-          <a:prstGeom prst="rect">
-            <a:avLst/>
-          </a:prstGeom>
-          <a:noFill/>
-        </p:spPr>
-        <p:txBody>
-          <a:bodyPr wrap="square" rtlCol="0">
-            <a:spAutoFit/>
-          </a:bodyPr>
-          <a:lstStyle/>
-          <a:p>
-            <a:pPr algn="ctr"/>
-            <a:r>
-              <a:rPr lang="en-GB" dirty="0"/>
-              <a:t>https://github.com/Rene-Sackers/presentation-mudblazor</a:t>
-            </a:r>
-            <a:endParaRPr lang="LID4096" dirty="0"/>
-          </a:p>
-        </p:txBody>
-      </p:sp>
-      <p:pic>
-        <p:nvPicPr>
-          <p:cNvPr id="12" name="Picture 11" descr="A qr code with a logo&#10;&#10;AI-generated content may be incorrect.">
-            <a:extLst>
-              <a:ext uri="{FF2B5EF4-FFF2-40B4-BE49-F238E27FC236}">
-                <a16:creationId xmlns:a16="http://schemas.microsoft.com/office/drawing/2014/main" id="{CF1D17FF-A84C-FDD0-EEF0-AE1B7E2FE2ED}"/>
-              </a:ext>
-            </a:extLst>
-          </p:cNvPr>
-          <p:cNvPicPr>
-            <a:picLocks noChangeAspect="1"/>
-          </p:cNvPicPr>
-          <p:nvPr/>
-        </p:nvPicPr>
-        <p:blipFill>
-          <a:blip r:embed="rId2"/>
-          <a:stretch>
-            <a:fillRect/>
-          </a:stretch>
-        </p:blipFill>
-        <p:spPr>
-          <a:xfrm>
-            <a:off x="3952576" y="1285576"/>
-            <a:ext cx="4286848" cy="4286848"/>
-          </a:xfrm>
-          <a:prstGeom prst="rect">
-            <a:avLst/>
-          </a:prstGeom>
-        </p:spPr>
-      </p:pic>
-    </p:spTree>
-    <p:extLst>
-      <p:ext uri="{BB962C8B-B14F-4D97-AF65-F5344CB8AC3E}">
-        <p14:creationId xmlns:p14="http://schemas.microsoft.com/office/powerpoint/2010/main" val="546408360"/>
-      </p:ext>
-    </p:extLst>
-  </p:cSld>
-  <p:clrMapOvr>
-    <a:masterClrMapping/>
-  </p:clrMapOvr>
-  <mc:AlternateContent xmlns:mc="http://schemas.openxmlformats.org/markup-compatibility/2006" xmlns:p159="http://schemas.microsoft.com/office/powerpoint/2015/09/main">
-    <mc:Choice Requires="p159">
-      <p:transition xmlns:p14="http://schemas.microsoft.com/office/powerpoint/2010/main" spd="slow" p14:dur="2000">
-        <p159:morph option="byObject"/>
-      </p:transition>
-    </mc:Choice>
-    <mc:Fallback xmlns="">
-      <p:transition spd="slow">
-        <p:fade/>
-      </p:transition>
-    </mc:Fallback>
-  </mc:AlternateContent>
 </p:sld>
 </file>
 

--- a/powerpoint/MudBlazor presentation.pptx
+++ b/powerpoint/MudBlazor presentation.pptx
@@ -4889,11 +4889,11 @@
   <p:clrMapOvr>
     <a:masterClrMapping/>
   </p:clrMapOvr>
-  <mc:AlternateContent xmlns:mc="http://schemas.openxmlformats.org/markup-compatibility/2006">
-    <mc:Choice xmlns:p14="http://schemas.microsoft.com/office/powerpoint/2010/main" Requires="p14">
+  <mc:AlternateContent xmlns:mc="http://schemas.openxmlformats.org/markup-compatibility/2006" xmlns:p14="http://schemas.microsoft.com/office/powerpoint/2010/main">
+    <mc:Choice Requires="p14">
       <p:transition p14:dur="0"/>
     </mc:Choice>
-    <mc:Fallback>
+    <mc:Fallback xmlns="">
       <p:transition/>
     </mc:Fallback>
   </mc:AlternateContent>
@@ -5260,11 +5260,11 @@
   <p:clrMapOvr>
     <a:masterClrMapping/>
   </p:clrMapOvr>
-  <mc:AlternateContent xmlns:mc="http://schemas.openxmlformats.org/markup-compatibility/2006">
-    <mc:Choice xmlns:p14="http://schemas.microsoft.com/office/powerpoint/2010/main" Requires="p14">
+  <mc:AlternateContent xmlns:mc="http://schemas.openxmlformats.org/markup-compatibility/2006" xmlns:p14="http://schemas.microsoft.com/office/powerpoint/2010/main">
+    <mc:Choice Requires="p14">
       <p:transition p14:dur="0" advClick="0" advTm="2000"/>
     </mc:Choice>
-    <mc:Fallback>
+    <mc:Fallback xmlns="">
       <p:transition advClick="0" advTm="2000"/>
     </mc:Fallback>
   </mc:AlternateContent>
@@ -5852,13 +5852,13 @@
   <p:clrMapOvr>
     <a:masterClrMapping/>
   </p:clrMapOvr>
-  <mc:AlternateContent xmlns:mc="http://schemas.openxmlformats.org/markup-compatibility/2006">
-    <mc:Choice xmlns:p14="http://schemas.microsoft.com/office/powerpoint/2010/main" Requires="p14">
+  <mc:AlternateContent xmlns:mc="http://schemas.openxmlformats.org/markup-compatibility/2006" xmlns:p14="http://schemas.microsoft.com/office/powerpoint/2010/main">
+    <mc:Choice Requires="p14">
       <p:transition spd="med" p14:dur="700">
         <p:fade/>
       </p:transition>
     </mc:Choice>
-    <mc:Fallback>
+    <mc:Fallback xmlns="">
       <p:transition spd="med">
         <p:fade/>
       </p:transition>
@@ -6826,6 +6826,126 @@
           </a:p>
         </p:txBody>
       </p:sp>
+      <p:grpSp>
+        <p:nvGrpSpPr>
+          <p:cNvPr id="6" name="Group 5">
+            <a:extLst>
+              <a:ext uri="{FF2B5EF4-FFF2-40B4-BE49-F238E27FC236}">
+                <a16:creationId xmlns:a16="http://schemas.microsoft.com/office/drawing/2014/main" id="{8A14DD1B-257C-4A40-2BE1-7FEC2A6E2491}"/>
+              </a:ext>
+            </a:extLst>
+          </p:cNvPr>
+          <p:cNvGrpSpPr/>
+          <p:nvPr/>
+        </p:nvGrpSpPr>
+        <p:grpSpPr>
+          <a:xfrm>
+            <a:off x="9065576" y="2076300"/>
+            <a:ext cx="2696848" cy="1886100"/>
+            <a:chOff x="4477706" y="4242800"/>
+            <a:chExt cx="2696848" cy="1886100"/>
+          </a:xfrm>
+        </p:grpSpPr>
+        <p:sp>
+          <p:nvSpPr>
+            <p:cNvPr id="4" name="Explosion: 14 Points 3">
+              <a:extLst>
+                <a:ext uri="{FF2B5EF4-FFF2-40B4-BE49-F238E27FC236}">
+                  <a16:creationId xmlns:a16="http://schemas.microsoft.com/office/drawing/2014/main" id="{945DB9F8-016D-6FAA-E40E-CED11929B368}"/>
+                </a:ext>
+              </a:extLst>
+            </p:cNvPr>
+            <p:cNvSpPr/>
+            <p:nvPr/>
+          </p:nvSpPr>
+          <p:spPr>
+            <a:xfrm rot="3283582">
+              <a:off x="4883080" y="3837426"/>
+              <a:ext cx="1886100" cy="2696848"/>
+            </a:xfrm>
+            <a:prstGeom prst="irregularSeal2">
+              <a:avLst/>
+            </a:prstGeom>
+            <a:solidFill>
+              <a:srgbClr val="FFFF00"/>
+            </a:solidFill>
+            <a:ln>
+              <a:solidFill>
+                <a:srgbClr val="FF0000"/>
+              </a:solidFill>
+            </a:ln>
+          </p:spPr>
+          <p:style>
+            <a:lnRef idx="2">
+              <a:schemeClr val="accent2"/>
+            </a:lnRef>
+            <a:fillRef idx="1">
+              <a:schemeClr val="lt1"/>
+            </a:fillRef>
+            <a:effectRef idx="0">
+              <a:schemeClr val="accent2"/>
+            </a:effectRef>
+            <a:fontRef idx="minor">
+              <a:schemeClr val="dk1"/>
+            </a:fontRef>
+          </p:style>
+          <p:txBody>
+            <a:bodyPr rtlCol="0" anchor="ctr"/>
+            <a:lstStyle/>
+            <a:p>
+              <a:pPr algn="ctr"/>
+              <a:endParaRPr lang="nl-NL"/>
+            </a:p>
+          </p:txBody>
+        </p:sp>
+        <p:sp>
+          <p:nvSpPr>
+            <p:cNvPr id="5" name="TextBox 4">
+              <a:extLst>
+                <a:ext uri="{FF2B5EF4-FFF2-40B4-BE49-F238E27FC236}">
+                  <a16:creationId xmlns:a16="http://schemas.microsoft.com/office/drawing/2014/main" id="{D6A2E800-B2CC-D9E0-72CE-6DAE58C62283}"/>
+                </a:ext>
+              </a:extLst>
+            </p:cNvPr>
+            <p:cNvSpPr txBox="1"/>
+            <p:nvPr/>
+          </p:nvSpPr>
+          <p:spPr>
+            <a:xfrm rot="21110701">
+              <a:off x="4976414" y="4770946"/>
+              <a:ext cx="1508760" cy="707886"/>
+            </a:xfrm>
+            <a:prstGeom prst="rect">
+              <a:avLst/>
+            </a:prstGeom>
+            <a:noFill/>
+          </p:spPr>
+          <p:txBody>
+            <a:bodyPr wrap="square" rtlCol="0">
+              <a:spAutoFit/>
+            </a:bodyPr>
+            <a:lstStyle/>
+            <a:p>
+              <a:pPr algn="ctr"/>
+              <a:r>
+                <a:rPr lang="en-US" sz="4000" dirty="0">
+                  <a:solidFill>
+                    <a:srgbClr val="FF0000"/>
+                  </a:solidFill>
+                  <a:latin typeface="Comic Sans MS" panose="030F0702030302020204" pitchFamily="66" charset="0"/>
+                </a:rPr>
+                <a:t>3000</a:t>
+              </a:r>
+              <a:endParaRPr lang="nl-NL" sz="4000" dirty="0">
+                <a:solidFill>
+                  <a:srgbClr val="FF0000"/>
+                </a:solidFill>
+                <a:latin typeface="Comic Sans MS" panose="030F0702030302020204" pitchFamily="66" charset="0"/>
+              </a:endParaRPr>
+            </a:p>
+          </p:txBody>
+        </p:sp>
+      </p:grpSp>
     </p:spTree>
     <p:extLst>
       <p:ext uri="{BB962C8B-B14F-4D97-AF65-F5344CB8AC3E}">
@@ -6908,6 +7028,270 @@
                                         </p:tgtEl>
                                       </p:cBhvr>
                                     </p:animEffect>
+                                  </p:childTnLst>
+                                </p:cTn>
+                              </p:par>
+                            </p:childTnLst>
+                          </p:cTn>
+                        </p:par>
+                      </p:childTnLst>
+                    </p:cTn>
+                  </p:par>
+                  <p:par>
+                    <p:cTn id="8" fill="hold">
+                      <p:stCondLst>
+                        <p:cond delay="indefinite"/>
+                      </p:stCondLst>
+                      <p:childTnLst>
+                        <p:par>
+                          <p:cTn id="9" fill="hold">
+                            <p:stCondLst>
+                              <p:cond delay="0"/>
+                            </p:stCondLst>
+                            <p:childTnLst>
+                              <p:par>
+                                <p:cTn id="10" presetID="10" presetClass="entr" presetSubtype="0" fill="hold" nodeType="clickEffect">
+                                  <p:stCondLst>
+                                    <p:cond delay="0"/>
+                                  </p:stCondLst>
+                                  <p:childTnLst>
+                                    <p:set>
+                                      <p:cBhvr>
+                                        <p:cTn id="11" dur="1" fill="hold">
+                                          <p:stCondLst>
+                                            <p:cond delay="0"/>
+                                          </p:stCondLst>
+                                        </p:cTn>
+                                        <p:tgtEl>
+                                          <p:spTgt spid="6"/>
+                                        </p:tgtEl>
+                                        <p:attrNameLst>
+                                          <p:attrName>style.visibility</p:attrName>
+                                        </p:attrNameLst>
+                                      </p:cBhvr>
+                                      <p:to>
+                                        <p:strVal val="visible"/>
+                                      </p:to>
+                                    </p:set>
+                                    <p:animEffect transition="in" filter="fade">
+                                      <p:cBhvr>
+                                        <p:cTn id="12" dur="1000"/>
+                                        <p:tgtEl>
+                                          <p:spTgt spid="6"/>
+                                        </p:tgtEl>
+                                      </p:cBhvr>
+                                    </p:animEffect>
+                                  </p:childTnLst>
+                                </p:cTn>
+                              </p:par>
+                              <p:par>
+                                <p:cTn id="13" presetID="53" presetClass="entr" presetSubtype="16" fill="hold" nodeType="withEffect">
+                                  <p:stCondLst>
+                                    <p:cond delay="0"/>
+                                  </p:stCondLst>
+                                  <p:childTnLst>
+                                    <p:set>
+                                      <p:cBhvr>
+                                        <p:cTn id="14" dur="1" fill="hold">
+                                          <p:stCondLst>
+                                            <p:cond delay="0"/>
+                                          </p:stCondLst>
+                                        </p:cTn>
+                                        <p:tgtEl>
+                                          <p:spTgt spid="6"/>
+                                        </p:tgtEl>
+                                        <p:attrNameLst>
+                                          <p:attrName>style.visibility</p:attrName>
+                                        </p:attrNameLst>
+                                      </p:cBhvr>
+                                      <p:to>
+                                        <p:strVal val="visible"/>
+                                      </p:to>
+                                    </p:set>
+                                    <p:anim calcmode="lin" valueType="num">
+                                      <p:cBhvr>
+                                        <p:cTn id="15" dur="1000" fill="hold"/>
+                                        <p:tgtEl>
+                                          <p:spTgt spid="6"/>
+                                        </p:tgtEl>
+                                        <p:attrNameLst>
+                                          <p:attrName>ppt_w</p:attrName>
+                                        </p:attrNameLst>
+                                      </p:cBhvr>
+                                      <p:tavLst>
+                                        <p:tav tm="0">
+                                          <p:val>
+                                            <p:fltVal val="0"/>
+                                          </p:val>
+                                        </p:tav>
+                                        <p:tav tm="100000">
+                                          <p:val>
+                                            <p:strVal val="#ppt_w"/>
+                                          </p:val>
+                                        </p:tav>
+                                      </p:tavLst>
+                                    </p:anim>
+                                    <p:anim calcmode="lin" valueType="num">
+                                      <p:cBhvr>
+                                        <p:cTn id="16" dur="1000" fill="hold"/>
+                                        <p:tgtEl>
+                                          <p:spTgt spid="6"/>
+                                        </p:tgtEl>
+                                        <p:attrNameLst>
+                                          <p:attrName>ppt_h</p:attrName>
+                                        </p:attrNameLst>
+                                      </p:cBhvr>
+                                      <p:tavLst>
+                                        <p:tav tm="0">
+                                          <p:val>
+                                            <p:fltVal val="0"/>
+                                          </p:val>
+                                        </p:tav>
+                                        <p:tav tm="100000">
+                                          <p:val>
+                                            <p:strVal val="#ppt_h"/>
+                                          </p:val>
+                                        </p:tav>
+                                      </p:tavLst>
+                                    </p:anim>
+                                    <p:animEffect transition="in" filter="fade">
+                                      <p:cBhvr>
+                                        <p:cTn id="17" dur="1000"/>
+                                        <p:tgtEl>
+                                          <p:spTgt spid="6"/>
+                                        </p:tgtEl>
+                                      </p:cBhvr>
+                                    </p:animEffect>
+                                  </p:childTnLst>
+                                </p:cTn>
+                              </p:par>
+                              <p:par>
+                                <p:cTn id="18" presetID="31" presetClass="entr" presetSubtype="0" fill="hold" nodeType="withEffect">
+                                  <p:stCondLst>
+                                    <p:cond delay="0"/>
+                                  </p:stCondLst>
+                                  <p:childTnLst>
+                                    <p:set>
+                                      <p:cBhvr>
+                                        <p:cTn id="19" dur="1" fill="hold">
+                                          <p:stCondLst>
+                                            <p:cond delay="0"/>
+                                          </p:stCondLst>
+                                        </p:cTn>
+                                        <p:tgtEl>
+                                          <p:spTgt spid="6"/>
+                                        </p:tgtEl>
+                                        <p:attrNameLst>
+                                          <p:attrName>style.visibility</p:attrName>
+                                        </p:attrNameLst>
+                                      </p:cBhvr>
+                                      <p:to>
+                                        <p:strVal val="visible"/>
+                                      </p:to>
+                                    </p:set>
+                                    <p:anim calcmode="lin" valueType="num">
+                                      <p:cBhvr>
+                                        <p:cTn id="20" dur="1000" fill="hold"/>
+                                        <p:tgtEl>
+                                          <p:spTgt spid="6"/>
+                                        </p:tgtEl>
+                                        <p:attrNameLst>
+                                          <p:attrName>ppt_w</p:attrName>
+                                        </p:attrNameLst>
+                                      </p:cBhvr>
+                                      <p:tavLst>
+                                        <p:tav tm="0">
+                                          <p:val>
+                                            <p:fltVal val="0"/>
+                                          </p:val>
+                                        </p:tav>
+                                        <p:tav tm="100000">
+                                          <p:val>
+                                            <p:strVal val="#ppt_w"/>
+                                          </p:val>
+                                        </p:tav>
+                                      </p:tavLst>
+                                    </p:anim>
+                                    <p:anim calcmode="lin" valueType="num">
+                                      <p:cBhvr>
+                                        <p:cTn id="21" dur="1000" fill="hold"/>
+                                        <p:tgtEl>
+                                          <p:spTgt spid="6"/>
+                                        </p:tgtEl>
+                                        <p:attrNameLst>
+                                          <p:attrName>ppt_h</p:attrName>
+                                        </p:attrNameLst>
+                                      </p:cBhvr>
+                                      <p:tavLst>
+                                        <p:tav tm="0">
+                                          <p:val>
+                                            <p:fltVal val="0"/>
+                                          </p:val>
+                                        </p:tav>
+                                        <p:tav tm="100000">
+                                          <p:val>
+                                            <p:strVal val="#ppt_h"/>
+                                          </p:val>
+                                        </p:tav>
+                                      </p:tavLst>
+                                    </p:anim>
+                                    <p:anim calcmode="lin" valueType="num">
+                                      <p:cBhvr>
+                                        <p:cTn id="22" dur="1000" fill="hold"/>
+                                        <p:tgtEl>
+                                          <p:spTgt spid="6"/>
+                                        </p:tgtEl>
+                                        <p:attrNameLst>
+                                          <p:attrName>style.rotation</p:attrName>
+                                        </p:attrNameLst>
+                                      </p:cBhvr>
+                                      <p:tavLst>
+                                        <p:tav tm="0">
+                                          <p:val>
+                                            <p:fltVal val="90"/>
+                                          </p:val>
+                                        </p:tav>
+                                        <p:tav tm="100000">
+                                          <p:val>
+                                            <p:fltVal val="0"/>
+                                          </p:val>
+                                        </p:tav>
+                                      </p:tavLst>
+                                    </p:anim>
+                                    <p:animEffect transition="in" filter="fade">
+                                      <p:cBhvr>
+                                        <p:cTn id="23" dur="1000"/>
+                                        <p:tgtEl>
+                                          <p:spTgt spid="6"/>
+                                        </p:tgtEl>
+                                      </p:cBhvr>
+                                    </p:animEffect>
+                                  </p:childTnLst>
+                                </p:cTn>
+                              </p:par>
+                              <p:par>
+                                <p:cTn id="24" presetID="26" presetClass="emph" presetSubtype="0" fill="hold" nodeType="withEffect">
+                                  <p:stCondLst>
+                                    <p:cond delay="1000"/>
+                                  </p:stCondLst>
+                                  <p:childTnLst>
+                                    <p:animEffect transition="out" filter="fade">
+                                      <p:cBhvr>
+                                        <p:cTn id="25" dur="500" tmFilter="0, 0; .2, .5; .8, .5; 1, 0"/>
+                                        <p:tgtEl>
+                                          <p:spTgt spid="6"/>
+                                        </p:tgtEl>
+                                      </p:cBhvr>
+                                    </p:animEffect>
+                                    <p:animScale>
+                                      <p:cBhvr>
+                                        <p:cTn id="26" dur="250" autoRev="1" fill="hold"/>
+                                        <p:tgtEl>
+                                          <p:spTgt spid="6"/>
+                                        </p:tgtEl>
+                                      </p:cBhvr>
+                                      <p:by x="105000" y="105000"/>
+                                    </p:animScale>
                                   </p:childTnLst>
                                 </p:cTn>
                               </p:par>
